--- a/MentOS - Process Management.pptx
+++ b/MentOS - Process Management.pptx
@@ -5,49 +5,48 @@
     <p:sldMasterId id="2147483684" r:id="rId4"/>
   </p:sldMasterIdLst>
   <p:notesMasterIdLst>
-    <p:notesMasterId r:id="rId42"/>
+    <p:notesMasterId r:id="rId41"/>
   </p:notesMasterIdLst>
   <p:handoutMasterIdLst>
-    <p:handoutMasterId r:id="rId43"/>
+    <p:handoutMasterId r:id="rId42"/>
   </p:handoutMasterIdLst>
   <p:sldIdLst>
-    <p:sldId id="256" r:id="rId5"/>
-    <p:sldId id="297" r:id="rId6"/>
-    <p:sldId id="292" r:id="rId7"/>
-    <p:sldId id="262" r:id="rId8"/>
-    <p:sldId id="291" r:id="rId9"/>
-    <p:sldId id="263" r:id="rId10"/>
-    <p:sldId id="264" r:id="rId11"/>
-    <p:sldId id="265" r:id="rId12"/>
-    <p:sldId id="266" r:id="rId13"/>
-    <p:sldId id="267" r:id="rId14"/>
-    <p:sldId id="268" r:id="rId15"/>
-    <p:sldId id="269" r:id="rId16"/>
-    <p:sldId id="293" r:id="rId17"/>
-    <p:sldId id="270" r:id="rId18"/>
-    <p:sldId id="271" r:id="rId19"/>
-    <p:sldId id="272" r:id="rId20"/>
-    <p:sldId id="273" r:id="rId21"/>
-    <p:sldId id="274" r:id="rId22"/>
-    <p:sldId id="275" r:id="rId23"/>
-    <p:sldId id="276" r:id="rId24"/>
-    <p:sldId id="277" r:id="rId25"/>
-    <p:sldId id="278" r:id="rId26"/>
-    <p:sldId id="280" r:id="rId27"/>
-    <p:sldId id="282" r:id="rId28"/>
-    <p:sldId id="287" r:id="rId29"/>
-    <p:sldId id="283" r:id="rId30"/>
-    <p:sldId id="281" r:id="rId31"/>
-    <p:sldId id="294" r:id="rId32"/>
-    <p:sldId id="284" r:id="rId33"/>
-    <p:sldId id="285" r:id="rId34"/>
-    <p:sldId id="295" r:id="rId35"/>
-    <p:sldId id="286" r:id="rId36"/>
-    <p:sldId id="288" r:id="rId37"/>
-    <p:sldId id="289" r:id="rId38"/>
-    <p:sldId id="290" r:id="rId39"/>
-    <p:sldId id="296" r:id="rId40"/>
-    <p:sldId id="260" r:id="rId41"/>
+    <p:sldId id="297" r:id="rId5"/>
+    <p:sldId id="292" r:id="rId6"/>
+    <p:sldId id="262" r:id="rId7"/>
+    <p:sldId id="291" r:id="rId8"/>
+    <p:sldId id="263" r:id="rId9"/>
+    <p:sldId id="264" r:id="rId10"/>
+    <p:sldId id="265" r:id="rId11"/>
+    <p:sldId id="266" r:id="rId12"/>
+    <p:sldId id="267" r:id="rId13"/>
+    <p:sldId id="268" r:id="rId14"/>
+    <p:sldId id="269" r:id="rId15"/>
+    <p:sldId id="293" r:id="rId16"/>
+    <p:sldId id="270" r:id="rId17"/>
+    <p:sldId id="271" r:id="rId18"/>
+    <p:sldId id="272" r:id="rId19"/>
+    <p:sldId id="273" r:id="rId20"/>
+    <p:sldId id="274" r:id="rId21"/>
+    <p:sldId id="275" r:id="rId22"/>
+    <p:sldId id="276" r:id="rId23"/>
+    <p:sldId id="277" r:id="rId24"/>
+    <p:sldId id="278" r:id="rId25"/>
+    <p:sldId id="280" r:id="rId26"/>
+    <p:sldId id="282" r:id="rId27"/>
+    <p:sldId id="287" r:id="rId28"/>
+    <p:sldId id="283" r:id="rId29"/>
+    <p:sldId id="281" r:id="rId30"/>
+    <p:sldId id="294" r:id="rId31"/>
+    <p:sldId id="284" r:id="rId32"/>
+    <p:sldId id="285" r:id="rId33"/>
+    <p:sldId id="295" r:id="rId34"/>
+    <p:sldId id="286" r:id="rId35"/>
+    <p:sldId id="288" r:id="rId36"/>
+    <p:sldId id="289" r:id="rId37"/>
+    <p:sldId id="290" r:id="rId38"/>
+    <p:sldId id="296" r:id="rId39"/>
+    <p:sldId id="260" r:id="rId40"/>
   </p:sldIdLst>
   <p:sldSz cx="12192000" cy="6858000"/>
   <p:notesSz cx="6858000" cy="9144000"/>
@@ -161,6 +160,7 @@
 <p1510:revInfo xmlns:a="http://schemas.openxmlformats.org/drawingml/2006/main" xmlns:r="http://schemas.openxmlformats.org/officeDocument/2006/relationships" xmlns:p1510="http://schemas.microsoft.com/office/powerpoint/2015/10/main">
   <p1510:revLst>
     <p1510:client id="{4AB3D4B1-B6E4-4FB5-A6F3-EC5F1FB80BCA}" v="86" dt="2023-08-20T13:10:26.969"/>
+    <p1510:client id="{5CEC7151-7C08-441D-821F-2FFC8FECCEAC}" v="9" dt="2023-08-21T18:15:48.675"/>
     <p1510:client id="{85C0C5A0-9679-4566-8E94-774874BB5338}" v="70" dt="2023-08-20T16:06:46.876"/>
     <p1510:client id="{A6B15BFC-85D5-4357-9537-5F7AA7C4A3F7}" v="108" dt="2023-08-20T13:39:51.206"/>
     <p1510:client id="{F6F52296-290C-4C43-A1AB-A89C9322BE03}" v="42" dt="2023-08-20T14:21:35.035"/>
@@ -3448,7 +3448,7 @@
           <a:p>
             <a:fld id="{79853C4C-502E-464F-BAA8-27DBB71A0B97}" type="datetimeFigureOut">
               <a:rPr lang="it-IT" smtClean="0"/>
-              <a:t>20/08/2023</a:t>
+              <a:t>21/08/2023</a:t>
             </a:fld>
             <a:endParaRPr lang="it-IT"/>
           </a:p>
@@ -3626,7 +3626,7 @@
           <a:p>
             <a:fld id="{AF56E82B-0561-4374-A755-5D7F376F3791}" type="datetimeFigureOut">
               <a:rPr lang="it-IT" noProof="0" smtClean="0"/>
-              <a:t>20/08/2023</a:t>
+              <a:t>21/08/2023</a:t>
             </a:fld>
             <a:endParaRPr lang="it-IT" noProof="0"/>
           </a:p>
@@ -4043,7 +4043,7 @@
           <a:p>
             <a:fld id="{1317C824-2132-4BB7-8F95-0CAE4412AE81}" type="slidenum">
               <a:rPr lang="it-IT" noProof="0" smtClean="0"/>
-              <a:t>36</a:t>
+              <a:t>37</a:t>
             </a:fld>
             <a:endParaRPr lang="it-IT" noProof="0"/>
           </a:p>
@@ -4306,7 +4306,7 @@
             <a:fld id="{B61BEF0D-F0BB-DE4B-95CE-6DB70DBA9567}" type="datetimeFigureOut">
               <a:rPr lang="en-US" dirty="0"/>
               <a:pPr/>
-              <a:t>8/20/2023</a:t>
+              <a:t>8/21/2023</a:t>
             </a:fld>
             <a:endParaRPr lang="en-US" dirty="0"/>
           </a:p>
@@ -4568,7 +4568,7 @@
             <a:fld id="{B61BEF0D-F0BB-DE4B-95CE-6DB70DBA9567}" type="datetimeFigureOut">
               <a:rPr lang="en-US" dirty="0"/>
               <a:pPr/>
-              <a:t>8/20/2023</a:t>
+              <a:t>8/21/2023</a:t>
             </a:fld>
             <a:endParaRPr lang="en-US" dirty="0"/>
           </a:p>
@@ -4803,7 +4803,7 @@
             <a:fld id="{B61BEF0D-F0BB-DE4B-95CE-6DB70DBA9567}" type="datetimeFigureOut">
               <a:rPr lang="en-US" dirty="0"/>
               <a:pPr/>
-              <a:t>8/20/2023</a:t>
+              <a:t>8/21/2023</a:t>
             </a:fld>
             <a:endParaRPr lang="en-US" dirty="0"/>
           </a:p>
@@ -5043,7 +5043,7 @@
             <a:fld id="{B61BEF0D-F0BB-DE4B-95CE-6DB70DBA9567}" type="datetimeFigureOut">
               <a:rPr lang="en-US" dirty="0"/>
               <a:pPr/>
-              <a:t>8/20/2023</a:t>
+              <a:t>8/21/2023</a:t>
             </a:fld>
             <a:endParaRPr lang="en-US" dirty="0"/>
           </a:p>
@@ -5351,7 +5351,7 @@
             <a:fld id="{B61BEF0D-F0BB-DE4B-95CE-6DB70DBA9567}" type="datetimeFigureOut">
               <a:rPr lang="en-US" dirty="0"/>
               <a:pPr/>
-              <a:t>8/20/2023</a:t>
+              <a:t>8/21/2023</a:t>
             </a:fld>
             <a:endParaRPr lang="en-US" dirty="0"/>
           </a:p>
@@ -5652,7 +5652,7 @@
             <a:fld id="{B61BEF0D-F0BB-DE4B-95CE-6DB70DBA9567}" type="datetimeFigureOut">
               <a:rPr lang="en-US" dirty="0"/>
               <a:pPr/>
-              <a:t>8/20/2023</a:t>
+              <a:t>8/21/2023</a:t>
             </a:fld>
             <a:endParaRPr lang="en-US" dirty="0"/>
           </a:p>
@@ -6073,7 +6073,7 @@
             <a:fld id="{B61BEF0D-F0BB-DE4B-95CE-6DB70DBA9567}" type="datetimeFigureOut">
               <a:rPr lang="en-US" dirty="0"/>
               <a:pPr/>
-              <a:t>8/20/2023</a:t>
+              <a:t>8/21/2023</a:t>
             </a:fld>
             <a:endParaRPr lang="en-US" dirty="0"/>
           </a:p>
@@ -6236,7 +6236,7 @@
             <a:fld id="{B61BEF0D-F0BB-DE4B-95CE-6DB70DBA9567}" type="datetimeFigureOut">
               <a:rPr lang="en-US" dirty="0"/>
               <a:pPr/>
-              <a:t>8/20/2023</a:t>
+              <a:t>8/21/2023</a:t>
             </a:fld>
             <a:endParaRPr lang="en-US" dirty="0"/>
           </a:p>
@@ -6333,7 +6333,7 @@
             <a:fld id="{B61BEF0D-F0BB-DE4B-95CE-6DB70DBA9567}" type="datetimeFigureOut">
               <a:rPr lang="en-US" dirty="0"/>
               <a:pPr/>
-              <a:t>8/20/2023</a:t>
+              <a:t>8/21/2023</a:t>
             </a:fld>
             <a:endParaRPr lang="en-US" dirty="0"/>
           </a:p>
@@ -6711,7 +6711,7 @@
             <a:fld id="{B61BEF0D-F0BB-DE4B-95CE-6DB70DBA9567}" type="datetimeFigureOut">
               <a:rPr lang="en-US" dirty="0"/>
               <a:pPr/>
-              <a:t>8/20/2023</a:t>
+              <a:t>8/21/2023</a:t>
             </a:fld>
             <a:endParaRPr lang="en-US" dirty="0"/>
           </a:p>
@@ -6997,7 +6997,7 @@
             <a:fld id="{B61BEF0D-F0BB-DE4B-95CE-6DB70DBA9567}" type="datetimeFigureOut">
               <a:rPr lang="en-US" dirty="0"/>
               <a:pPr/>
-              <a:t>8/20/2023</a:t>
+              <a:t>8/21/2023</a:t>
             </a:fld>
             <a:endParaRPr lang="en-US" dirty="0"/>
           </a:p>
@@ -7236,7 +7236,7 @@
             <a:fld id="{B61BEF0D-F0BB-DE4B-95CE-6DB70DBA9567}" type="datetimeFigureOut">
               <a:rPr lang="en-US" dirty="0"/>
               <a:pPr/>
-              <a:t>8/20/2023</a:t>
+              <a:t>8/21/2023</a:t>
             </a:fld>
             <a:endParaRPr lang="en-US" dirty="0"/>
           </a:p>
@@ -7826,9 +7826,12 @@
   <p:cSld>
     <p:bg>
       <p:bgPr>
-        <a:solidFill>
-          <a:schemeClr val="bg1"/>
-        </a:solidFill>
+        <a:blipFill>
+          <a:blip r:embed="rId3"/>
+          <a:stretch>
+            <a:fillRect/>
+          </a:stretch>
+        </a:blipFill>
         <a:effectLst/>
       </p:bgPr>
     </p:bg>
@@ -7848,10 +7851,10 @@
       </p:grpSpPr>
       <p:sp useBgFill="1">
         <p:nvSpPr>
-          <p:cNvPr id="70" name="Rectangle 69">
+          <p:cNvPr id="85" name="Rectangle 68">
             <a:extLst>
               <a:ext uri="{FF2B5EF4-FFF2-40B4-BE49-F238E27FC236}">
-                <a16:creationId xmlns:a16="http://schemas.microsoft.com/office/drawing/2014/main" id="{493D4EDA-58E0-40CC-B3CA-14CDEB349D24}"/>
+                <a16:creationId xmlns:a16="http://schemas.microsoft.com/office/drawing/2014/main" id="{DA182162-B517-4B41-B039-339F87FAE1D0}"/>
               </a:ext>
               <a:ext uri="{C183D7F6-B498-43B3-948B-1728B52AA6E4}">
                 <adec:decorative xmlns:adec="http://schemas.microsoft.com/office/drawing/2017/decorative" val="1"/>
@@ -7906,2840 +7909,6 @@
           </a:p>
         </p:txBody>
       </p:sp>
-      <p:pic>
-        <p:nvPicPr>
-          <p:cNvPr id="7" name="Immagine 6" descr="Immagine che contiene circuito, Ingegneria elettronica, elettronica, Componente elettrico&#10;&#10;Descrizione generata automaticamente">
-            <a:extLst>
-              <a:ext uri="{FF2B5EF4-FFF2-40B4-BE49-F238E27FC236}">
-                <a16:creationId xmlns:a16="http://schemas.microsoft.com/office/drawing/2014/main" id="{3840F91C-EDD0-4D4E-A4AB-E6C77856C88C}"/>
-              </a:ext>
-            </a:extLst>
-          </p:cNvPr>
-          <p:cNvPicPr>
-            <a:picLocks noChangeAspect="1"/>
-          </p:cNvPicPr>
-          <p:nvPr/>
-        </p:nvPicPr>
-        <p:blipFill rotWithShape="1">
-          <a:blip r:embed="rId2"/>
-          <a:srcRect/>
-          <a:stretch/>
-        </p:blipFill>
-        <p:spPr>
-          <a:xfrm>
-            <a:off x="20" y="10"/>
-            <a:ext cx="12191980" cy="6857990"/>
-          </a:xfrm>
-          <a:prstGeom prst="rect">
-            <a:avLst/>
-          </a:prstGeom>
-        </p:spPr>
-      </p:pic>
-      <p:grpSp>
-        <p:nvGrpSpPr>
-          <p:cNvPr id="72" name="Group 71">
-            <a:extLst>
-              <a:ext uri="{FF2B5EF4-FFF2-40B4-BE49-F238E27FC236}">
-                <a16:creationId xmlns:a16="http://schemas.microsoft.com/office/drawing/2014/main" id="{AA9EB0BC-A85E-4C26-B355-5DFCEF6CCB49}"/>
-              </a:ext>
-              <a:ext uri="{C183D7F6-B498-43B3-948B-1728B52AA6E4}">
-                <adec:decorative xmlns:adec="http://schemas.microsoft.com/office/drawing/2017/decorative" val="1"/>
-              </a:ext>
-            </a:extLst>
-          </p:cNvPr>
-          <p:cNvGrpSpPr>
-            <a:grpSpLocks noGrp="1" noUngrp="1" noRot="1" noChangeAspect="1" noMove="1" noResize="1"/>
-          </p:cNvGrpSpPr>
-          <p:nvPr>
-            <p:extLst>
-              <p:ext uri="{386F3935-93C4-4BCD-93E2-E3B085C9AB24}">
-                <p16:designElem xmlns:p16="http://schemas.microsoft.com/office/powerpoint/2015/main" val="1"/>
-              </p:ext>
-            </p:extLst>
-          </p:nvPr>
-        </p:nvGrpSpPr>
-        <p:grpSpPr>
-          <a:xfrm>
-            <a:off x="446534" y="453643"/>
-            <a:ext cx="11298933" cy="98554"/>
-            <a:chOff x="446534" y="453643"/>
-            <a:chExt cx="11298933" cy="98554"/>
-          </a:xfrm>
-        </p:grpSpPr>
-        <p:sp>
-          <p:nvSpPr>
-            <p:cNvPr id="73" name="Rectangle 72">
-              <a:extLst>
-                <a:ext uri="{FF2B5EF4-FFF2-40B4-BE49-F238E27FC236}">
-                  <a16:creationId xmlns:a16="http://schemas.microsoft.com/office/drawing/2014/main" id="{3643E56B-BD42-413D-B17D-7958270F5DE4}"/>
-                </a:ext>
-                <a:ext uri="{C183D7F6-B498-43B3-948B-1728B52AA6E4}">
-                  <adec:decorative xmlns:adec="http://schemas.microsoft.com/office/drawing/2017/decorative" val="1"/>
-                </a:ext>
-              </a:extLst>
-            </p:cNvPr>
-            <p:cNvSpPr/>
-            <p:nvPr>
-              <p:extLst>
-                <p:ext uri="{386F3935-93C4-4BCD-93E2-E3B085C9AB24}">
-                  <p16:designElem xmlns:p16="http://schemas.microsoft.com/office/powerpoint/2015/main" val="1"/>
-                </p:ext>
-              </p:extLst>
-            </p:nvPr>
-          </p:nvSpPr>
-          <p:spPr>
-            <a:xfrm>
-              <a:off x="446534" y="457200"/>
-              <a:ext cx="3703320" cy="94997"/>
-            </a:xfrm>
-            <a:prstGeom prst="rect">
-              <a:avLst/>
-            </a:prstGeom>
-            <a:solidFill>
-              <a:srgbClr val="75E4F7"/>
-            </a:solidFill>
-            <a:ln>
-              <a:noFill/>
-            </a:ln>
-            <a:effectLst/>
-          </p:spPr>
-          <p:style>
-            <a:lnRef idx="1">
-              <a:schemeClr val="accent1"/>
-            </a:lnRef>
-            <a:fillRef idx="3">
-              <a:schemeClr val="accent1"/>
-            </a:fillRef>
-            <a:effectRef idx="2">
-              <a:schemeClr val="accent1"/>
-            </a:effectRef>
-            <a:fontRef idx="minor">
-              <a:schemeClr val="lt1"/>
-            </a:fontRef>
-          </p:style>
-        </p:sp>
-        <p:sp>
-          <p:nvSpPr>
-            <p:cNvPr id="74" name="Rectangle 73">
-              <a:extLst>
-                <a:ext uri="{FF2B5EF4-FFF2-40B4-BE49-F238E27FC236}">
-                  <a16:creationId xmlns:a16="http://schemas.microsoft.com/office/drawing/2014/main" id="{96C04F74-9467-4FA5-95DC-8D481A29740E}"/>
-                </a:ext>
-                <a:ext uri="{C183D7F6-B498-43B3-948B-1728B52AA6E4}">
-                  <adec:decorative xmlns:adec="http://schemas.microsoft.com/office/drawing/2017/decorative" val="1"/>
-                </a:ext>
-              </a:extLst>
-            </p:cNvPr>
-            <p:cNvSpPr/>
-            <p:nvPr>
-              <p:extLst>
-                <p:ext uri="{386F3935-93C4-4BCD-93E2-E3B085C9AB24}">
-                  <p16:designElem xmlns:p16="http://schemas.microsoft.com/office/powerpoint/2015/main" val="1"/>
-                </p:ext>
-              </p:extLst>
-            </p:nvPr>
-          </p:nvSpPr>
-          <p:spPr>
-            <a:xfrm>
-              <a:off x="8042147" y="453643"/>
-              <a:ext cx="3703320" cy="98554"/>
-            </a:xfrm>
-            <a:prstGeom prst="rect">
-              <a:avLst/>
-            </a:prstGeom>
-            <a:solidFill>
-              <a:srgbClr val="75E4F7"/>
-            </a:solidFill>
-            <a:ln>
-              <a:noFill/>
-            </a:ln>
-            <a:effectLst/>
-          </p:spPr>
-          <p:style>
-            <a:lnRef idx="1">
-              <a:schemeClr val="accent1"/>
-            </a:lnRef>
-            <a:fillRef idx="3">
-              <a:schemeClr val="accent1"/>
-            </a:fillRef>
-            <a:effectRef idx="2">
-              <a:schemeClr val="accent1"/>
-            </a:effectRef>
-            <a:fontRef idx="minor">
-              <a:schemeClr val="lt1"/>
-            </a:fontRef>
-          </p:style>
-        </p:sp>
-        <p:sp>
-          <p:nvSpPr>
-            <p:cNvPr id="75" name="Rectangle 74">
-              <a:extLst>
-                <a:ext uri="{FF2B5EF4-FFF2-40B4-BE49-F238E27FC236}">
-                  <a16:creationId xmlns:a16="http://schemas.microsoft.com/office/drawing/2014/main" id="{D73DE1C3-5C37-42E9-A3F0-256F1938327C}"/>
-                </a:ext>
-                <a:ext uri="{C183D7F6-B498-43B3-948B-1728B52AA6E4}">
-                  <adec:decorative xmlns:adec="http://schemas.microsoft.com/office/drawing/2017/decorative" val="1"/>
-                </a:ext>
-              </a:extLst>
-            </p:cNvPr>
-            <p:cNvSpPr/>
-            <p:nvPr>
-              <p:extLst>
-                <p:ext uri="{386F3935-93C4-4BCD-93E2-E3B085C9AB24}">
-                  <p16:designElem xmlns:p16="http://schemas.microsoft.com/office/powerpoint/2015/main" val="1"/>
-                </p:ext>
-              </p:extLst>
-            </p:nvPr>
-          </p:nvSpPr>
-          <p:spPr>
-            <a:xfrm>
-              <a:off x="4241830" y="457200"/>
-              <a:ext cx="3703320" cy="91440"/>
-            </a:xfrm>
-            <a:prstGeom prst="rect">
-              <a:avLst/>
-            </a:prstGeom>
-            <a:solidFill>
-              <a:srgbClr val="75E4F7"/>
-            </a:solidFill>
-            <a:ln>
-              <a:noFill/>
-            </a:ln>
-            <a:effectLst/>
-          </p:spPr>
-          <p:style>
-            <a:lnRef idx="1">
-              <a:schemeClr val="accent1"/>
-            </a:lnRef>
-            <a:fillRef idx="3">
-              <a:schemeClr val="accent1"/>
-            </a:fillRef>
-            <a:effectRef idx="2">
-              <a:schemeClr val="accent1"/>
-            </a:effectRef>
-            <a:fontRef idx="minor">
-              <a:schemeClr val="lt1"/>
-            </a:fontRef>
-          </p:style>
-        </p:sp>
-      </p:grpSp>
-      <p:sp>
-        <p:nvSpPr>
-          <p:cNvPr id="77" name="Rectangle 76">
-            <a:extLst>
-              <a:ext uri="{FF2B5EF4-FFF2-40B4-BE49-F238E27FC236}">
-                <a16:creationId xmlns:a16="http://schemas.microsoft.com/office/drawing/2014/main" id="{4A2E7EC3-E07C-46CE-9B25-41865A50681C}"/>
-              </a:ext>
-              <a:ext uri="{C183D7F6-B498-43B3-948B-1728B52AA6E4}">
-                <adec:decorative xmlns:adec="http://schemas.microsoft.com/office/drawing/2017/decorative" val="1"/>
-              </a:ext>
-            </a:extLst>
-          </p:cNvPr>
-          <p:cNvSpPr>
-            <a:spLocks noGrp="1" noRot="1" noChangeAspect="1" noMove="1" noResize="1" noEditPoints="1" noAdjustHandles="1" noChangeArrowheads="1" noChangeShapeType="1" noTextEdit="1"/>
-          </p:cNvSpPr>
-          <p:nvPr>
-            <p:extLst>
-              <p:ext uri="{386F3935-93C4-4BCD-93E2-E3B085C9AB24}">
-                <p16:designElem xmlns:p16="http://schemas.microsoft.com/office/powerpoint/2015/main" val="1"/>
-              </p:ext>
-            </p:extLst>
-          </p:nvPr>
-        </p:nvSpPr>
-        <p:spPr>
-          <a:xfrm>
-            <a:off x="448732" y="4428067"/>
-            <a:ext cx="11260667" cy="1962497"/>
-          </a:xfrm>
-          <a:prstGeom prst="rect">
-            <a:avLst/>
-          </a:prstGeom>
-          <a:solidFill>
-            <a:schemeClr val="accent1">
-              <a:alpha val="97000"/>
-            </a:schemeClr>
-          </a:solidFill>
-          <a:ln w="6350" cmpd="sng">
-            <a:noFill/>
-          </a:ln>
-          <a:effectLst/>
-        </p:spPr>
-        <p:style>
-          <a:lnRef idx="1">
-            <a:schemeClr val="accent1"/>
-          </a:lnRef>
-          <a:fillRef idx="3">
-            <a:schemeClr val="accent1"/>
-          </a:fillRef>
-          <a:effectRef idx="2">
-            <a:schemeClr val="accent1"/>
-          </a:effectRef>
-          <a:fontRef idx="minor">
-            <a:schemeClr val="lt1"/>
-          </a:fontRef>
-        </p:style>
-      </p:sp>
-      <p:sp>
-        <p:nvSpPr>
-          <p:cNvPr id="2" name="Titolo 1">
-            <a:extLst>
-              <a:ext uri="{FF2B5EF4-FFF2-40B4-BE49-F238E27FC236}">
-                <a16:creationId xmlns:a16="http://schemas.microsoft.com/office/drawing/2014/main" id="{C02C5318-1A1E-49D0-B2E2-A4B0FA9E8A40}"/>
-              </a:ext>
-            </a:extLst>
-          </p:cNvPr>
-          <p:cNvSpPr>
-            <a:spLocks noGrp="1"/>
-          </p:cNvSpPr>
-          <p:nvPr>
-            <p:ph type="ctrTitle"/>
-          </p:nvPr>
-        </p:nvSpPr>
-        <p:spPr>
-          <a:xfrm>
-            <a:off x="581191" y="4572000"/>
-            <a:ext cx="10993549" cy="895244"/>
-          </a:xfrm>
-        </p:spPr>
-        <p:txBody>
-          <a:bodyPr rtlCol="0">
-            <a:normAutofit/>
-          </a:bodyPr>
-          <a:lstStyle/>
-          <a:p>
-            <a:pPr rtl="0"/>
-            <a:r>
-              <a:rPr lang="it-IT" sz="4000">
-                <a:solidFill>
-                  <a:schemeClr val="bg1"/>
-                </a:solidFill>
-              </a:rPr>
-              <a:t>Process Management</a:t>
-            </a:r>
-          </a:p>
-        </p:txBody>
-      </p:sp>
-      <p:sp>
-        <p:nvSpPr>
-          <p:cNvPr id="3" name="Sottotitolo 2">
-            <a:extLst>
-              <a:ext uri="{FF2B5EF4-FFF2-40B4-BE49-F238E27FC236}">
-                <a16:creationId xmlns:a16="http://schemas.microsoft.com/office/drawing/2014/main" id="{48B6CF59-4E5B-494D-A2F7-97ADD01E6497}"/>
-              </a:ext>
-            </a:extLst>
-          </p:cNvPr>
-          <p:cNvSpPr>
-            <a:spLocks noGrp="1"/>
-          </p:cNvSpPr>
-          <p:nvPr>
-            <p:ph type="subTitle" idx="1"/>
-          </p:nvPr>
-        </p:nvSpPr>
-        <p:spPr>
-          <a:xfrm>
-            <a:off x="581194" y="5467246"/>
-            <a:ext cx="10993546" cy="484822"/>
-          </a:xfrm>
-        </p:spPr>
-        <p:txBody>
-          <a:bodyPr rtlCol="0">
-            <a:normAutofit/>
-          </a:bodyPr>
-          <a:lstStyle/>
-          <a:p>
-            <a:r>
-              <a:rPr lang="it-IT" dirty="0"/>
-              <a:t>E Analisi degli algoritmi di scheduling in </a:t>
-            </a:r>
-            <a:r>
-              <a:rPr lang="it-IT" dirty="0" err="1"/>
-              <a:t>mentOs</a:t>
-            </a:r>
-          </a:p>
-        </p:txBody>
-      </p:sp>
-      <p:pic>
-        <p:nvPicPr>
-          <p:cNvPr id="6" name="Immagine 5" descr="Immagine che contiene Elementi grafici, Carattere, grafica, logo&#10;&#10;Descrizione generata automaticamente">
-            <a:extLst>
-              <a:ext uri="{FF2B5EF4-FFF2-40B4-BE49-F238E27FC236}">
-                <a16:creationId xmlns:a16="http://schemas.microsoft.com/office/drawing/2014/main" id="{059FB82A-5080-B09F-8F0D-2BA76A412EA0}"/>
-              </a:ext>
-            </a:extLst>
-          </p:cNvPr>
-          <p:cNvPicPr>
-            <a:picLocks noChangeAspect="1"/>
-          </p:cNvPicPr>
-          <p:nvPr/>
-        </p:nvPicPr>
-        <p:blipFill>
-          <a:blip r:embed="rId3"/>
-          <a:stretch>
-            <a:fillRect/>
-          </a:stretch>
-        </p:blipFill>
-        <p:spPr>
-          <a:xfrm>
-            <a:off x="8602785" y="4656015"/>
-            <a:ext cx="2743200" cy="1219200"/>
-          </a:xfrm>
-          <a:prstGeom prst="rect">
-            <a:avLst/>
-          </a:prstGeom>
-        </p:spPr>
-      </p:pic>
-      <p:sp>
-        <p:nvSpPr>
-          <p:cNvPr id="25" name="Titolo 1">
-            <a:extLst>
-              <a:ext uri="{FF2B5EF4-FFF2-40B4-BE49-F238E27FC236}">
-                <a16:creationId xmlns:a16="http://schemas.microsoft.com/office/drawing/2014/main" id="{2234F04D-DB20-C286-266F-D142D3EB06AD}"/>
-              </a:ext>
-            </a:extLst>
-          </p:cNvPr>
-          <p:cNvSpPr txBox="1">
-            <a:spLocks/>
-          </p:cNvSpPr>
-          <p:nvPr/>
-        </p:nvSpPr>
-        <p:spPr>
-          <a:xfrm>
-            <a:off x="635899" y="1383323"/>
-            <a:ext cx="10993549" cy="895244"/>
-          </a:xfrm>
-          <a:prstGeom prst="rect">
-            <a:avLst/>
-          </a:prstGeom>
-          <a:effectLst/>
-        </p:spPr>
-        <p:txBody>
-          <a:bodyPr vert="horz" lIns="91440" tIns="45720" rIns="91440" bIns="45720" rtlCol="0" anchor="b">
-            <a:normAutofit/>
-          </a:bodyPr>
-          <a:lstStyle>
-            <a:lvl1pPr algn="l" defTabSz="457200" rtl="0" eaLnBrk="1" latinLnBrk="0" hangingPunct="1">
-              <a:spcBef>
-                <a:spcPct val="0"/>
-              </a:spcBef>
-              <a:buNone/>
-              <a:defRPr sz="3600" b="0" kern="1200" cap="all">
-                <a:solidFill>
-                  <a:schemeClr val="accent1"/>
-                </a:solidFill>
-                <a:latin typeface="+mj-lt"/>
-                <a:ea typeface="+mj-ea"/>
-                <a:cs typeface="+mj-cs"/>
-              </a:defRPr>
-            </a:lvl1pPr>
-            <a:lvl2pPr eaLnBrk="1" hangingPunct="1">
-              <a:defRPr>
-                <a:solidFill>
-                  <a:schemeClr val="tx2"/>
-                </a:solidFill>
-              </a:defRPr>
-            </a:lvl2pPr>
-            <a:lvl3pPr eaLnBrk="1" hangingPunct="1">
-              <a:defRPr>
-                <a:solidFill>
-                  <a:schemeClr val="tx2"/>
-                </a:solidFill>
-              </a:defRPr>
-            </a:lvl3pPr>
-            <a:lvl4pPr eaLnBrk="1" hangingPunct="1">
-              <a:defRPr>
-                <a:solidFill>
-                  <a:schemeClr val="tx2"/>
-                </a:solidFill>
-              </a:defRPr>
-            </a:lvl4pPr>
-            <a:lvl5pPr eaLnBrk="1" hangingPunct="1">
-              <a:defRPr>
-                <a:solidFill>
-                  <a:schemeClr val="tx2"/>
-                </a:solidFill>
-              </a:defRPr>
-            </a:lvl5pPr>
-            <a:lvl6pPr eaLnBrk="1" hangingPunct="1">
-              <a:defRPr>
-                <a:solidFill>
-                  <a:schemeClr val="tx2"/>
-                </a:solidFill>
-              </a:defRPr>
-            </a:lvl6pPr>
-            <a:lvl7pPr eaLnBrk="1" hangingPunct="1">
-              <a:defRPr>
-                <a:solidFill>
-                  <a:schemeClr val="tx2"/>
-                </a:solidFill>
-              </a:defRPr>
-            </a:lvl7pPr>
-            <a:lvl8pPr eaLnBrk="1" hangingPunct="1">
-              <a:defRPr>
-                <a:solidFill>
-                  <a:schemeClr val="tx2"/>
-                </a:solidFill>
-              </a:defRPr>
-            </a:lvl8pPr>
-            <a:lvl9pPr eaLnBrk="1" hangingPunct="1">
-              <a:defRPr>
-                <a:solidFill>
-                  <a:schemeClr val="tx2"/>
-                </a:solidFill>
-              </a:defRPr>
-            </a:lvl9pPr>
-          </a:lstStyle>
-          <a:p>
-            <a:r>
-              <a:rPr lang="it-IT" sz="3200" dirty="0" err="1">
-                <a:solidFill>
-                  <a:schemeClr val="bg1"/>
-                </a:solidFill>
-              </a:rPr>
-              <a:t>PROgrammazione</a:t>
-            </a:r>
-            <a:r>
-              <a:rPr lang="it-IT" sz="3200" dirty="0">
-                <a:solidFill>
-                  <a:schemeClr val="bg1"/>
-                </a:solidFill>
-              </a:rPr>
-              <a:t> Di Sistema – </a:t>
-            </a:r>
-            <a:r>
-              <a:rPr lang="it-IT" sz="2800" dirty="0">
-                <a:solidFill>
-                  <a:schemeClr val="bg1"/>
-                </a:solidFill>
-              </a:rPr>
-              <a:t>OS </a:t>
-            </a:r>
-            <a:r>
-              <a:rPr lang="it-IT" sz="2800" dirty="0" err="1">
-                <a:solidFill>
-                  <a:schemeClr val="bg1"/>
-                </a:solidFill>
-              </a:rPr>
-              <a:t>Internals</a:t>
-            </a:r>
-            <a:endParaRPr lang="it-IT" sz="3700" dirty="0" err="1">
-              <a:solidFill>
-                <a:schemeClr val="bg1"/>
-              </a:solidFill>
-            </a:endParaRPr>
-          </a:p>
-        </p:txBody>
-      </p:sp>
-      <p:sp>
-        <p:nvSpPr>
-          <p:cNvPr id="37" name="Titolo 1">
-            <a:extLst>
-              <a:ext uri="{FF2B5EF4-FFF2-40B4-BE49-F238E27FC236}">
-                <a16:creationId xmlns:a16="http://schemas.microsoft.com/office/drawing/2014/main" id="{01EFA4A1-1DAD-BF67-DF14-EEE45B6C99A8}"/>
-              </a:ext>
-            </a:extLst>
-          </p:cNvPr>
-          <p:cNvSpPr txBox="1">
-            <a:spLocks/>
-          </p:cNvSpPr>
-          <p:nvPr/>
-        </p:nvSpPr>
-        <p:spPr>
-          <a:xfrm>
-            <a:off x="635899" y="2227775"/>
-            <a:ext cx="10993549" cy="636946"/>
-          </a:xfrm>
-          <a:prstGeom prst="rect">
-            <a:avLst/>
-          </a:prstGeom>
-          <a:effectLst/>
-        </p:spPr>
-        <p:txBody>
-          <a:bodyPr vert="horz" lIns="91440" tIns="45720" rIns="91440" bIns="45720" rtlCol="0" anchor="b">
-            <a:noAutofit/>
-          </a:bodyPr>
-          <a:lstStyle>
-            <a:lvl1pPr algn="l" defTabSz="457200" rtl="0" eaLnBrk="1" latinLnBrk="0" hangingPunct="1">
-              <a:spcBef>
-                <a:spcPct val="0"/>
-              </a:spcBef>
-              <a:buNone/>
-              <a:defRPr sz="3600" b="0" kern="1200" cap="all">
-                <a:solidFill>
-                  <a:schemeClr val="accent1"/>
-                </a:solidFill>
-                <a:latin typeface="+mj-lt"/>
-                <a:ea typeface="+mj-ea"/>
-                <a:cs typeface="+mj-cs"/>
-              </a:defRPr>
-            </a:lvl1pPr>
-            <a:lvl2pPr eaLnBrk="1" hangingPunct="1">
-              <a:defRPr>
-                <a:solidFill>
-                  <a:schemeClr val="tx2"/>
-                </a:solidFill>
-              </a:defRPr>
-            </a:lvl2pPr>
-            <a:lvl3pPr eaLnBrk="1" hangingPunct="1">
-              <a:defRPr>
-                <a:solidFill>
-                  <a:schemeClr val="tx2"/>
-                </a:solidFill>
-              </a:defRPr>
-            </a:lvl3pPr>
-            <a:lvl4pPr eaLnBrk="1" hangingPunct="1">
-              <a:defRPr>
-                <a:solidFill>
-                  <a:schemeClr val="tx2"/>
-                </a:solidFill>
-              </a:defRPr>
-            </a:lvl4pPr>
-            <a:lvl5pPr eaLnBrk="1" hangingPunct="1">
-              <a:defRPr>
-                <a:solidFill>
-                  <a:schemeClr val="tx2"/>
-                </a:solidFill>
-              </a:defRPr>
-            </a:lvl5pPr>
-            <a:lvl6pPr eaLnBrk="1" hangingPunct="1">
-              <a:defRPr>
-                <a:solidFill>
-                  <a:schemeClr val="tx2"/>
-                </a:solidFill>
-              </a:defRPr>
-            </a:lvl6pPr>
-            <a:lvl7pPr eaLnBrk="1" hangingPunct="1">
-              <a:defRPr>
-                <a:solidFill>
-                  <a:schemeClr val="tx2"/>
-                </a:solidFill>
-              </a:defRPr>
-            </a:lvl7pPr>
-            <a:lvl8pPr eaLnBrk="1" hangingPunct="1">
-              <a:defRPr>
-                <a:solidFill>
-                  <a:schemeClr val="tx2"/>
-                </a:solidFill>
-              </a:defRPr>
-            </a:lvl8pPr>
-            <a:lvl9pPr eaLnBrk="1" hangingPunct="1">
-              <a:defRPr>
-                <a:solidFill>
-                  <a:schemeClr val="tx2"/>
-                </a:solidFill>
-              </a:defRPr>
-            </a:lvl9pPr>
-          </a:lstStyle>
-          <a:p>
-            <a:endParaRPr lang="it-IT" sz="1800" dirty="0">
-              <a:solidFill>
-                <a:schemeClr val="bg1"/>
-              </a:solidFill>
-              <a:ea typeface="+mj-lt"/>
-              <a:cs typeface="+mj-lt"/>
-            </a:endParaRPr>
-          </a:p>
-          <a:p>
-            <a:r>
-              <a:rPr lang="it-IT" sz="2000" dirty="0">
-                <a:solidFill>
-                  <a:schemeClr val="bg1"/>
-                </a:solidFill>
-                <a:ea typeface="+mj-lt"/>
-                <a:cs typeface="+mj-lt"/>
-              </a:rPr>
-              <a:t>A.A. 2023/2024</a:t>
-            </a:r>
-            <a:endParaRPr lang="it-IT" sz="2000" dirty="0">
-              <a:solidFill>
-                <a:schemeClr val="bg1"/>
-              </a:solidFill>
-            </a:endParaRPr>
-          </a:p>
-          <a:p>
-            <a:r>
-              <a:rPr lang="it-IT" sz="1600" dirty="0">
-                <a:solidFill>
-                  <a:schemeClr val="bg1"/>
-                </a:solidFill>
-                <a:ea typeface="+mj-lt"/>
-                <a:cs typeface="+mj-lt"/>
-              </a:rPr>
-              <a:t>S319103 SEFA ENDRI - s308786 Oliva Mattia</a:t>
-            </a:r>
-            <a:endParaRPr lang="it-IT" sz="1600" dirty="0">
-              <a:solidFill>
-                <a:schemeClr val="bg1"/>
-              </a:solidFill>
-            </a:endParaRPr>
-          </a:p>
-        </p:txBody>
-      </p:sp>
-    </p:spTree>
-    <p:extLst>
-      <p:ext uri="{BB962C8B-B14F-4D97-AF65-F5344CB8AC3E}">
-        <p14:creationId xmlns:p14="http://schemas.microsoft.com/office/powerpoint/2010/main" val="1487700712"/>
-      </p:ext>
-    </p:extLst>
-  </p:cSld>
-  <p:clrMapOvr>
-    <a:masterClrMapping/>
-  </p:clrMapOvr>
-  <p:timing>
-    <p:tnLst>
-      <p:par>
-        <p:cTn id="1" dur="indefinite" restart="never" nodeType="tmRoot">
-          <p:childTnLst>
-            <p:seq concurrent="1" nextAc="seek">
-              <p:cTn id="2" dur="indefinite" nodeType="mainSeq">
-                <p:childTnLst>
-                  <p:par>
-                    <p:cTn id="3" fill="hold">
-                      <p:stCondLst>
-                        <p:cond delay="indefinite"/>
-                        <p:cond evt="onBegin" delay="0">
-                          <p:tn val="2"/>
-                        </p:cond>
-                      </p:stCondLst>
-                      <p:childTnLst>
-                        <p:par>
-                          <p:cTn id="4" fill="hold">
-                            <p:stCondLst>
-                              <p:cond delay="0"/>
-                            </p:stCondLst>
-                            <p:childTnLst>
-                              <p:par>
-                                <p:cTn id="5" presetID="10" presetClass="entr" presetSubtype="0" fill="hold" grpId="0" nodeType="withEffect">
-                                  <p:stCondLst>
-                                    <p:cond delay="2000"/>
-                                  </p:stCondLst>
-                                  <p:iterate type="lt">
-                                    <p:tmPct val="10000"/>
-                                  </p:iterate>
-                                  <p:childTnLst>
-                                    <p:set>
-                                      <p:cBhvr>
-                                        <p:cTn id="6" dur="1" fill="hold">
-                                          <p:stCondLst>
-                                            <p:cond delay="0"/>
-                                          </p:stCondLst>
-                                        </p:cTn>
-                                        <p:tgtEl>
-                                          <p:spTgt spid="3">
-                                            <p:txEl>
-                                              <p:pRg st="0" end="0"/>
-                                            </p:txEl>
-                                          </p:spTgt>
-                                        </p:tgtEl>
-                                        <p:attrNameLst>
-                                          <p:attrName>style.visibility</p:attrName>
-                                        </p:attrNameLst>
-                                      </p:cBhvr>
-                                      <p:to>
-                                        <p:strVal val="visible"/>
-                                      </p:to>
-                                    </p:set>
-                                    <p:animEffect transition="in" filter="fade">
-                                      <p:cBhvr>
-                                        <p:cTn id="7" dur="400"/>
-                                        <p:tgtEl>
-                                          <p:spTgt spid="3">
-                                            <p:txEl>
-                                              <p:pRg st="0" end="0"/>
-                                            </p:txEl>
-                                          </p:spTgt>
-                                        </p:tgtEl>
-                                      </p:cBhvr>
-                                    </p:animEffect>
-                                  </p:childTnLst>
-                                </p:cTn>
-                              </p:par>
-                              <p:par>
-                                <p:cTn id="8" presetID="10" presetClass="entr" presetSubtype="0" fill="hold" grpId="0" nodeType="withEffect">
-                                  <p:stCondLst>
-                                    <p:cond delay="1000"/>
-                                  </p:stCondLst>
-                                  <p:iterate type="lt">
-                                    <p:tmPct val="10000"/>
-                                  </p:iterate>
-                                  <p:childTnLst>
-                                    <p:set>
-                                      <p:cBhvr>
-                                        <p:cTn id="9" dur="1" fill="hold">
-                                          <p:stCondLst>
-                                            <p:cond delay="0"/>
-                                          </p:stCondLst>
-                                        </p:cTn>
-                                        <p:tgtEl>
-                                          <p:spTgt spid="2"/>
-                                        </p:tgtEl>
-                                        <p:attrNameLst>
-                                          <p:attrName>style.visibility</p:attrName>
-                                        </p:attrNameLst>
-                                      </p:cBhvr>
-                                      <p:to>
-                                        <p:strVal val="visible"/>
-                                      </p:to>
-                                    </p:set>
-                                    <p:animEffect transition="in" filter="fade">
-                                      <p:cBhvr>
-                                        <p:cTn id="10" dur="400"/>
-                                        <p:tgtEl>
-                                          <p:spTgt spid="2"/>
-                                        </p:tgtEl>
-                                      </p:cBhvr>
-                                    </p:animEffect>
-                                  </p:childTnLst>
-                                </p:cTn>
-                              </p:par>
-                              <p:par>
-                                <p:cTn id="11" presetID="10" presetClass="entr" presetSubtype="0" fill="hold" grpId="0" nodeType="withEffect">
-                                  <p:stCondLst>
-                                    <p:cond delay="1000"/>
-                                  </p:stCondLst>
-                                  <p:iterate type="lt">
-                                    <p:tmPct val="10000"/>
-                                  </p:iterate>
-                                  <p:childTnLst>
-                                    <p:set>
-                                      <p:cBhvr>
-                                        <p:cTn id="12" dur="1" fill="hold">
-                                          <p:stCondLst>
-                                            <p:cond delay="0"/>
-                                          </p:stCondLst>
-                                        </p:cTn>
-                                        <p:tgtEl>
-                                          <p:spTgt spid="25"/>
-                                        </p:tgtEl>
-                                        <p:attrNameLst>
-                                          <p:attrName>style.visibility</p:attrName>
-                                        </p:attrNameLst>
-                                      </p:cBhvr>
-                                      <p:to>
-                                        <p:strVal val="visible"/>
-                                      </p:to>
-                                    </p:set>
-                                    <p:animEffect transition="in" filter="fade">
-                                      <p:cBhvr>
-                                        <p:cTn id="13" dur="400"/>
-                                        <p:tgtEl>
-                                          <p:spTgt spid="25"/>
-                                        </p:tgtEl>
-                                      </p:cBhvr>
-                                    </p:animEffect>
-                                  </p:childTnLst>
-                                </p:cTn>
-                              </p:par>
-                              <p:par>
-                                <p:cTn id="14" presetID="10" presetClass="entr" presetSubtype="0" fill="hold" grpId="0" nodeType="withEffect">
-                                  <p:stCondLst>
-                                    <p:cond delay="1000"/>
-                                  </p:stCondLst>
-                                  <p:iterate type="lt">
-                                    <p:tmPct val="10000"/>
-                                  </p:iterate>
-                                  <p:childTnLst>
-                                    <p:set>
-                                      <p:cBhvr>
-                                        <p:cTn id="15" dur="1" fill="hold">
-                                          <p:stCondLst>
-                                            <p:cond delay="0"/>
-                                          </p:stCondLst>
-                                        </p:cTn>
-                                        <p:tgtEl>
-                                          <p:spTgt spid="37"/>
-                                        </p:tgtEl>
-                                        <p:attrNameLst>
-                                          <p:attrName>style.visibility</p:attrName>
-                                        </p:attrNameLst>
-                                      </p:cBhvr>
-                                      <p:to>
-                                        <p:strVal val="visible"/>
-                                      </p:to>
-                                    </p:set>
-                                    <p:animEffect transition="in" filter="fade">
-                                      <p:cBhvr>
-                                        <p:cTn id="16" dur="400"/>
-                                        <p:tgtEl>
-                                          <p:spTgt spid="37"/>
-                                        </p:tgtEl>
-                                      </p:cBhvr>
-                                    </p:animEffect>
-                                  </p:childTnLst>
-                                </p:cTn>
-                              </p:par>
-                            </p:childTnLst>
-                          </p:cTn>
-                        </p:par>
-                      </p:childTnLst>
-                    </p:cTn>
-                  </p:par>
-                </p:childTnLst>
-              </p:cTn>
-              <p:prevCondLst>
-                <p:cond evt="onPrev" delay="0">
-                  <p:tgtEl>
-                    <p:sldTgt/>
-                  </p:tgtEl>
-                </p:cond>
-              </p:prevCondLst>
-              <p:nextCondLst>
-                <p:cond evt="onNext" delay="0">
-                  <p:tgtEl>
-                    <p:sldTgt/>
-                  </p:tgtEl>
-                </p:cond>
-              </p:nextCondLst>
-            </p:seq>
-          </p:childTnLst>
-        </p:cTn>
-      </p:par>
-    </p:tnLst>
-    <p:bldLst>
-      <p:bldP spid="2" grpId="0"/>
-      <p:bldP spid="3" grpId="0" build="p"/>
-      <p:bldP spid="25" grpId="0"/>
-      <p:bldP spid="37" grpId="0"/>
-    </p:bldLst>
-  </p:timing>
-</p:sld>
-</file>
-
-<file path=ppt/slides/slide10.xml><?xml version="1.0" encoding="utf-8"?>
-<p:sld xmlns:a="http://schemas.openxmlformats.org/drawingml/2006/main" xmlns:r="http://schemas.openxmlformats.org/officeDocument/2006/relationships" xmlns:p="http://schemas.openxmlformats.org/presentationml/2006/main">
-  <p:cSld>
-    <p:spTree>
-      <p:nvGrpSpPr>
-        <p:cNvPr id="1" name=""/>
-        <p:cNvGrpSpPr/>
-        <p:nvPr/>
-      </p:nvGrpSpPr>
-      <p:grpSpPr>
-        <a:xfrm>
-          <a:off x="0" y="0"/>
-          <a:ext cx="0" cy="0"/>
-          <a:chOff x="0" y="0"/>
-          <a:chExt cx="0" cy="0"/>
-        </a:xfrm>
-      </p:grpSpPr>
-      <p:sp>
-        <p:nvSpPr>
-          <p:cNvPr id="2" name="Titolo 1">
-            <a:extLst>
-              <a:ext uri="{FF2B5EF4-FFF2-40B4-BE49-F238E27FC236}">
-                <a16:creationId xmlns:a16="http://schemas.microsoft.com/office/drawing/2014/main" id="{2C902DF5-A290-5845-EC46-5FE7FB86D43F}"/>
-              </a:ext>
-            </a:extLst>
-          </p:cNvPr>
-          <p:cNvSpPr>
-            <a:spLocks noGrp="1"/>
-          </p:cNvSpPr>
-          <p:nvPr>
-            <p:ph type="title"/>
-          </p:nvPr>
-        </p:nvSpPr>
-        <p:spPr/>
-        <p:txBody>
-          <a:bodyPr/>
-          <a:lstStyle/>
-          <a:p>
-            <a:r>
-              <a:rPr lang="it-IT" dirty="0"/>
-              <a:t>TIME ACCOUNTING</a:t>
-            </a:r>
-          </a:p>
-        </p:txBody>
-      </p:sp>
-      <p:sp>
-        <p:nvSpPr>
-          <p:cNvPr id="3" name="Segnaposto contenuto 2">
-            <a:extLst>
-              <a:ext uri="{FF2B5EF4-FFF2-40B4-BE49-F238E27FC236}">
-                <a16:creationId xmlns:a16="http://schemas.microsoft.com/office/drawing/2014/main" id="{6C015F41-7719-A65F-FAB1-0B48A164BBBF}"/>
-              </a:ext>
-            </a:extLst>
-          </p:cNvPr>
-          <p:cNvSpPr>
-            <a:spLocks noGrp="1"/>
-          </p:cNvSpPr>
-          <p:nvPr>
-            <p:ph idx="1"/>
-          </p:nvPr>
-        </p:nvSpPr>
-        <p:spPr>
-          <a:xfrm>
-            <a:off x="581192" y="1875453"/>
-            <a:ext cx="11029615" cy="1234868"/>
-          </a:xfrm>
-        </p:spPr>
-        <p:txBody>
-          <a:bodyPr>
-            <a:normAutofit/>
-          </a:bodyPr>
-          <a:lstStyle/>
-          <a:p>
-            <a:pPr marL="0" indent="0">
-              <a:buNone/>
-            </a:pPr>
-            <a:r>
-              <a:rPr lang="it-IT" dirty="0"/>
-              <a:t>Il campo </a:t>
-            </a:r>
-            <a:r>
-              <a:rPr lang="it-IT" b="1" dirty="0"/>
-              <a:t>se</a:t>
-            </a:r>
-            <a:r>
-              <a:rPr lang="it-IT" dirty="0"/>
-              <a:t> di </a:t>
-            </a:r>
-            <a:r>
-              <a:rPr lang="it-IT" dirty="0" err="1"/>
-              <a:t>task_struct</a:t>
-            </a:r>
-            <a:r>
-              <a:rPr lang="it-IT" dirty="0"/>
-              <a:t> è una struttura </a:t>
-            </a:r>
-            <a:r>
-              <a:rPr lang="it-IT" b="1" dirty="0" err="1"/>
-              <a:t>sched_entity</a:t>
-            </a:r>
-            <a:r>
-              <a:rPr lang="it-IT" b="1" dirty="0"/>
-              <a:t> </a:t>
-            </a:r>
-            <a:r>
-              <a:rPr lang="it-IT" dirty="0"/>
-              <a:t>che tiene tutte le informazioni riguardo le attività di scheduling.</a:t>
-            </a:r>
-          </a:p>
-          <a:p>
-            <a:pPr marL="0" indent="0">
-              <a:buNone/>
-            </a:pPr>
-            <a:r>
-              <a:rPr lang="it-IT" dirty="0"/>
-              <a:t>La definizione di questa </a:t>
-            </a:r>
-            <a:r>
-              <a:rPr lang="it-IT" dirty="0" err="1"/>
-              <a:t>struct</a:t>
-            </a:r>
-            <a:r>
-              <a:rPr lang="it-IT" dirty="0"/>
-              <a:t> si trova a sua volta  in </a:t>
-            </a:r>
-            <a:r>
-              <a:rPr lang="it-IT" i="1" dirty="0" err="1"/>
-              <a:t>mentos</a:t>
-            </a:r>
-            <a:r>
-              <a:rPr lang="it-IT" i="1" dirty="0"/>
-              <a:t>/</a:t>
-            </a:r>
-            <a:r>
-              <a:rPr lang="it-IT" i="1" dirty="0" err="1"/>
-              <a:t>inc</a:t>
-            </a:r>
-            <a:r>
-              <a:rPr lang="it-IT" i="1" dirty="0"/>
-              <a:t>/</a:t>
-            </a:r>
-            <a:r>
-              <a:rPr lang="it-IT" i="1" dirty="0" err="1"/>
-              <a:t>process</a:t>
-            </a:r>
-            <a:r>
-              <a:rPr lang="it-IT" i="1" dirty="0"/>
-              <a:t>/</a:t>
-            </a:r>
-            <a:r>
-              <a:rPr lang="it-IT" i="1" dirty="0" err="1"/>
-              <a:t>process.h</a:t>
-            </a:r>
-            <a:r>
-              <a:rPr lang="it-IT" i="1" dirty="0"/>
-              <a:t> </a:t>
-            </a:r>
-            <a:r>
-              <a:rPr lang="it-IT" dirty="0"/>
-              <a:t>.</a:t>
-            </a:r>
-          </a:p>
-          <a:p>
-            <a:pPr marL="0" indent="0">
-              <a:buNone/>
-            </a:pPr>
-            <a:endParaRPr lang="it-IT" dirty="0"/>
-          </a:p>
-        </p:txBody>
-      </p:sp>
-      <p:pic>
-        <p:nvPicPr>
-          <p:cNvPr id="5" name="Immagine 4" descr="Immagine che contiene testo, schermata&#10;&#10;Descrizione generata automaticamente">
-            <a:extLst>
-              <a:ext uri="{FF2B5EF4-FFF2-40B4-BE49-F238E27FC236}">
-                <a16:creationId xmlns:a16="http://schemas.microsoft.com/office/drawing/2014/main" id="{9DD37763-A91D-5F09-600C-362F763FE226}"/>
-              </a:ext>
-            </a:extLst>
-          </p:cNvPr>
-          <p:cNvPicPr>
-            <a:picLocks noChangeAspect="1"/>
-          </p:cNvPicPr>
-          <p:nvPr/>
-        </p:nvPicPr>
-        <p:blipFill>
-          <a:blip r:embed="rId2"/>
-          <a:stretch>
-            <a:fillRect/>
-          </a:stretch>
-        </p:blipFill>
-        <p:spPr>
-          <a:xfrm>
-            <a:off x="1304503" y="2981030"/>
-            <a:ext cx="9582992" cy="3360860"/>
-          </a:xfrm>
-          <a:prstGeom prst="rect">
-            <a:avLst/>
-          </a:prstGeom>
-        </p:spPr>
-      </p:pic>
-    </p:spTree>
-    <p:extLst>
-      <p:ext uri="{BB962C8B-B14F-4D97-AF65-F5344CB8AC3E}">
-        <p14:creationId xmlns:p14="http://schemas.microsoft.com/office/powerpoint/2010/main" val="1156940307"/>
-      </p:ext>
-    </p:extLst>
-  </p:cSld>
-  <p:clrMapOvr>
-    <a:masterClrMapping/>
-  </p:clrMapOvr>
-</p:sld>
-</file>
-
-<file path=ppt/slides/slide11.xml><?xml version="1.0" encoding="utf-8"?>
-<p:sld xmlns:a="http://schemas.openxmlformats.org/drawingml/2006/main" xmlns:r="http://schemas.openxmlformats.org/officeDocument/2006/relationships" xmlns:p="http://schemas.openxmlformats.org/presentationml/2006/main">
-  <p:cSld>
-    <p:spTree>
-      <p:nvGrpSpPr>
-        <p:cNvPr id="1" name=""/>
-        <p:cNvGrpSpPr/>
-        <p:nvPr/>
-      </p:nvGrpSpPr>
-      <p:grpSpPr>
-        <a:xfrm>
-          <a:off x="0" y="0"/>
-          <a:ext cx="0" cy="0"/>
-          <a:chOff x="0" y="0"/>
-          <a:chExt cx="0" cy="0"/>
-        </a:xfrm>
-      </p:grpSpPr>
-      <p:sp>
-        <p:nvSpPr>
-          <p:cNvPr id="2" name="Titolo 1">
-            <a:extLst>
-              <a:ext uri="{FF2B5EF4-FFF2-40B4-BE49-F238E27FC236}">
-                <a16:creationId xmlns:a16="http://schemas.microsoft.com/office/drawing/2014/main" id="{C2E4FAC5-2F03-1473-1A64-5754A9527BA8}"/>
-              </a:ext>
-            </a:extLst>
-          </p:cNvPr>
-          <p:cNvSpPr>
-            <a:spLocks noGrp="1"/>
-          </p:cNvSpPr>
-          <p:nvPr>
-            <p:ph type="title"/>
-          </p:nvPr>
-        </p:nvSpPr>
-        <p:spPr/>
-        <p:txBody>
-          <a:bodyPr/>
-          <a:lstStyle/>
-          <a:p>
-            <a:r>
-              <a:rPr lang="it-IT" dirty="0"/>
-              <a:t>TIME ACCOUNTING PARAMETERS</a:t>
-            </a:r>
-          </a:p>
-        </p:txBody>
-      </p:sp>
-      <p:sp>
-        <p:nvSpPr>
-          <p:cNvPr id="3" name="Segnaposto contenuto 2">
-            <a:extLst>
-              <a:ext uri="{FF2B5EF4-FFF2-40B4-BE49-F238E27FC236}">
-                <a16:creationId xmlns:a16="http://schemas.microsoft.com/office/drawing/2014/main" id="{05E663CF-761C-6AE4-8C04-70D6D3A65B8C}"/>
-              </a:ext>
-            </a:extLst>
-          </p:cNvPr>
-          <p:cNvSpPr>
-            <a:spLocks noGrp="1"/>
-          </p:cNvSpPr>
-          <p:nvPr>
-            <p:ph idx="1"/>
-          </p:nvPr>
-        </p:nvSpPr>
-        <p:spPr/>
-        <p:txBody>
-          <a:bodyPr/>
-          <a:lstStyle/>
-          <a:p>
-            <a:pPr marL="0" indent="0">
-              <a:buNone/>
-            </a:pPr>
-            <a:r>
-              <a:rPr lang="it-IT" dirty="0"/>
-              <a:t>Analizziamo ora i parametri più importanti di </a:t>
-            </a:r>
-            <a:r>
-              <a:rPr lang="it-IT" b="1" dirty="0" err="1"/>
-              <a:t>sched_entity</a:t>
-            </a:r>
-            <a:r>
-              <a:rPr lang="it-IT" dirty="0"/>
-              <a:t>: </a:t>
-            </a:r>
-          </a:p>
-          <a:p>
-            <a:r>
-              <a:rPr lang="it-IT" b="1" dirty="0" err="1"/>
-              <a:t>prio</a:t>
-            </a:r>
-            <a:r>
-              <a:rPr lang="it-IT" dirty="0"/>
-              <a:t>: definisce la priorità di un processo. Con un valore che  va da [100,139], più basso il numero più è alta la priorità. Di default la </a:t>
-            </a:r>
-            <a:r>
-              <a:rPr lang="it-IT" dirty="0" err="1"/>
-              <a:t>prio</a:t>
-            </a:r>
-            <a:r>
-              <a:rPr lang="it-IT" dirty="0"/>
-              <a:t> di un nuovo processo è 120, ma tramite la system call </a:t>
-            </a:r>
-            <a:r>
-              <a:rPr lang="it-IT" dirty="0" err="1"/>
-              <a:t>nice</a:t>
-            </a:r>
-            <a:r>
-              <a:rPr lang="it-IT" dirty="0"/>
-              <a:t>(</a:t>
-            </a:r>
-            <a:r>
-              <a:rPr lang="it-IT" dirty="0" err="1"/>
-              <a:t>int</a:t>
-            </a:r>
-            <a:r>
-              <a:rPr lang="it-IT" dirty="0"/>
-              <a:t>), dove </a:t>
-            </a:r>
-            <a:r>
-              <a:rPr lang="it-IT" dirty="0" err="1"/>
-              <a:t>int</a:t>
-            </a:r>
-            <a:r>
-              <a:rPr lang="it-IT" dirty="0"/>
-              <a:t> è un numero che va da [-20,19] che andrà ad incrementare o decrementare quindi il valore di </a:t>
-            </a:r>
-            <a:r>
-              <a:rPr lang="it-IT" dirty="0" err="1"/>
-              <a:t>prio</a:t>
-            </a:r>
-            <a:r>
-              <a:rPr lang="it-IT" dirty="0"/>
-              <a:t>. </a:t>
-            </a:r>
-          </a:p>
-          <a:p>
-            <a:r>
-              <a:rPr lang="it-IT" b="1" dirty="0" err="1"/>
-              <a:t>start_runtime</a:t>
-            </a:r>
-            <a:r>
-              <a:rPr lang="it-IT" dirty="0"/>
-              <a:t>: il tempo di esecuzione del sistema quando il processo è stato eseguito per la prima volta nella CPU</a:t>
-            </a:r>
-          </a:p>
-          <a:p>
-            <a:r>
-              <a:rPr lang="it-IT" b="1" dirty="0" err="1"/>
-              <a:t>exec_start</a:t>
-            </a:r>
-            <a:r>
-              <a:rPr lang="it-IT" dirty="0"/>
-              <a:t>: il tempo di esecuzione del sistema  quando il processo è stato eseguito per l’ultima volta dalla CPU</a:t>
-            </a:r>
-          </a:p>
-          <a:p>
-            <a:r>
-              <a:rPr lang="it-IT" b="1" dirty="0" err="1"/>
-              <a:t>sum_exec_runtine</a:t>
-            </a:r>
-            <a:r>
-              <a:rPr lang="it-IT" dirty="0"/>
-              <a:t>: il tempo totale di esecuzione speso dal processo nella CPU</a:t>
-            </a:r>
-          </a:p>
-          <a:p>
-            <a:r>
-              <a:rPr lang="it-IT" b="1" dirty="0" err="1"/>
-              <a:t>vruntime</a:t>
-            </a:r>
-            <a:r>
-              <a:rPr lang="it-IT" dirty="0"/>
-              <a:t>: la </a:t>
-            </a:r>
-            <a:r>
-              <a:rPr lang="it-IT" dirty="0" err="1"/>
-              <a:t>virtual</a:t>
-            </a:r>
-            <a:r>
-              <a:rPr lang="it-IT" dirty="0"/>
-              <a:t> </a:t>
-            </a:r>
-            <a:r>
-              <a:rPr lang="it-IT" dirty="0" err="1"/>
-              <a:t>runtime</a:t>
-            </a:r>
-            <a:r>
-              <a:rPr lang="it-IT" dirty="0"/>
-              <a:t>,  ovvero la somma pesata del tempo di esecuzione del processo nella CPU.</a:t>
-            </a:r>
-          </a:p>
-          <a:p>
-            <a:pPr marL="0" indent="0">
-              <a:buNone/>
-            </a:pPr>
-            <a:r>
-              <a:rPr lang="it-IT" dirty="0"/>
-              <a:t>Inoltre ci sono altri parametri utilizzati come statistiche dei processi.</a:t>
-            </a:r>
-          </a:p>
-        </p:txBody>
-      </p:sp>
-    </p:spTree>
-    <p:extLst>
-      <p:ext uri="{BB962C8B-B14F-4D97-AF65-F5344CB8AC3E}">
-        <p14:creationId xmlns:p14="http://schemas.microsoft.com/office/powerpoint/2010/main" val="1319860767"/>
-      </p:ext>
-    </p:extLst>
-  </p:cSld>
-  <p:clrMapOvr>
-    <a:masterClrMapping/>
-  </p:clrMapOvr>
-</p:sld>
-</file>
-
-<file path=ppt/slides/slide12.xml><?xml version="1.0" encoding="utf-8"?>
-<p:sld xmlns:a="http://schemas.openxmlformats.org/drawingml/2006/main" xmlns:r="http://schemas.openxmlformats.org/officeDocument/2006/relationships" xmlns:p="http://schemas.openxmlformats.org/presentationml/2006/main">
-  <p:cSld>
-    <p:spTree>
-      <p:nvGrpSpPr>
-        <p:cNvPr id="1" name=""/>
-        <p:cNvGrpSpPr/>
-        <p:nvPr/>
-      </p:nvGrpSpPr>
-      <p:grpSpPr>
-        <a:xfrm>
-          <a:off x="0" y="0"/>
-          <a:ext cx="0" cy="0"/>
-          <a:chOff x="0" y="0"/>
-          <a:chExt cx="0" cy="0"/>
-        </a:xfrm>
-      </p:grpSpPr>
-      <p:sp>
-        <p:nvSpPr>
-          <p:cNvPr id="2" name="Titolo 1">
-            <a:extLst>
-              <a:ext uri="{FF2B5EF4-FFF2-40B4-BE49-F238E27FC236}">
-                <a16:creationId xmlns:a16="http://schemas.microsoft.com/office/drawing/2014/main" id="{489B8700-EFF5-1D5E-9EE9-D6D8BA5BDDBA}"/>
-              </a:ext>
-            </a:extLst>
-          </p:cNvPr>
-          <p:cNvSpPr>
-            <a:spLocks noGrp="1"/>
-          </p:cNvSpPr>
-          <p:nvPr>
-            <p:ph type="title"/>
-          </p:nvPr>
-        </p:nvSpPr>
-        <p:spPr/>
-        <p:txBody>
-          <a:bodyPr/>
-          <a:lstStyle/>
-          <a:p>
-            <a:r>
-              <a:rPr lang="it-IT" dirty="0" err="1"/>
-              <a:t>CONTEsto</a:t>
-            </a:r>
-            <a:r>
-              <a:rPr lang="it-IT" dirty="0"/>
-              <a:t> di un processo</a:t>
-            </a:r>
-          </a:p>
-        </p:txBody>
-      </p:sp>
-      <p:sp>
-        <p:nvSpPr>
-          <p:cNvPr id="3" name="Segnaposto contenuto 2">
-            <a:extLst>
-              <a:ext uri="{FF2B5EF4-FFF2-40B4-BE49-F238E27FC236}">
-                <a16:creationId xmlns:a16="http://schemas.microsoft.com/office/drawing/2014/main" id="{5A6F9E25-5ED7-4B67-FEC7-E6B8626EAE09}"/>
-              </a:ext>
-            </a:extLst>
-          </p:cNvPr>
-          <p:cNvSpPr>
-            <a:spLocks noGrp="1"/>
-          </p:cNvSpPr>
-          <p:nvPr>
-            <p:ph idx="1"/>
-          </p:nvPr>
-        </p:nvSpPr>
-        <p:spPr>
-          <a:xfrm>
-            <a:off x="581193" y="2706899"/>
-            <a:ext cx="11029615" cy="2791554"/>
-          </a:xfrm>
-        </p:spPr>
-        <p:txBody>
-          <a:bodyPr/>
-          <a:lstStyle/>
-          <a:p>
-            <a:pPr marL="0" indent="0">
-              <a:buNone/>
-            </a:pPr>
-            <a:r>
-              <a:rPr lang="it-IT" dirty="0"/>
-              <a:t>Il campo </a:t>
-            </a:r>
-            <a:r>
-              <a:rPr lang="it-IT" b="1" dirty="0" err="1"/>
-              <a:t>thread</a:t>
-            </a:r>
-            <a:r>
-              <a:rPr lang="it-IT" b="1" dirty="0"/>
-              <a:t> </a:t>
-            </a:r>
-            <a:r>
-              <a:rPr lang="it-IT" dirty="0"/>
-              <a:t> di </a:t>
-            </a:r>
-            <a:r>
-              <a:rPr lang="it-IT" b="1" dirty="0" err="1"/>
-              <a:t>task_struct</a:t>
-            </a:r>
-            <a:r>
-              <a:rPr lang="it-IT" b="1" dirty="0"/>
-              <a:t> </a:t>
-            </a:r>
-            <a:r>
-              <a:rPr lang="it-IT" dirty="0"/>
-              <a:t>è a sua volta una struttura che contiene le informazioni riguardo l’esecuzione di un processo. </a:t>
-            </a:r>
-          </a:p>
-          <a:p>
-            <a:pPr marL="0" indent="0">
-              <a:buNone/>
-            </a:pPr>
-            <a:r>
-              <a:rPr lang="it-IT" dirty="0"/>
-              <a:t>Si tratta del contesto di un processo, e ogni qual volta il processo non è in esecuzione, contiene tutte le informazioni vitali per poter riprenderla.</a:t>
-            </a:r>
-          </a:p>
-          <a:p>
-            <a:pPr marL="0" indent="0">
-              <a:buNone/>
-            </a:pPr>
-            <a:r>
-              <a:rPr lang="it-IT" dirty="0"/>
-              <a:t>Contiene  infatti tutte le informazioni riguardo puntatori ai registri e allo </a:t>
-            </a:r>
-            <a:r>
-              <a:rPr lang="it-IT" dirty="0" err="1"/>
-              <a:t>stack</a:t>
-            </a:r>
-            <a:r>
-              <a:rPr lang="it-IT" dirty="0"/>
-              <a:t>.</a:t>
-            </a:r>
-          </a:p>
-        </p:txBody>
-      </p:sp>
-    </p:spTree>
-    <p:extLst>
-      <p:ext uri="{BB962C8B-B14F-4D97-AF65-F5344CB8AC3E}">
-        <p14:creationId xmlns:p14="http://schemas.microsoft.com/office/powerpoint/2010/main" val="3736518206"/>
-      </p:ext>
-    </p:extLst>
-  </p:cSld>
-  <p:clrMapOvr>
-    <a:masterClrMapping/>
-  </p:clrMapOvr>
-</p:sld>
-</file>
-
-<file path=ppt/slides/slide13.xml><?xml version="1.0" encoding="utf-8"?>
-<p:sld xmlns:a="http://schemas.openxmlformats.org/drawingml/2006/main" xmlns:r="http://schemas.openxmlformats.org/officeDocument/2006/relationships" xmlns:p="http://schemas.openxmlformats.org/presentationml/2006/main">
-  <p:cSld>
-    <p:spTree>
-      <p:nvGrpSpPr>
-        <p:cNvPr id="1" name=""/>
-        <p:cNvGrpSpPr/>
-        <p:nvPr/>
-      </p:nvGrpSpPr>
-      <p:grpSpPr>
-        <a:xfrm>
-          <a:off x="0" y="0"/>
-          <a:ext cx="0" cy="0"/>
-          <a:chOff x="0" y="0"/>
-          <a:chExt cx="0" cy="0"/>
-        </a:xfrm>
-      </p:grpSpPr>
-      <p:sp>
-        <p:nvSpPr>
-          <p:cNvPr id="2" name="Titolo 1">
-            <a:extLst>
-              <a:ext uri="{FF2B5EF4-FFF2-40B4-BE49-F238E27FC236}">
-                <a16:creationId xmlns:a16="http://schemas.microsoft.com/office/drawing/2014/main" id="{AE62A51D-A57A-794C-E771-514346F2E508}"/>
-              </a:ext>
-            </a:extLst>
-          </p:cNvPr>
-          <p:cNvSpPr>
-            <a:spLocks noGrp="1"/>
-          </p:cNvSpPr>
-          <p:nvPr>
-            <p:ph type="title"/>
-          </p:nvPr>
-        </p:nvSpPr>
-        <p:spPr/>
-        <p:txBody>
-          <a:bodyPr/>
-          <a:lstStyle/>
-          <a:p>
-            <a:r>
-              <a:rPr lang="it-IT" dirty="0" err="1"/>
-              <a:t>Scheduler</a:t>
-            </a:r>
-            <a:r>
-              <a:rPr lang="it-IT" dirty="0"/>
-              <a:t> DATA </a:t>
-            </a:r>
-            <a:r>
-              <a:rPr lang="it-IT" dirty="0" err="1"/>
-              <a:t>structures</a:t>
-            </a:r>
-            <a:endParaRPr lang="it-IT" dirty="0"/>
-          </a:p>
-        </p:txBody>
-      </p:sp>
-      <p:sp>
-        <p:nvSpPr>
-          <p:cNvPr id="3" name="Segnaposto contenuto 2">
-            <a:extLst>
-              <a:ext uri="{FF2B5EF4-FFF2-40B4-BE49-F238E27FC236}">
-                <a16:creationId xmlns:a16="http://schemas.microsoft.com/office/drawing/2014/main" id="{264A4A1F-1FE6-17B3-7A12-C329A3C3597C}"/>
-              </a:ext>
-            </a:extLst>
-          </p:cNvPr>
-          <p:cNvSpPr>
-            <a:spLocks noGrp="1"/>
-          </p:cNvSpPr>
-          <p:nvPr>
-            <p:ph idx="1"/>
-          </p:nvPr>
-        </p:nvSpPr>
-        <p:spPr>
-          <a:xfrm>
-            <a:off x="581192" y="1927987"/>
-            <a:ext cx="11029615" cy="1905729"/>
-          </a:xfrm>
-        </p:spPr>
-        <p:txBody>
-          <a:bodyPr/>
-          <a:lstStyle/>
-          <a:p>
-            <a:pPr marL="0" indent="0">
-              <a:buNone/>
-            </a:pPr>
-            <a:r>
-              <a:rPr lang="it-IT" dirty="0"/>
-              <a:t>La data </a:t>
-            </a:r>
-            <a:r>
-              <a:rPr lang="it-IT" dirty="0" err="1"/>
-              <a:t>structure</a:t>
-            </a:r>
-            <a:r>
-              <a:rPr lang="it-IT" dirty="0"/>
-              <a:t> più importante dello </a:t>
-            </a:r>
-            <a:r>
-              <a:rPr lang="it-IT" dirty="0" err="1"/>
-              <a:t>scheduler</a:t>
-            </a:r>
-            <a:r>
-              <a:rPr lang="it-IT" dirty="0"/>
-              <a:t> è </a:t>
-            </a:r>
-            <a:r>
-              <a:rPr lang="it-IT" b="1" dirty="0" err="1"/>
-              <a:t>runqueue</a:t>
-            </a:r>
-            <a:r>
-              <a:rPr lang="it-IT" dirty="0"/>
-              <a:t>, in quanto collezione tutti i processi del sistema in esecuzione. La struttura viene definita in </a:t>
-            </a:r>
-            <a:r>
-              <a:rPr lang="it-IT" i="1" dirty="0" err="1"/>
-              <a:t>mentos</a:t>
-            </a:r>
-            <a:r>
-              <a:rPr lang="it-IT" i="1" dirty="0"/>
-              <a:t>/</a:t>
-            </a:r>
-            <a:r>
-              <a:rPr lang="it-IT" i="1" dirty="0" err="1"/>
-              <a:t>inc</a:t>
-            </a:r>
-            <a:r>
-              <a:rPr lang="it-IT" i="1" dirty="0"/>
-              <a:t>/</a:t>
-            </a:r>
-            <a:r>
-              <a:rPr lang="it-IT" i="1" dirty="0" err="1"/>
-              <a:t>process</a:t>
-            </a:r>
-            <a:r>
-              <a:rPr lang="it-IT" i="1" dirty="0"/>
-              <a:t>/</a:t>
-            </a:r>
-            <a:r>
-              <a:rPr lang="it-IT" i="1" dirty="0" err="1"/>
-              <a:t>process.h</a:t>
-            </a:r>
-            <a:r>
-              <a:rPr lang="it-IT" i="1" dirty="0"/>
-              <a:t> </a:t>
-            </a:r>
-            <a:r>
-              <a:rPr lang="it-IT" dirty="0"/>
-              <a:t>.</a:t>
-            </a:r>
-          </a:p>
-        </p:txBody>
-      </p:sp>
-      <p:pic>
-        <p:nvPicPr>
-          <p:cNvPr id="5" name="Immagine 4" descr="Immagine che contiene testo, schermata, Carattere&#10;&#10;Descrizione generata automaticamente">
-            <a:extLst>
-              <a:ext uri="{FF2B5EF4-FFF2-40B4-BE49-F238E27FC236}">
-                <a16:creationId xmlns:a16="http://schemas.microsoft.com/office/drawing/2014/main" id="{1565A064-D38B-06EC-6663-9F954E3F44F8}"/>
-              </a:ext>
-            </a:extLst>
-          </p:cNvPr>
-          <p:cNvPicPr>
-            <a:picLocks noChangeAspect="1"/>
-          </p:cNvPicPr>
-          <p:nvPr/>
-        </p:nvPicPr>
-        <p:blipFill>
-          <a:blip r:embed="rId2"/>
-          <a:stretch>
-            <a:fillRect/>
-          </a:stretch>
-        </p:blipFill>
-        <p:spPr>
-          <a:xfrm>
-            <a:off x="2842777" y="4167091"/>
-            <a:ext cx="6239746" cy="1381318"/>
-          </a:xfrm>
-          <a:prstGeom prst="rect">
-            <a:avLst/>
-          </a:prstGeom>
-        </p:spPr>
-      </p:pic>
-    </p:spTree>
-    <p:extLst>
-      <p:ext uri="{BB962C8B-B14F-4D97-AF65-F5344CB8AC3E}">
-        <p14:creationId xmlns:p14="http://schemas.microsoft.com/office/powerpoint/2010/main" val="2298984749"/>
-      </p:ext>
-    </p:extLst>
-  </p:cSld>
-  <p:clrMapOvr>
-    <a:masterClrMapping/>
-  </p:clrMapOvr>
-</p:sld>
-</file>
-
-<file path=ppt/slides/slide14.xml><?xml version="1.0" encoding="utf-8"?>
-<p:sld xmlns:a="http://schemas.openxmlformats.org/drawingml/2006/main" xmlns:r="http://schemas.openxmlformats.org/officeDocument/2006/relationships" xmlns:p="http://schemas.openxmlformats.org/presentationml/2006/main">
-  <p:cSld>
-    <p:spTree>
-      <p:nvGrpSpPr>
-        <p:cNvPr id="1" name=""/>
-        <p:cNvGrpSpPr/>
-        <p:nvPr/>
-      </p:nvGrpSpPr>
-      <p:grpSpPr>
-        <a:xfrm>
-          <a:off x="0" y="0"/>
-          <a:ext cx="0" cy="0"/>
-          <a:chOff x="0" y="0"/>
-          <a:chExt cx="0" cy="0"/>
-        </a:xfrm>
-      </p:grpSpPr>
-      <p:sp>
-        <p:nvSpPr>
-          <p:cNvPr id="2" name="Titolo 1">
-            <a:extLst>
-              <a:ext uri="{FF2B5EF4-FFF2-40B4-BE49-F238E27FC236}">
-                <a16:creationId xmlns:a16="http://schemas.microsoft.com/office/drawing/2014/main" id="{AE62A51D-A57A-794C-E771-514346F2E508}"/>
-              </a:ext>
-            </a:extLst>
-          </p:cNvPr>
-          <p:cNvSpPr>
-            <a:spLocks noGrp="1"/>
-          </p:cNvSpPr>
-          <p:nvPr>
-            <p:ph type="title"/>
-          </p:nvPr>
-        </p:nvSpPr>
-        <p:spPr/>
-        <p:txBody>
-          <a:bodyPr/>
-          <a:lstStyle/>
-          <a:p>
-            <a:r>
-              <a:rPr lang="it-IT" dirty="0" err="1"/>
-              <a:t>Scheduler</a:t>
-            </a:r>
-            <a:r>
-              <a:rPr lang="it-IT" dirty="0"/>
-              <a:t> DATA </a:t>
-            </a:r>
-            <a:r>
-              <a:rPr lang="it-IT" dirty="0" err="1"/>
-              <a:t>structures</a:t>
-            </a:r>
-            <a:endParaRPr lang="it-IT" dirty="0"/>
-          </a:p>
-        </p:txBody>
-      </p:sp>
-      <p:sp>
-        <p:nvSpPr>
-          <p:cNvPr id="3" name="Segnaposto contenuto 2">
-            <a:extLst>
-              <a:ext uri="{FF2B5EF4-FFF2-40B4-BE49-F238E27FC236}">
-                <a16:creationId xmlns:a16="http://schemas.microsoft.com/office/drawing/2014/main" id="{264A4A1F-1FE6-17B3-7A12-C329A3C3597C}"/>
-              </a:ext>
-            </a:extLst>
-          </p:cNvPr>
-          <p:cNvSpPr>
-            <a:spLocks noGrp="1"/>
-          </p:cNvSpPr>
-          <p:nvPr>
-            <p:ph idx="1"/>
-          </p:nvPr>
-        </p:nvSpPr>
-        <p:spPr/>
-        <p:txBody>
-          <a:bodyPr/>
-          <a:lstStyle/>
-          <a:p>
-            <a:r>
-              <a:rPr lang="it-IT" b="1" dirty="0" err="1"/>
-              <a:t>num_active</a:t>
-            </a:r>
-            <a:r>
-              <a:rPr lang="it-IT" dirty="0"/>
-              <a:t>: una </a:t>
-            </a:r>
-            <a:r>
-              <a:rPr lang="it-IT" dirty="0" err="1"/>
-              <a:t>size_t</a:t>
-            </a:r>
-            <a:r>
-              <a:rPr lang="it-IT" dirty="0"/>
-              <a:t> , ovvero un long, con il numero di processi che si trovano nel running state.</a:t>
-            </a:r>
-          </a:p>
-          <a:p>
-            <a:r>
-              <a:rPr lang="it-IT" b="1" dirty="0" err="1"/>
-              <a:t>num_priodic</a:t>
-            </a:r>
-            <a:r>
-              <a:rPr lang="it-IT" dirty="0"/>
-              <a:t>: una </a:t>
-            </a:r>
-            <a:r>
-              <a:rPr lang="it-IT" dirty="0" err="1"/>
-              <a:t>size_t</a:t>
-            </a:r>
-            <a:r>
-              <a:rPr lang="it-IT" dirty="0"/>
-              <a:t> , ovvero un long, con il numero di processi periodici che si trovano nel running state.</a:t>
-            </a:r>
-          </a:p>
-          <a:p>
-            <a:r>
-              <a:rPr lang="it-IT" b="1" dirty="0"/>
-              <a:t>*</a:t>
-            </a:r>
-            <a:r>
-              <a:rPr lang="it-IT" b="1" dirty="0" err="1"/>
-              <a:t>curr</a:t>
-            </a:r>
-            <a:r>
-              <a:rPr lang="it-IT" dirty="0"/>
-              <a:t>: una </a:t>
-            </a:r>
-            <a:r>
-              <a:rPr lang="it-IT" dirty="0" err="1"/>
-              <a:t>task_struct</a:t>
-            </a:r>
-            <a:r>
-              <a:rPr lang="it-IT" dirty="0"/>
-              <a:t> la quale è un puntatore al processo attualmente in esecuzione.</a:t>
-            </a:r>
-          </a:p>
-          <a:p>
-            <a:r>
-              <a:rPr lang="it-IT" b="1" dirty="0" err="1"/>
-              <a:t>queue</a:t>
-            </a:r>
-            <a:r>
-              <a:rPr lang="it-IT" dirty="0"/>
-              <a:t>: una </a:t>
-            </a:r>
-            <a:r>
-              <a:rPr lang="it-IT" dirty="0" err="1"/>
-              <a:t>list_head_t</a:t>
-            </a:r>
-            <a:r>
-              <a:rPr lang="it-IT" dirty="0"/>
-              <a:t>, una </a:t>
-            </a:r>
-            <a:r>
-              <a:rPr lang="it-IT" dirty="0" err="1"/>
-              <a:t>struct</a:t>
-            </a:r>
-            <a:r>
-              <a:rPr lang="it-IT" dirty="0"/>
-              <a:t> che è una lista di tutti i processi in esecuzione.</a:t>
-            </a:r>
-          </a:p>
-          <a:p>
-            <a:pPr marL="0" indent="0">
-              <a:buNone/>
-            </a:pPr>
-            <a:r>
-              <a:rPr lang="it-IT" dirty="0"/>
-              <a:t>Il campo </a:t>
-            </a:r>
-            <a:r>
-              <a:rPr lang="it-IT" dirty="0" err="1"/>
-              <a:t>queue</a:t>
-            </a:r>
-            <a:r>
-              <a:rPr lang="it-IT" dirty="0"/>
-              <a:t> è la testa di una lista circolare </a:t>
-            </a:r>
-            <a:r>
-              <a:rPr lang="it-IT" dirty="0" err="1"/>
-              <a:t>doubly-linked</a:t>
-            </a:r>
-            <a:r>
-              <a:rPr lang="it-IT" dirty="0"/>
-              <a:t>.</a:t>
-            </a:r>
-          </a:p>
-        </p:txBody>
-      </p:sp>
-    </p:spTree>
-    <p:extLst>
-      <p:ext uri="{BB962C8B-B14F-4D97-AF65-F5344CB8AC3E}">
-        <p14:creationId xmlns:p14="http://schemas.microsoft.com/office/powerpoint/2010/main" val="2449633915"/>
-      </p:ext>
-    </p:extLst>
-  </p:cSld>
-  <p:clrMapOvr>
-    <a:masterClrMapping/>
-  </p:clrMapOvr>
-</p:sld>
-</file>
-
-<file path=ppt/slides/slide15.xml><?xml version="1.0" encoding="utf-8"?>
-<p:sld xmlns:a="http://schemas.openxmlformats.org/drawingml/2006/main" xmlns:r="http://schemas.openxmlformats.org/officeDocument/2006/relationships" xmlns:p="http://schemas.openxmlformats.org/presentationml/2006/main">
-  <p:cSld>
-    <p:spTree>
-      <p:nvGrpSpPr>
-        <p:cNvPr id="1" name=""/>
-        <p:cNvGrpSpPr/>
-        <p:nvPr/>
-      </p:nvGrpSpPr>
-      <p:grpSpPr>
-        <a:xfrm>
-          <a:off x="0" y="0"/>
-          <a:ext cx="0" cy="0"/>
-          <a:chOff x="0" y="0"/>
-          <a:chExt cx="0" cy="0"/>
-        </a:xfrm>
-      </p:grpSpPr>
-      <p:sp>
-        <p:nvSpPr>
-          <p:cNvPr id="2" name="Titolo 1">
-            <a:extLst>
-              <a:ext uri="{FF2B5EF4-FFF2-40B4-BE49-F238E27FC236}">
-                <a16:creationId xmlns:a16="http://schemas.microsoft.com/office/drawing/2014/main" id="{C635A184-7935-E901-8F6A-A7FB79E28003}"/>
-              </a:ext>
-            </a:extLst>
-          </p:cNvPr>
-          <p:cNvSpPr>
-            <a:spLocks noGrp="1"/>
-          </p:cNvSpPr>
-          <p:nvPr>
-            <p:ph type="title"/>
-          </p:nvPr>
-        </p:nvSpPr>
-        <p:spPr/>
-        <p:txBody>
-          <a:bodyPr/>
-          <a:lstStyle/>
-          <a:p>
-            <a:r>
-              <a:rPr lang="it-IT" dirty="0" err="1"/>
-              <a:t>EXEcution</a:t>
-            </a:r>
-            <a:r>
-              <a:rPr lang="it-IT" dirty="0"/>
-              <a:t> flow </a:t>
-            </a:r>
-          </a:p>
-        </p:txBody>
-      </p:sp>
-      <p:sp>
-        <p:nvSpPr>
-          <p:cNvPr id="3" name="Segnaposto contenuto 2">
-            <a:extLst>
-              <a:ext uri="{FF2B5EF4-FFF2-40B4-BE49-F238E27FC236}">
-                <a16:creationId xmlns:a16="http://schemas.microsoft.com/office/drawing/2014/main" id="{DC4BF6C9-3098-67FF-AFF3-15ACC984B853}"/>
-              </a:ext>
-            </a:extLst>
-          </p:cNvPr>
-          <p:cNvSpPr>
-            <a:spLocks noGrp="1"/>
-          </p:cNvSpPr>
-          <p:nvPr>
-            <p:ph idx="1"/>
-          </p:nvPr>
-        </p:nvSpPr>
-        <p:spPr/>
-        <p:txBody>
-          <a:bodyPr/>
-          <a:lstStyle/>
-          <a:p>
-            <a:pPr marL="0" indent="0">
-              <a:buNone/>
-            </a:pPr>
-            <a:r>
-              <a:rPr lang="it-IT" dirty="0"/>
-              <a:t>Le seguenti operazioni sono eseguite dallo </a:t>
-            </a:r>
-            <a:r>
-              <a:rPr lang="it-IT" dirty="0" err="1"/>
-              <a:t>scheduler</a:t>
-            </a:r>
-            <a:r>
-              <a:rPr lang="it-IT" dirty="0"/>
-              <a:t>, il quel è chiamato dopo l’handle di interrupt/</a:t>
-            </a:r>
-            <a:r>
-              <a:rPr lang="it-IT" dirty="0" err="1"/>
-              <a:t>exception</a:t>
-            </a:r>
-            <a:r>
-              <a:rPr lang="it-IT" dirty="0"/>
-              <a:t>:</a:t>
-            </a:r>
-          </a:p>
-          <a:p>
-            <a:pPr marL="342900" indent="-342900">
-              <a:buFont typeface="+mj-lt"/>
-              <a:buAutoNum type="arabicPeriod"/>
-            </a:pPr>
-            <a:r>
-              <a:rPr lang="it-IT" dirty="0"/>
-              <a:t>Aggiorna le variabili temporali del processo corrente;</a:t>
-            </a:r>
-          </a:p>
-          <a:p>
-            <a:pPr marL="342900" indent="-342900">
-              <a:buFont typeface="+mj-lt"/>
-              <a:buAutoNum type="arabicPeriod"/>
-            </a:pPr>
-            <a:r>
-              <a:rPr lang="it-IT" dirty="0"/>
-              <a:t>Prova a risvegliare un processo in attesa. Se le condizioni sono rispettate, il processo viene risvegliato e il suo stato viene cambiato a running, inserendolo nella </a:t>
-            </a:r>
-            <a:r>
-              <a:rPr lang="it-IT" dirty="0" err="1"/>
-              <a:t>runqueue</a:t>
-            </a:r>
-            <a:r>
-              <a:rPr lang="it-IT" dirty="0"/>
-              <a:t>;</a:t>
-            </a:r>
-          </a:p>
-          <a:p>
-            <a:pPr marL="342900" indent="-342900">
-              <a:buFont typeface="+mj-lt"/>
-              <a:buAutoNum type="arabicPeriod"/>
-            </a:pPr>
-            <a:r>
-              <a:rPr lang="it-IT" dirty="0"/>
-              <a:t>Viene eseguito l’algoritmo di scheduling per scegliere il prossimo processo da eseguire dalla </a:t>
-            </a:r>
-            <a:r>
-              <a:rPr lang="it-IT" dirty="0" err="1"/>
-              <a:t>runqueue</a:t>
-            </a:r>
-            <a:r>
-              <a:rPr lang="it-IT" dirty="0"/>
-              <a:t>;</a:t>
-            </a:r>
-          </a:p>
-          <a:p>
-            <a:pPr marL="342900" indent="-342900">
-              <a:buFont typeface="+mj-lt"/>
-              <a:buAutoNum type="arabicPeriod"/>
-            </a:pPr>
-            <a:r>
-              <a:rPr lang="it-IT" dirty="0"/>
-              <a:t>Viene eseguito un </a:t>
-            </a:r>
-            <a:r>
-              <a:rPr lang="it-IT" dirty="0" err="1"/>
-              <a:t>context</a:t>
-            </a:r>
-            <a:r>
-              <a:rPr lang="it-IT" dirty="0"/>
-              <a:t> switch. </a:t>
-            </a:r>
-          </a:p>
-          <a:p>
-            <a:endParaRPr lang="it-IT" dirty="0"/>
-          </a:p>
-        </p:txBody>
-      </p:sp>
-    </p:spTree>
-    <p:extLst>
-      <p:ext uri="{BB962C8B-B14F-4D97-AF65-F5344CB8AC3E}">
-        <p14:creationId xmlns:p14="http://schemas.microsoft.com/office/powerpoint/2010/main" val="2792477324"/>
-      </p:ext>
-    </p:extLst>
-  </p:cSld>
-  <p:clrMapOvr>
-    <a:masterClrMapping/>
-  </p:clrMapOvr>
-</p:sld>
-</file>
-
-<file path=ppt/slides/slide16.xml><?xml version="1.0" encoding="utf-8"?>
-<p:sld xmlns:a="http://schemas.openxmlformats.org/drawingml/2006/main" xmlns:r="http://schemas.openxmlformats.org/officeDocument/2006/relationships" xmlns:p="http://schemas.openxmlformats.org/presentationml/2006/main">
-  <p:cSld>
-    <p:spTree>
-      <p:nvGrpSpPr>
-        <p:cNvPr id="1" name=""/>
-        <p:cNvGrpSpPr/>
-        <p:nvPr/>
-      </p:nvGrpSpPr>
-      <p:grpSpPr>
-        <a:xfrm>
-          <a:off x="0" y="0"/>
-          <a:ext cx="0" cy="0"/>
-          <a:chOff x="0" y="0"/>
-          <a:chExt cx="0" cy="0"/>
-        </a:xfrm>
-      </p:grpSpPr>
-      <p:sp>
-        <p:nvSpPr>
-          <p:cNvPr id="2" name="Titolo 1">
-            <a:extLst>
-              <a:ext uri="{FF2B5EF4-FFF2-40B4-BE49-F238E27FC236}">
-                <a16:creationId xmlns:a16="http://schemas.microsoft.com/office/drawing/2014/main" id="{7C68EA40-9E3C-7F74-0534-3F70DC7FDD8F}"/>
-              </a:ext>
-            </a:extLst>
-          </p:cNvPr>
-          <p:cNvSpPr>
-            <a:spLocks noGrp="1"/>
-          </p:cNvSpPr>
-          <p:nvPr>
-            <p:ph type="title"/>
-          </p:nvPr>
-        </p:nvSpPr>
-        <p:spPr/>
-        <p:txBody>
-          <a:bodyPr/>
-          <a:lstStyle/>
-          <a:p>
-            <a:r>
-              <a:rPr lang="it-IT" dirty="0"/>
-              <a:t>Algoritmi di scheduling</a:t>
-            </a:r>
-          </a:p>
-        </p:txBody>
-      </p:sp>
-      <p:sp>
-        <p:nvSpPr>
-          <p:cNvPr id="3" name="Segnaposto contenuto 2">
-            <a:extLst>
-              <a:ext uri="{FF2B5EF4-FFF2-40B4-BE49-F238E27FC236}">
-                <a16:creationId xmlns:a16="http://schemas.microsoft.com/office/drawing/2014/main" id="{4AE7B641-8BE0-C303-4307-CA338BA04C63}"/>
-              </a:ext>
-            </a:extLst>
-          </p:cNvPr>
-          <p:cNvSpPr>
-            <a:spLocks noGrp="1"/>
-          </p:cNvSpPr>
-          <p:nvPr>
-            <p:ph idx="1"/>
-          </p:nvPr>
-        </p:nvSpPr>
-        <p:spPr/>
-        <p:txBody>
-          <a:bodyPr/>
-          <a:lstStyle/>
-          <a:p>
-            <a:r>
-              <a:rPr lang="it-IT" dirty="0"/>
-              <a:t>Dopo questa breve premessa sulla gestione dei processi, possiamo finalmente parlare di come gli algoritmi di scheduling vengono implementati in </a:t>
-            </a:r>
-            <a:r>
-              <a:rPr lang="it-IT" dirty="0" err="1"/>
-              <a:t>MentOS</a:t>
-            </a:r>
-            <a:r>
-              <a:rPr lang="it-IT" dirty="0"/>
-              <a:t>.</a:t>
-            </a:r>
-          </a:p>
-          <a:p>
-            <a:r>
-              <a:rPr lang="it-IT" dirty="0"/>
-              <a:t>Intanto </a:t>
-            </a:r>
-            <a:r>
-              <a:rPr lang="it-IT" dirty="0" err="1"/>
-              <a:t>MentOS</a:t>
-            </a:r>
-            <a:r>
-              <a:rPr lang="it-IT" dirty="0"/>
-              <a:t> supporta vari tipi di algoritmi di scheduling, i quali sono selezionati durante la compilazione tramite </a:t>
-            </a:r>
-            <a:r>
-              <a:rPr lang="it-IT" dirty="0" err="1"/>
-              <a:t>cmake</a:t>
-            </a:r>
-            <a:r>
-              <a:rPr lang="it-IT" dirty="0"/>
-              <a:t> e chiamati dalla funzione </a:t>
-            </a:r>
-            <a:r>
-              <a:rPr lang="it-IT" b="1" dirty="0" err="1"/>
-              <a:t>scheduler_pick_next_task</a:t>
-            </a:r>
-            <a:r>
-              <a:rPr lang="it-IT" dirty="0"/>
-              <a:t>;</a:t>
-            </a:r>
-          </a:p>
-          <a:p>
-            <a:r>
-              <a:rPr lang="it-IT" dirty="0"/>
-              <a:t>Visto che le task all’interno di </a:t>
-            </a:r>
-            <a:r>
-              <a:rPr lang="it-IT" b="1" dirty="0" err="1"/>
-              <a:t>runqueue</a:t>
-            </a:r>
-            <a:r>
-              <a:rPr lang="it-IT" b="1" dirty="0"/>
-              <a:t> </a:t>
-            </a:r>
-            <a:r>
-              <a:rPr lang="it-IT" dirty="0"/>
-              <a:t>possono sia essere periodiche che aperiodiche, avremo anche algoritmi per il Real-Time scheduling, ma qui noi ci concentreremo ad analizzare gli algoritmi aperiodici.</a:t>
-            </a:r>
-          </a:p>
-        </p:txBody>
-      </p:sp>
-    </p:spTree>
-    <p:extLst>
-      <p:ext uri="{BB962C8B-B14F-4D97-AF65-F5344CB8AC3E}">
-        <p14:creationId xmlns:p14="http://schemas.microsoft.com/office/powerpoint/2010/main" val="2055104211"/>
-      </p:ext>
-    </p:extLst>
-  </p:cSld>
-  <p:clrMapOvr>
-    <a:masterClrMapping/>
-  </p:clrMapOvr>
-</p:sld>
-</file>
-
-<file path=ppt/slides/slide17.xml><?xml version="1.0" encoding="utf-8"?>
-<p:sld xmlns:a="http://schemas.openxmlformats.org/drawingml/2006/main" xmlns:r="http://schemas.openxmlformats.org/officeDocument/2006/relationships" xmlns:p="http://schemas.openxmlformats.org/presentationml/2006/main">
-  <p:cSld>
-    <p:spTree>
-      <p:nvGrpSpPr>
-        <p:cNvPr id="1" name=""/>
-        <p:cNvGrpSpPr/>
-        <p:nvPr/>
-      </p:nvGrpSpPr>
-      <p:grpSpPr>
-        <a:xfrm>
-          <a:off x="0" y="0"/>
-          <a:ext cx="0" cy="0"/>
-          <a:chOff x="0" y="0"/>
-          <a:chExt cx="0" cy="0"/>
-        </a:xfrm>
-      </p:grpSpPr>
-      <p:sp>
-        <p:nvSpPr>
-          <p:cNvPr id="2" name="Titolo 1">
-            <a:extLst>
-              <a:ext uri="{FF2B5EF4-FFF2-40B4-BE49-F238E27FC236}">
-                <a16:creationId xmlns:a16="http://schemas.microsoft.com/office/drawing/2014/main" id="{3D7DED1B-1CE8-E8F2-6C63-4839EFADA32F}"/>
-              </a:ext>
-            </a:extLst>
-          </p:cNvPr>
-          <p:cNvSpPr>
-            <a:spLocks noGrp="1"/>
-          </p:cNvSpPr>
-          <p:nvPr>
-            <p:ph type="title"/>
-          </p:nvPr>
-        </p:nvSpPr>
-        <p:spPr/>
-        <p:txBody>
-          <a:bodyPr/>
-          <a:lstStyle/>
-          <a:p>
-            <a:r>
-              <a:rPr lang="it-IT" dirty="0"/>
-              <a:t>Algoritmi di Scheduling</a:t>
-            </a:r>
-          </a:p>
-        </p:txBody>
-      </p:sp>
-      <p:sp>
-        <p:nvSpPr>
-          <p:cNvPr id="3" name="Segnaposto contenuto 2">
-            <a:extLst>
-              <a:ext uri="{FF2B5EF4-FFF2-40B4-BE49-F238E27FC236}">
-                <a16:creationId xmlns:a16="http://schemas.microsoft.com/office/drawing/2014/main" id="{781605AF-30BE-26F6-B203-D22AB482F385}"/>
-              </a:ext>
-            </a:extLst>
-          </p:cNvPr>
-          <p:cNvSpPr>
-            <a:spLocks noGrp="1"/>
-          </p:cNvSpPr>
-          <p:nvPr>
-            <p:ph idx="1"/>
-          </p:nvPr>
-        </p:nvSpPr>
-        <p:spPr/>
-        <p:txBody>
-          <a:bodyPr/>
-          <a:lstStyle/>
-          <a:p>
-            <a:pPr marL="0" indent="0">
-              <a:buNone/>
-            </a:pPr>
-            <a:r>
-              <a:rPr lang="it-IT" dirty="0"/>
-              <a:t>La funzione centralizzata </a:t>
-            </a:r>
-            <a:r>
-              <a:rPr lang="it-IT" b="1" dirty="0" err="1"/>
-              <a:t>scheduler_pick_next_task</a:t>
-            </a:r>
-            <a:r>
-              <a:rPr lang="it-IT" b="1" dirty="0"/>
-              <a:t> </a:t>
-            </a:r>
-            <a:r>
-              <a:rPr lang="it-IT" dirty="0"/>
-              <a:t>è utilizzata dallo </a:t>
-            </a:r>
-            <a:r>
-              <a:rPr lang="it-IT" dirty="0" err="1"/>
-              <a:t>scheduler</a:t>
-            </a:r>
-            <a:r>
-              <a:rPr lang="it-IT" dirty="0"/>
-              <a:t> per ottenere il prossimo processo da eseguire. Questa funzione chiamerà internamente l’algoritmo di scheduling che è stato selezionato e in base all’ algoritmo verrà scelta la prossimo processo da eseguire. </a:t>
-            </a:r>
-          </a:p>
-          <a:p>
-            <a:pPr marL="0" indent="0">
-              <a:buNone/>
-            </a:pPr>
-            <a:r>
-              <a:rPr lang="it-IT" dirty="0" err="1"/>
-              <a:t>MentOS</a:t>
-            </a:r>
-            <a:r>
-              <a:rPr lang="it-IT" dirty="0"/>
-              <a:t> supporta per ora tre algoritmi aperiodici:</a:t>
-            </a:r>
-          </a:p>
-          <a:p>
-            <a:r>
-              <a:rPr lang="it-IT" b="1" dirty="0"/>
-              <a:t>Round Robin</a:t>
-            </a:r>
-            <a:r>
-              <a:rPr lang="it-IT" dirty="0"/>
-              <a:t> : chiamato con la funzione </a:t>
-            </a:r>
-            <a:r>
-              <a:rPr lang="it-IT" b="1" dirty="0"/>
-              <a:t>__</a:t>
-            </a:r>
-            <a:r>
-              <a:rPr lang="it-IT" b="1" dirty="0" err="1"/>
-              <a:t>scheduler_rr</a:t>
-            </a:r>
-            <a:r>
-              <a:rPr lang="it-IT" dirty="0"/>
-              <a:t>; </a:t>
-            </a:r>
-          </a:p>
-          <a:p>
-            <a:r>
-              <a:rPr lang="it-IT" b="1" dirty="0" err="1"/>
-              <a:t>Highest</a:t>
-            </a:r>
-            <a:r>
-              <a:rPr lang="it-IT" b="1" dirty="0"/>
-              <a:t> </a:t>
-            </a:r>
-            <a:r>
-              <a:rPr lang="it-IT" b="1" dirty="0" err="1"/>
-              <a:t>Priority</a:t>
-            </a:r>
-            <a:r>
-              <a:rPr lang="it-IT" b="1" dirty="0"/>
-              <a:t> First</a:t>
-            </a:r>
-            <a:r>
-              <a:rPr lang="it-IT" dirty="0"/>
-              <a:t>: chiamato con la funzione </a:t>
-            </a:r>
-            <a:r>
-              <a:rPr lang="it-IT" b="1" dirty="0"/>
-              <a:t>__</a:t>
-            </a:r>
-            <a:r>
-              <a:rPr lang="it-IT" b="1" dirty="0" err="1"/>
-              <a:t>scheduler_priority</a:t>
-            </a:r>
-            <a:r>
-              <a:rPr lang="it-IT" dirty="0"/>
-              <a:t>;</a:t>
-            </a:r>
-          </a:p>
-          <a:p>
-            <a:r>
-              <a:rPr lang="it-IT" b="1" dirty="0" err="1"/>
-              <a:t>Complitely</a:t>
-            </a:r>
-            <a:r>
-              <a:rPr lang="it-IT" b="1" dirty="0"/>
-              <a:t> Fair </a:t>
-            </a:r>
-            <a:r>
-              <a:rPr lang="it-IT" b="1" dirty="0" err="1"/>
-              <a:t>Scheduler</a:t>
-            </a:r>
-            <a:r>
-              <a:rPr lang="it-IT" dirty="0"/>
-              <a:t>: chiamato con la funzione </a:t>
-            </a:r>
-            <a:r>
-              <a:rPr lang="it-IT" b="1" dirty="0"/>
-              <a:t>__</a:t>
-            </a:r>
-            <a:r>
-              <a:rPr lang="it-IT" b="1" dirty="0" err="1"/>
-              <a:t>scheduler_cfs</a:t>
-            </a:r>
-            <a:r>
-              <a:rPr lang="it-IT" dirty="0"/>
-              <a:t>.</a:t>
-            </a:r>
-          </a:p>
-          <a:p>
-            <a:pPr marL="0" indent="0">
-              <a:buNone/>
-            </a:pPr>
-            <a:r>
-              <a:rPr lang="it-IT" dirty="0"/>
-              <a:t>La funzione si trova in </a:t>
-            </a:r>
-            <a:r>
-              <a:rPr lang="it-IT" i="1" dirty="0" err="1"/>
-              <a:t>mentos</a:t>
-            </a:r>
-            <a:r>
-              <a:rPr lang="it-IT" i="1" dirty="0"/>
-              <a:t>/</a:t>
-            </a:r>
-            <a:r>
-              <a:rPr lang="it-IT" i="1" dirty="0" err="1"/>
-              <a:t>src</a:t>
-            </a:r>
-            <a:r>
-              <a:rPr lang="it-IT" i="1" dirty="0"/>
-              <a:t>/</a:t>
-            </a:r>
-            <a:r>
-              <a:rPr lang="it-IT" i="1" dirty="0" err="1"/>
-              <a:t>process</a:t>
-            </a:r>
-            <a:r>
-              <a:rPr lang="it-IT" i="1" dirty="0"/>
-              <a:t>/</a:t>
-            </a:r>
-            <a:r>
-              <a:rPr lang="it-IT" i="1" dirty="0" err="1"/>
-              <a:t>scheduler_algorithm.c</a:t>
-            </a:r>
-            <a:r>
-              <a:rPr lang="it-IT" i="1" dirty="0"/>
-              <a:t>, </a:t>
-            </a:r>
-            <a:r>
-              <a:rPr lang="it-IT" dirty="0"/>
-              <a:t>dove a loro volta vengono anche definiti tutti i vari algoritmi di scheduling che ci sono.</a:t>
-            </a:r>
-          </a:p>
-          <a:p>
-            <a:pPr marL="0" indent="0">
-              <a:buNone/>
-            </a:pPr>
-            <a:endParaRPr lang="it-IT" dirty="0"/>
-          </a:p>
-        </p:txBody>
-      </p:sp>
-    </p:spTree>
-    <p:extLst>
-      <p:ext uri="{BB962C8B-B14F-4D97-AF65-F5344CB8AC3E}">
-        <p14:creationId xmlns:p14="http://schemas.microsoft.com/office/powerpoint/2010/main" val="3784006188"/>
-      </p:ext>
-    </p:extLst>
-  </p:cSld>
-  <p:clrMapOvr>
-    <a:masterClrMapping/>
-  </p:clrMapOvr>
-</p:sld>
-</file>
-
-<file path=ppt/slides/slide18.xml><?xml version="1.0" encoding="utf-8"?>
-<p:sld xmlns:a="http://schemas.openxmlformats.org/drawingml/2006/main" xmlns:r="http://schemas.openxmlformats.org/officeDocument/2006/relationships" xmlns:p="http://schemas.openxmlformats.org/presentationml/2006/main">
-  <p:cSld>
-    <p:spTree>
-      <p:nvGrpSpPr>
-        <p:cNvPr id="1" name=""/>
-        <p:cNvGrpSpPr/>
-        <p:nvPr/>
-      </p:nvGrpSpPr>
-      <p:grpSpPr>
-        <a:xfrm>
-          <a:off x="0" y="0"/>
-          <a:ext cx="0" cy="0"/>
-          <a:chOff x="0" y="0"/>
-          <a:chExt cx="0" cy="0"/>
-        </a:xfrm>
-      </p:grpSpPr>
-      <p:sp>
-        <p:nvSpPr>
-          <p:cNvPr id="2" name="Titolo 1">
-            <a:extLst>
-              <a:ext uri="{FF2B5EF4-FFF2-40B4-BE49-F238E27FC236}">
-                <a16:creationId xmlns:a16="http://schemas.microsoft.com/office/drawing/2014/main" id="{1D40DBF8-37E4-80D2-5E1B-32A3B4EDE264}"/>
-              </a:ext>
-            </a:extLst>
-          </p:cNvPr>
-          <p:cNvSpPr>
-            <a:spLocks noGrp="1"/>
-          </p:cNvSpPr>
-          <p:nvPr>
-            <p:ph type="title"/>
-          </p:nvPr>
-        </p:nvSpPr>
-        <p:spPr/>
-        <p:txBody>
-          <a:bodyPr/>
-          <a:lstStyle/>
-          <a:p>
-            <a:r>
-              <a:rPr lang="it-IT" dirty="0"/>
-              <a:t>Algoritmi di Scheduling</a:t>
-            </a:r>
-          </a:p>
-        </p:txBody>
-      </p:sp>
-      <p:sp>
-        <p:nvSpPr>
-          <p:cNvPr id="3" name="Segnaposto contenuto 2">
-            <a:extLst>
-              <a:ext uri="{FF2B5EF4-FFF2-40B4-BE49-F238E27FC236}">
-                <a16:creationId xmlns:a16="http://schemas.microsoft.com/office/drawing/2014/main" id="{6A8A43DC-3D8C-4D50-5760-5032E5D638C9}"/>
-              </a:ext>
-            </a:extLst>
-          </p:cNvPr>
-          <p:cNvSpPr>
-            <a:spLocks noGrp="1"/>
-          </p:cNvSpPr>
-          <p:nvPr>
-            <p:ph idx="1"/>
-          </p:nvPr>
-        </p:nvSpPr>
-        <p:spPr>
-          <a:xfrm>
-            <a:off x="581192" y="4260520"/>
-            <a:ext cx="11029615" cy="2429799"/>
-          </a:xfrm>
-        </p:spPr>
-        <p:txBody>
-          <a:bodyPr>
-            <a:normAutofit lnSpcReduction="10000"/>
-          </a:bodyPr>
-          <a:lstStyle/>
-          <a:p>
-            <a:pPr marL="0" indent="0">
-              <a:buNone/>
-            </a:pPr>
-            <a:endParaRPr lang="it-IT" dirty="0"/>
-          </a:p>
-          <a:p>
-            <a:endParaRPr lang="it-IT" dirty="0"/>
-          </a:p>
-          <a:p>
-            <a:endParaRPr lang="it-IT" dirty="0"/>
-          </a:p>
-          <a:p>
-            <a:endParaRPr lang="it-IT" dirty="0"/>
-          </a:p>
-          <a:p>
-            <a:pPr marL="0" indent="0">
-              <a:buNone/>
-            </a:pPr>
-            <a:r>
-              <a:rPr lang="it-IT" dirty="0"/>
-              <a:t>Se l’algoritmo non viene definito il programma in questione non eseguirà i processi in quanto alla fine degli else </a:t>
-            </a:r>
-            <a:r>
-              <a:rPr lang="it-IT" dirty="0" err="1"/>
-              <a:t>if</a:t>
-            </a:r>
-            <a:r>
-              <a:rPr lang="it-IT" dirty="0"/>
-              <a:t> restituiremo un errore. Non c’è implementato quindi un algoritmo di default. Infatti </a:t>
-            </a:r>
-            <a:r>
-              <a:rPr lang="it-IT" b="1" dirty="0" err="1"/>
-              <a:t>scheduler_pick_nest_task</a:t>
-            </a:r>
-            <a:r>
-              <a:rPr lang="it-IT" b="1" dirty="0"/>
-              <a:t> </a:t>
-            </a:r>
-            <a:r>
-              <a:rPr lang="it-IT" dirty="0"/>
-              <a:t>sceglierà l’algoritmo in base all’opzione </a:t>
-            </a:r>
-            <a:r>
-              <a:rPr lang="it-IT" dirty="0" err="1"/>
-              <a:t>cmake</a:t>
-            </a:r>
-            <a:r>
-              <a:rPr lang="it-IT" dirty="0"/>
-              <a:t> selezionata.</a:t>
-            </a:r>
-          </a:p>
-        </p:txBody>
-      </p:sp>
-      <p:pic>
-        <p:nvPicPr>
-          <p:cNvPr id="5" name="Immagine 4" descr="Immagine che contiene testo, schermata&#10;&#10;Descrizione generata automaticamente">
-            <a:extLst>
-              <a:ext uri="{FF2B5EF4-FFF2-40B4-BE49-F238E27FC236}">
-                <a16:creationId xmlns:a16="http://schemas.microsoft.com/office/drawing/2014/main" id="{66E52429-7FF2-54EE-C919-BD75628FD1DA}"/>
-              </a:ext>
-            </a:extLst>
-          </p:cNvPr>
-          <p:cNvPicPr>
-            <a:picLocks noChangeAspect="1"/>
-          </p:cNvPicPr>
-          <p:nvPr/>
-        </p:nvPicPr>
-        <p:blipFill>
-          <a:blip r:embed="rId2"/>
-          <a:stretch>
-            <a:fillRect/>
-          </a:stretch>
-        </p:blipFill>
-        <p:spPr>
-          <a:xfrm>
-            <a:off x="2670917" y="1990063"/>
-            <a:ext cx="6701684" cy="3637756"/>
-          </a:xfrm>
-          <a:prstGeom prst="rect">
-            <a:avLst/>
-          </a:prstGeom>
-        </p:spPr>
-      </p:pic>
-    </p:spTree>
-    <p:extLst>
-      <p:ext uri="{BB962C8B-B14F-4D97-AF65-F5344CB8AC3E}">
-        <p14:creationId xmlns:p14="http://schemas.microsoft.com/office/powerpoint/2010/main" val="1768398071"/>
-      </p:ext>
-    </p:extLst>
-  </p:cSld>
-  <p:clrMapOvr>
-    <a:masterClrMapping/>
-  </p:clrMapOvr>
-</p:sld>
-</file>
-
-<file path=ppt/slides/slide19.xml><?xml version="1.0" encoding="utf-8"?>
-<p:sld xmlns:a="http://schemas.openxmlformats.org/drawingml/2006/main" xmlns:r="http://schemas.openxmlformats.org/officeDocument/2006/relationships" xmlns:p="http://schemas.openxmlformats.org/presentationml/2006/main">
-  <p:cSld>
-    <p:spTree>
-      <p:nvGrpSpPr>
-        <p:cNvPr id="1" name=""/>
-        <p:cNvGrpSpPr/>
-        <p:nvPr/>
-      </p:nvGrpSpPr>
-      <p:grpSpPr>
-        <a:xfrm>
-          <a:off x="0" y="0"/>
-          <a:ext cx="0" cy="0"/>
-          <a:chOff x="0" y="0"/>
-          <a:chExt cx="0" cy="0"/>
-        </a:xfrm>
-      </p:grpSpPr>
-      <p:sp>
-        <p:nvSpPr>
-          <p:cNvPr id="2" name="Titolo 1">
-            <a:extLst>
-              <a:ext uri="{FF2B5EF4-FFF2-40B4-BE49-F238E27FC236}">
-                <a16:creationId xmlns:a16="http://schemas.microsoft.com/office/drawing/2014/main" id="{A77E6D13-69E8-5372-6EF9-C66E60AB494D}"/>
-              </a:ext>
-            </a:extLst>
-          </p:cNvPr>
-          <p:cNvSpPr>
-            <a:spLocks noGrp="1"/>
-          </p:cNvSpPr>
-          <p:nvPr>
-            <p:ph type="title"/>
-          </p:nvPr>
-        </p:nvSpPr>
-        <p:spPr/>
-        <p:txBody>
-          <a:bodyPr/>
-          <a:lstStyle/>
-          <a:p>
-            <a:r>
-              <a:rPr lang="it-IT"/>
-              <a:t>Round Robin</a:t>
-            </a:r>
-          </a:p>
-        </p:txBody>
-      </p:sp>
-      <p:sp>
-        <p:nvSpPr>
-          <p:cNvPr id="3" name="Segnaposto contenuto 2">
-            <a:extLst>
-              <a:ext uri="{FF2B5EF4-FFF2-40B4-BE49-F238E27FC236}">
-                <a16:creationId xmlns:a16="http://schemas.microsoft.com/office/drawing/2014/main" id="{D1EF5A4D-3990-5A51-371F-7384DED661EF}"/>
-              </a:ext>
-            </a:extLst>
-          </p:cNvPr>
-          <p:cNvSpPr>
-            <a:spLocks noGrp="1"/>
-          </p:cNvSpPr>
-          <p:nvPr>
-            <p:ph idx="1"/>
-          </p:nvPr>
-        </p:nvSpPr>
-        <p:spPr/>
-        <p:txBody>
-          <a:bodyPr/>
-          <a:lstStyle/>
-          <a:p>
-            <a:pPr marL="0" indent="0">
-              <a:buNone/>
-            </a:pPr>
-            <a:r>
-              <a:rPr lang="it-IT" dirty="0"/>
-              <a:t>Il </a:t>
-            </a:r>
-            <a:r>
-              <a:rPr lang="it-IT" b="1" dirty="0"/>
-              <a:t>Round Robin </a:t>
-            </a:r>
-            <a:r>
-              <a:rPr lang="it-IT" dirty="0"/>
-              <a:t>è un algoritmo di scheduling dove ad ogni processo viene assegnato un slice di tempo fisso in modo ciclico. I suoi pregi sono che è l’algoritmo più facile da implementare, preventivo e soprattutto </a:t>
-            </a:r>
-            <a:r>
-              <a:rPr lang="it-IT" dirty="0" err="1"/>
-              <a:t>starvation</a:t>
-            </a:r>
-            <a:r>
-              <a:rPr lang="it-IT" dirty="0"/>
-              <a:t>-free , ovvero si evita che ci siano processi che non vengono mai eseguiti. </a:t>
-            </a:r>
-          </a:p>
-          <a:p>
-            <a:pPr marL="0" indent="0">
-              <a:buNone/>
-            </a:pPr>
-            <a:r>
-              <a:rPr lang="it-IT" dirty="0"/>
-              <a:t>Alla funzione si passeranno come parametri il processo corrente e la lista di processi. Si controlla se ci sono altri processi nella lista: se ci sono si va a controllare il successivo processo, il quale deve prima essere eseguibile e poi si verifica se è una task periodica. Se la task è periodica si passa alla task successiva nella coda. Infine, una volta raggiunta una task che rispetta tutti i parametri si fa la </a:t>
-            </a:r>
-            <a:r>
-              <a:rPr lang="it-IT" dirty="0" err="1"/>
-              <a:t>return</a:t>
-            </a:r>
-            <a:r>
-              <a:rPr lang="it-IT" dirty="0"/>
-              <a:t> di quest’ultima. Se non vengono invece rispettati i parametri si fa una </a:t>
-            </a:r>
-            <a:r>
-              <a:rPr lang="it-IT" dirty="0" err="1"/>
-              <a:t>return</a:t>
-            </a:r>
-            <a:r>
-              <a:rPr lang="it-IT" dirty="0"/>
-              <a:t> NULL, mentre se nella lista c’è un solo elemento si fa la </a:t>
-            </a:r>
-            <a:r>
-              <a:rPr lang="it-IT" dirty="0" err="1"/>
-              <a:t>return</a:t>
-            </a:r>
-            <a:r>
-              <a:rPr lang="it-IT" dirty="0"/>
-              <a:t> della task corrente.</a:t>
-            </a:r>
-          </a:p>
-        </p:txBody>
-      </p:sp>
-    </p:spTree>
-    <p:extLst>
-      <p:ext uri="{BB962C8B-B14F-4D97-AF65-F5344CB8AC3E}">
-        <p14:creationId xmlns:p14="http://schemas.microsoft.com/office/powerpoint/2010/main" val="2171262478"/>
-      </p:ext>
-    </p:extLst>
-  </p:cSld>
-  <p:clrMapOvr>
-    <a:masterClrMapping/>
-  </p:clrMapOvr>
-</p:sld>
-</file>
-
-<file path=ppt/slides/slide2.xml><?xml version="1.0" encoding="utf-8"?>
-<p:sld xmlns:a="http://schemas.openxmlformats.org/drawingml/2006/main" xmlns:r="http://schemas.openxmlformats.org/officeDocument/2006/relationships" xmlns:p="http://schemas.openxmlformats.org/presentationml/2006/main">
-  <p:cSld>
-    <p:bg>
-      <p:bgPr>
-        <a:blipFill>
-          <a:blip r:embed="rId3"/>
-          <a:stretch>
-            <a:fillRect/>
-          </a:stretch>
-        </a:blipFill>
-        <a:effectLst/>
-      </p:bgPr>
-    </p:bg>
-    <p:spTree>
-      <p:nvGrpSpPr>
-        <p:cNvPr id="1" name=""/>
-        <p:cNvGrpSpPr/>
-        <p:nvPr/>
-      </p:nvGrpSpPr>
-      <p:grpSpPr>
-        <a:xfrm>
-          <a:off x="0" y="0"/>
-          <a:ext cx="0" cy="0"/>
-          <a:chOff x="0" y="0"/>
-          <a:chExt cx="0" cy="0"/>
-        </a:xfrm>
-      </p:grpSpPr>
-      <p:sp useBgFill="1">
-        <p:nvSpPr>
-          <p:cNvPr id="85" name="Rectangle 68">
-            <a:extLst>
-              <a:ext uri="{FF2B5EF4-FFF2-40B4-BE49-F238E27FC236}">
-                <a16:creationId xmlns:a16="http://schemas.microsoft.com/office/drawing/2014/main" id="{DA182162-B517-4B41-B039-339F87FAE1D0}"/>
-              </a:ext>
-              <a:ext uri="{C183D7F6-B498-43B3-948B-1728B52AA6E4}">
-                <adec:decorative xmlns:adec="http://schemas.microsoft.com/office/drawing/2017/decorative" val="1"/>
-              </a:ext>
-            </a:extLst>
-          </p:cNvPr>
-          <p:cNvSpPr>
-            <a:spLocks noGrp="1" noRot="1" noChangeAspect="1" noMove="1" noResize="1" noEditPoints="1" noAdjustHandles="1" noChangeArrowheads="1" noChangeShapeType="1" noTextEdit="1"/>
-          </p:cNvSpPr>
-          <p:nvPr>
-            <p:extLst>
-              <p:ext uri="{386F3935-93C4-4BCD-93E2-E3B085C9AB24}">
-                <p16:designElem xmlns:p16="http://schemas.microsoft.com/office/powerpoint/2015/main" val="1"/>
-              </p:ext>
-            </p:extLst>
-          </p:nvPr>
-        </p:nvSpPr>
-        <p:spPr>
-          <a:xfrm>
-            <a:off x="0" y="0"/>
-            <a:ext cx="12192000" cy="6858000"/>
-          </a:xfrm>
-          <a:prstGeom prst="rect">
-            <a:avLst/>
-          </a:prstGeom>
-          <a:ln>
-            <a:noFill/>
-          </a:ln>
-        </p:spPr>
-        <p:style>
-          <a:lnRef idx="2">
-            <a:schemeClr val="accent1">
-              <a:shade val="50000"/>
-            </a:schemeClr>
-          </a:lnRef>
-          <a:fillRef idx="1">
-            <a:schemeClr val="accent1"/>
-          </a:fillRef>
-          <a:effectRef idx="0">
-            <a:schemeClr val="accent1"/>
-          </a:effectRef>
-          <a:fontRef idx="minor">
-            <a:schemeClr val="lt1"/>
-          </a:fontRef>
-        </p:style>
-        <p:txBody>
-          <a:bodyPr rtlCol="0" anchor="ctr"/>
-          <a:lstStyle/>
-          <a:p>
-            <a:pPr algn="ctr"/>
-            <a:endParaRPr lang="en-US"/>
-          </a:p>
-        </p:txBody>
-      </p:sp>
       <p:sp>
         <p:nvSpPr>
           <p:cNvPr id="2" name="Titolo 1"/>
@@ -10924,8 +8093,8 @@
         </p:nvSpPr>
         <p:spPr>
           <a:xfrm>
-            <a:off x="647462" y="804958"/>
-            <a:ext cx="3310659" cy="4801468"/>
+            <a:off x="647462" y="953641"/>
+            <a:ext cx="3310659" cy="3454029"/>
           </a:xfrm>
         </p:spPr>
         <p:txBody>
@@ -11040,7 +8209,7 @@
         </p:blipFill>
         <p:spPr>
           <a:xfrm>
-            <a:off x="6971323" y="4382477"/>
+            <a:off x="893908" y="4754184"/>
             <a:ext cx="2743200" cy="1219200"/>
           </a:xfrm>
           <a:prstGeom prst="rect">
@@ -11513,7 +8682,1642 @@
 </p:sld>
 </file>
 
-<file path=ppt/slides/slide20.xml><?xml version="1.0" encoding="utf-8"?>
+<file path=ppt/slides/slide10.xml><?xml version="1.0" encoding="utf-8"?>
+<p:sld xmlns:a="http://schemas.openxmlformats.org/drawingml/2006/main" xmlns:r="http://schemas.openxmlformats.org/officeDocument/2006/relationships" xmlns:p="http://schemas.openxmlformats.org/presentationml/2006/main">
+  <p:cSld>
+    <p:spTree>
+      <p:nvGrpSpPr>
+        <p:cNvPr id="1" name=""/>
+        <p:cNvGrpSpPr/>
+        <p:nvPr/>
+      </p:nvGrpSpPr>
+      <p:grpSpPr>
+        <a:xfrm>
+          <a:off x="0" y="0"/>
+          <a:ext cx="0" cy="0"/>
+          <a:chOff x="0" y="0"/>
+          <a:chExt cx="0" cy="0"/>
+        </a:xfrm>
+      </p:grpSpPr>
+      <p:sp>
+        <p:nvSpPr>
+          <p:cNvPr id="2" name="Titolo 1">
+            <a:extLst>
+              <a:ext uri="{FF2B5EF4-FFF2-40B4-BE49-F238E27FC236}">
+                <a16:creationId xmlns:a16="http://schemas.microsoft.com/office/drawing/2014/main" id="{C2E4FAC5-2F03-1473-1A64-5754A9527BA8}"/>
+              </a:ext>
+            </a:extLst>
+          </p:cNvPr>
+          <p:cNvSpPr>
+            <a:spLocks noGrp="1"/>
+          </p:cNvSpPr>
+          <p:nvPr>
+            <p:ph type="title"/>
+          </p:nvPr>
+        </p:nvSpPr>
+        <p:spPr/>
+        <p:txBody>
+          <a:bodyPr/>
+          <a:lstStyle/>
+          <a:p>
+            <a:r>
+              <a:rPr lang="it-IT" dirty="0"/>
+              <a:t>TIME ACCOUNTING PARAMETERS</a:t>
+            </a:r>
+          </a:p>
+        </p:txBody>
+      </p:sp>
+      <p:sp>
+        <p:nvSpPr>
+          <p:cNvPr id="3" name="Segnaposto contenuto 2">
+            <a:extLst>
+              <a:ext uri="{FF2B5EF4-FFF2-40B4-BE49-F238E27FC236}">
+                <a16:creationId xmlns:a16="http://schemas.microsoft.com/office/drawing/2014/main" id="{05E663CF-761C-6AE4-8C04-70D6D3A65B8C}"/>
+              </a:ext>
+            </a:extLst>
+          </p:cNvPr>
+          <p:cNvSpPr>
+            <a:spLocks noGrp="1"/>
+          </p:cNvSpPr>
+          <p:nvPr>
+            <p:ph idx="1"/>
+          </p:nvPr>
+        </p:nvSpPr>
+        <p:spPr/>
+        <p:txBody>
+          <a:bodyPr/>
+          <a:lstStyle/>
+          <a:p>
+            <a:pPr marL="0" indent="0">
+              <a:buNone/>
+            </a:pPr>
+            <a:r>
+              <a:rPr lang="it-IT" dirty="0"/>
+              <a:t>Analizziamo ora i parametri più importanti di </a:t>
+            </a:r>
+            <a:r>
+              <a:rPr lang="it-IT" b="1" dirty="0" err="1"/>
+              <a:t>sched_entity</a:t>
+            </a:r>
+            <a:r>
+              <a:rPr lang="it-IT" dirty="0"/>
+              <a:t>: </a:t>
+            </a:r>
+          </a:p>
+          <a:p>
+            <a:r>
+              <a:rPr lang="it-IT" b="1" dirty="0" err="1"/>
+              <a:t>prio</a:t>
+            </a:r>
+            <a:r>
+              <a:rPr lang="it-IT" dirty="0"/>
+              <a:t>: definisce la priorità di un processo. Con un valore che  va da [100,139], più basso il numero più è alta la priorità. Di default la </a:t>
+            </a:r>
+            <a:r>
+              <a:rPr lang="it-IT" dirty="0" err="1"/>
+              <a:t>prio</a:t>
+            </a:r>
+            <a:r>
+              <a:rPr lang="it-IT" dirty="0"/>
+              <a:t> di un nuovo processo è 120, ma tramite la system call </a:t>
+            </a:r>
+            <a:r>
+              <a:rPr lang="it-IT" dirty="0" err="1"/>
+              <a:t>nice</a:t>
+            </a:r>
+            <a:r>
+              <a:rPr lang="it-IT" dirty="0"/>
+              <a:t>(</a:t>
+            </a:r>
+            <a:r>
+              <a:rPr lang="it-IT" dirty="0" err="1"/>
+              <a:t>int</a:t>
+            </a:r>
+            <a:r>
+              <a:rPr lang="it-IT" dirty="0"/>
+              <a:t>), dove </a:t>
+            </a:r>
+            <a:r>
+              <a:rPr lang="it-IT" dirty="0" err="1"/>
+              <a:t>int</a:t>
+            </a:r>
+            <a:r>
+              <a:rPr lang="it-IT" dirty="0"/>
+              <a:t> è un numero che va da [-20,19] che andrà ad incrementare o decrementare quindi il valore di </a:t>
+            </a:r>
+            <a:r>
+              <a:rPr lang="it-IT" dirty="0" err="1"/>
+              <a:t>prio</a:t>
+            </a:r>
+            <a:r>
+              <a:rPr lang="it-IT" dirty="0"/>
+              <a:t>. </a:t>
+            </a:r>
+          </a:p>
+          <a:p>
+            <a:r>
+              <a:rPr lang="it-IT" b="1" dirty="0" err="1"/>
+              <a:t>start_runtime</a:t>
+            </a:r>
+            <a:r>
+              <a:rPr lang="it-IT" dirty="0"/>
+              <a:t>: il tempo di esecuzione del sistema quando il processo è stato eseguito per la prima volta nella CPU</a:t>
+            </a:r>
+          </a:p>
+          <a:p>
+            <a:r>
+              <a:rPr lang="it-IT" b="1" dirty="0" err="1"/>
+              <a:t>exec_start</a:t>
+            </a:r>
+            <a:r>
+              <a:rPr lang="it-IT" dirty="0"/>
+              <a:t>: il tempo di esecuzione del sistema  quando il processo è stato eseguito per l’ultima volta dalla CPU</a:t>
+            </a:r>
+          </a:p>
+          <a:p>
+            <a:r>
+              <a:rPr lang="it-IT" b="1" dirty="0" err="1"/>
+              <a:t>sum_exec_runtine</a:t>
+            </a:r>
+            <a:r>
+              <a:rPr lang="it-IT" dirty="0"/>
+              <a:t>: il tempo totale di esecuzione speso dal processo nella CPU</a:t>
+            </a:r>
+          </a:p>
+          <a:p>
+            <a:r>
+              <a:rPr lang="it-IT" b="1" dirty="0" err="1"/>
+              <a:t>vruntime</a:t>
+            </a:r>
+            <a:r>
+              <a:rPr lang="it-IT" dirty="0"/>
+              <a:t>: la </a:t>
+            </a:r>
+            <a:r>
+              <a:rPr lang="it-IT" dirty="0" err="1"/>
+              <a:t>virtual</a:t>
+            </a:r>
+            <a:r>
+              <a:rPr lang="it-IT" dirty="0"/>
+              <a:t> </a:t>
+            </a:r>
+            <a:r>
+              <a:rPr lang="it-IT" dirty="0" err="1"/>
+              <a:t>runtime</a:t>
+            </a:r>
+            <a:r>
+              <a:rPr lang="it-IT" dirty="0"/>
+              <a:t>,  ovvero la somma pesata del tempo di esecuzione del processo nella CPU.</a:t>
+            </a:r>
+          </a:p>
+          <a:p>
+            <a:pPr marL="0" indent="0">
+              <a:buNone/>
+            </a:pPr>
+            <a:r>
+              <a:rPr lang="it-IT" dirty="0"/>
+              <a:t>Inoltre ci sono altri parametri utilizzati come statistiche dei processi.</a:t>
+            </a:r>
+          </a:p>
+        </p:txBody>
+      </p:sp>
+    </p:spTree>
+    <p:extLst>
+      <p:ext uri="{BB962C8B-B14F-4D97-AF65-F5344CB8AC3E}">
+        <p14:creationId xmlns:p14="http://schemas.microsoft.com/office/powerpoint/2010/main" val="1319860767"/>
+      </p:ext>
+    </p:extLst>
+  </p:cSld>
+  <p:clrMapOvr>
+    <a:masterClrMapping/>
+  </p:clrMapOvr>
+</p:sld>
+</file>
+
+<file path=ppt/slides/slide11.xml><?xml version="1.0" encoding="utf-8"?>
+<p:sld xmlns:a="http://schemas.openxmlformats.org/drawingml/2006/main" xmlns:r="http://schemas.openxmlformats.org/officeDocument/2006/relationships" xmlns:p="http://schemas.openxmlformats.org/presentationml/2006/main">
+  <p:cSld>
+    <p:spTree>
+      <p:nvGrpSpPr>
+        <p:cNvPr id="1" name=""/>
+        <p:cNvGrpSpPr/>
+        <p:nvPr/>
+      </p:nvGrpSpPr>
+      <p:grpSpPr>
+        <a:xfrm>
+          <a:off x="0" y="0"/>
+          <a:ext cx="0" cy="0"/>
+          <a:chOff x="0" y="0"/>
+          <a:chExt cx="0" cy="0"/>
+        </a:xfrm>
+      </p:grpSpPr>
+      <p:sp>
+        <p:nvSpPr>
+          <p:cNvPr id="2" name="Titolo 1">
+            <a:extLst>
+              <a:ext uri="{FF2B5EF4-FFF2-40B4-BE49-F238E27FC236}">
+                <a16:creationId xmlns:a16="http://schemas.microsoft.com/office/drawing/2014/main" id="{489B8700-EFF5-1D5E-9EE9-D6D8BA5BDDBA}"/>
+              </a:ext>
+            </a:extLst>
+          </p:cNvPr>
+          <p:cNvSpPr>
+            <a:spLocks noGrp="1"/>
+          </p:cNvSpPr>
+          <p:nvPr>
+            <p:ph type="title"/>
+          </p:nvPr>
+        </p:nvSpPr>
+        <p:spPr/>
+        <p:txBody>
+          <a:bodyPr/>
+          <a:lstStyle/>
+          <a:p>
+            <a:r>
+              <a:rPr lang="it-IT" dirty="0" err="1"/>
+              <a:t>CONTEsto</a:t>
+            </a:r>
+            <a:r>
+              <a:rPr lang="it-IT" dirty="0"/>
+              <a:t> di un processo</a:t>
+            </a:r>
+          </a:p>
+        </p:txBody>
+      </p:sp>
+      <p:sp>
+        <p:nvSpPr>
+          <p:cNvPr id="3" name="Segnaposto contenuto 2">
+            <a:extLst>
+              <a:ext uri="{FF2B5EF4-FFF2-40B4-BE49-F238E27FC236}">
+                <a16:creationId xmlns:a16="http://schemas.microsoft.com/office/drawing/2014/main" id="{5A6F9E25-5ED7-4B67-FEC7-E6B8626EAE09}"/>
+              </a:ext>
+            </a:extLst>
+          </p:cNvPr>
+          <p:cNvSpPr>
+            <a:spLocks noGrp="1"/>
+          </p:cNvSpPr>
+          <p:nvPr>
+            <p:ph idx="1"/>
+          </p:nvPr>
+        </p:nvSpPr>
+        <p:spPr>
+          <a:xfrm>
+            <a:off x="581193" y="2706899"/>
+            <a:ext cx="11029615" cy="2791554"/>
+          </a:xfrm>
+        </p:spPr>
+        <p:txBody>
+          <a:bodyPr/>
+          <a:lstStyle/>
+          <a:p>
+            <a:pPr marL="0" indent="0">
+              <a:buNone/>
+            </a:pPr>
+            <a:r>
+              <a:rPr lang="it-IT" dirty="0"/>
+              <a:t>Il campo </a:t>
+            </a:r>
+            <a:r>
+              <a:rPr lang="it-IT" b="1" dirty="0" err="1"/>
+              <a:t>thread</a:t>
+            </a:r>
+            <a:r>
+              <a:rPr lang="it-IT" b="1" dirty="0"/>
+              <a:t> </a:t>
+            </a:r>
+            <a:r>
+              <a:rPr lang="it-IT" dirty="0"/>
+              <a:t> di </a:t>
+            </a:r>
+            <a:r>
+              <a:rPr lang="it-IT" b="1" dirty="0" err="1"/>
+              <a:t>task_struct</a:t>
+            </a:r>
+            <a:r>
+              <a:rPr lang="it-IT" b="1" dirty="0"/>
+              <a:t> </a:t>
+            </a:r>
+            <a:r>
+              <a:rPr lang="it-IT" dirty="0"/>
+              <a:t>è a sua volta una struttura che contiene le informazioni riguardo l’esecuzione di un processo. </a:t>
+            </a:r>
+          </a:p>
+          <a:p>
+            <a:pPr marL="0" indent="0">
+              <a:buNone/>
+            </a:pPr>
+            <a:r>
+              <a:rPr lang="it-IT" dirty="0"/>
+              <a:t>Si tratta del contesto di un processo, e ogni qual volta il processo non è in esecuzione, contiene tutte le informazioni vitali per poter riprenderla.</a:t>
+            </a:r>
+          </a:p>
+          <a:p>
+            <a:pPr marL="0" indent="0">
+              <a:buNone/>
+            </a:pPr>
+            <a:r>
+              <a:rPr lang="it-IT" dirty="0"/>
+              <a:t>Contiene  infatti tutte le informazioni riguardo puntatori ai registri e allo </a:t>
+            </a:r>
+            <a:r>
+              <a:rPr lang="it-IT" dirty="0" err="1"/>
+              <a:t>stack</a:t>
+            </a:r>
+            <a:r>
+              <a:rPr lang="it-IT" dirty="0"/>
+              <a:t>.</a:t>
+            </a:r>
+          </a:p>
+        </p:txBody>
+      </p:sp>
+    </p:spTree>
+    <p:extLst>
+      <p:ext uri="{BB962C8B-B14F-4D97-AF65-F5344CB8AC3E}">
+        <p14:creationId xmlns:p14="http://schemas.microsoft.com/office/powerpoint/2010/main" val="3736518206"/>
+      </p:ext>
+    </p:extLst>
+  </p:cSld>
+  <p:clrMapOvr>
+    <a:masterClrMapping/>
+  </p:clrMapOvr>
+</p:sld>
+</file>
+
+<file path=ppt/slides/slide12.xml><?xml version="1.0" encoding="utf-8"?>
+<p:sld xmlns:a="http://schemas.openxmlformats.org/drawingml/2006/main" xmlns:r="http://schemas.openxmlformats.org/officeDocument/2006/relationships" xmlns:p="http://schemas.openxmlformats.org/presentationml/2006/main">
+  <p:cSld>
+    <p:spTree>
+      <p:nvGrpSpPr>
+        <p:cNvPr id="1" name=""/>
+        <p:cNvGrpSpPr/>
+        <p:nvPr/>
+      </p:nvGrpSpPr>
+      <p:grpSpPr>
+        <a:xfrm>
+          <a:off x="0" y="0"/>
+          <a:ext cx="0" cy="0"/>
+          <a:chOff x="0" y="0"/>
+          <a:chExt cx="0" cy="0"/>
+        </a:xfrm>
+      </p:grpSpPr>
+      <p:sp>
+        <p:nvSpPr>
+          <p:cNvPr id="2" name="Titolo 1">
+            <a:extLst>
+              <a:ext uri="{FF2B5EF4-FFF2-40B4-BE49-F238E27FC236}">
+                <a16:creationId xmlns:a16="http://schemas.microsoft.com/office/drawing/2014/main" id="{AE62A51D-A57A-794C-E771-514346F2E508}"/>
+              </a:ext>
+            </a:extLst>
+          </p:cNvPr>
+          <p:cNvSpPr>
+            <a:spLocks noGrp="1"/>
+          </p:cNvSpPr>
+          <p:nvPr>
+            <p:ph type="title"/>
+          </p:nvPr>
+        </p:nvSpPr>
+        <p:spPr/>
+        <p:txBody>
+          <a:bodyPr/>
+          <a:lstStyle/>
+          <a:p>
+            <a:r>
+              <a:rPr lang="it-IT" dirty="0" err="1"/>
+              <a:t>Scheduler</a:t>
+            </a:r>
+            <a:r>
+              <a:rPr lang="it-IT" dirty="0"/>
+              <a:t> DATA </a:t>
+            </a:r>
+            <a:r>
+              <a:rPr lang="it-IT" dirty="0" err="1"/>
+              <a:t>structures</a:t>
+            </a:r>
+            <a:endParaRPr lang="it-IT" dirty="0"/>
+          </a:p>
+        </p:txBody>
+      </p:sp>
+      <p:sp>
+        <p:nvSpPr>
+          <p:cNvPr id="3" name="Segnaposto contenuto 2">
+            <a:extLst>
+              <a:ext uri="{FF2B5EF4-FFF2-40B4-BE49-F238E27FC236}">
+                <a16:creationId xmlns:a16="http://schemas.microsoft.com/office/drawing/2014/main" id="{264A4A1F-1FE6-17B3-7A12-C329A3C3597C}"/>
+              </a:ext>
+            </a:extLst>
+          </p:cNvPr>
+          <p:cNvSpPr>
+            <a:spLocks noGrp="1"/>
+          </p:cNvSpPr>
+          <p:nvPr>
+            <p:ph idx="1"/>
+          </p:nvPr>
+        </p:nvSpPr>
+        <p:spPr>
+          <a:xfrm>
+            <a:off x="581192" y="1927987"/>
+            <a:ext cx="11029615" cy="1905729"/>
+          </a:xfrm>
+        </p:spPr>
+        <p:txBody>
+          <a:bodyPr/>
+          <a:lstStyle/>
+          <a:p>
+            <a:pPr marL="0" indent="0">
+              <a:buNone/>
+            </a:pPr>
+            <a:r>
+              <a:rPr lang="it-IT" dirty="0"/>
+              <a:t>La data </a:t>
+            </a:r>
+            <a:r>
+              <a:rPr lang="it-IT" dirty="0" err="1"/>
+              <a:t>structure</a:t>
+            </a:r>
+            <a:r>
+              <a:rPr lang="it-IT" dirty="0"/>
+              <a:t> più importante dello </a:t>
+            </a:r>
+            <a:r>
+              <a:rPr lang="it-IT" dirty="0" err="1"/>
+              <a:t>scheduler</a:t>
+            </a:r>
+            <a:r>
+              <a:rPr lang="it-IT" dirty="0"/>
+              <a:t> è </a:t>
+            </a:r>
+            <a:r>
+              <a:rPr lang="it-IT" b="1" dirty="0" err="1"/>
+              <a:t>runqueue</a:t>
+            </a:r>
+            <a:r>
+              <a:rPr lang="it-IT" dirty="0"/>
+              <a:t>, in quanto collezione tutti i processi del sistema in esecuzione. La struttura viene definita in </a:t>
+            </a:r>
+            <a:r>
+              <a:rPr lang="it-IT" i="1" dirty="0" err="1"/>
+              <a:t>mentos</a:t>
+            </a:r>
+            <a:r>
+              <a:rPr lang="it-IT" i="1" dirty="0"/>
+              <a:t>/</a:t>
+            </a:r>
+            <a:r>
+              <a:rPr lang="it-IT" i="1" dirty="0" err="1"/>
+              <a:t>inc</a:t>
+            </a:r>
+            <a:r>
+              <a:rPr lang="it-IT" i="1" dirty="0"/>
+              <a:t>/</a:t>
+            </a:r>
+            <a:r>
+              <a:rPr lang="it-IT" i="1" dirty="0" err="1"/>
+              <a:t>process</a:t>
+            </a:r>
+            <a:r>
+              <a:rPr lang="it-IT" i="1" dirty="0"/>
+              <a:t>/</a:t>
+            </a:r>
+            <a:r>
+              <a:rPr lang="it-IT" i="1" dirty="0" err="1"/>
+              <a:t>process.h</a:t>
+            </a:r>
+            <a:r>
+              <a:rPr lang="it-IT" i="1" dirty="0"/>
+              <a:t> </a:t>
+            </a:r>
+            <a:r>
+              <a:rPr lang="it-IT" dirty="0"/>
+              <a:t>.</a:t>
+            </a:r>
+          </a:p>
+        </p:txBody>
+      </p:sp>
+      <p:pic>
+        <p:nvPicPr>
+          <p:cNvPr id="5" name="Immagine 4" descr="Immagine che contiene testo, schermata, Carattere&#10;&#10;Descrizione generata automaticamente">
+            <a:extLst>
+              <a:ext uri="{FF2B5EF4-FFF2-40B4-BE49-F238E27FC236}">
+                <a16:creationId xmlns:a16="http://schemas.microsoft.com/office/drawing/2014/main" id="{1565A064-D38B-06EC-6663-9F954E3F44F8}"/>
+              </a:ext>
+            </a:extLst>
+          </p:cNvPr>
+          <p:cNvPicPr>
+            <a:picLocks noChangeAspect="1"/>
+          </p:cNvPicPr>
+          <p:nvPr/>
+        </p:nvPicPr>
+        <p:blipFill>
+          <a:blip r:embed="rId2"/>
+          <a:stretch>
+            <a:fillRect/>
+          </a:stretch>
+        </p:blipFill>
+        <p:spPr>
+          <a:xfrm>
+            <a:off x="2842777" y="4167091"/>
+            <a:ext cx="6239746" cy="1381318"/>
+          </a:xfrm>
+          <a:prstGeom prst="rect">
+            <a:avLst/>
+          </a:prstGeom>
+        </p:spPr>
+      </p:pic>
+    </p:spTree>
+    <p:extLst>
+      <p:ext uri="{BB962C8B-B14F-4D97-AF65-F5344CB8AC3E}">
+        <p14:creationId xmlns:p14="http://schemas.microsoft.com/office/powerpoint/2010/main" val="2298984749"/>
+      </p:ext>
+    </p:extLst>
+  </p:cSld>
+  <p:clrMapOvr>
+    <a:masterClrMapping/>
+  </p:clrMapOvr>
+</p:sld>
+</file>
+
+<file path=ppt/slides/slide13.xml><?xml version="1.0" encoding="utf-8"?>
+<p:sld xmlns:a="http://schemas.openxmlformats.org/drawingml/2006/main" xmlns:r="http://schemas.openxmlformats.org/officeDocument/2006/relationships" xmlns:p="http://schemas.openxmlformats.org/presentationml/2006/main">
+  <p:cSld>
+    <p:spTree>
+      <p:nvGrpSpPr>
+        <p:cNvPr id="1" name=""/>
+        <p:cNvGrpSpPr/>
+        <p:nvPr/>
+      </p:nvGrpSpPr>
+      <p:grpSpPr>
+        <a:xfrm>
+          <a:off x="0" y="0"/>
+          <a:ext cx="0" cy="0"/>
+          <a:chOff x="0" y="0"/>
+          <a:chExt cx="0" cy="0"/>
+        </a:xfrm>
+      </p:grpSpPr>
+      <p:sp>
+        <p:nvSpPr>
+          <p:cNvPr id="2" name="Titolo 1">
+            <a:extLst>
+              <a:ext uri="{FF2B5EF4-FFF2-40B4-BE49-F238E27FC236}">
+                <a16:creationId xmlns:a16="http://schemas.microsoft.com/office/drawing/2014/main" id="{AE62A51D-A57A-794C-E771-514346F2E508}"/>
+              </a:ext>
+            </a:extLst>
+          </p:cNvPr>
+          <p:cNvSpPr>
+            <a:spLocks noGrp="1"/>
+          </p:cNvSpPr>
+          <p:nvPr>
+            <p:ph type="title"/>
+          </p:nvPr>
+        </p:nvSpPr>
+        <p:spPr/>
+        <p:txBody>
+          <a:bodyPr/>
+          <a:lstStyle/>
+          <a:p>
+            <a:r>
+              <a:rPr lang="it-IT" dirty="0" err="1"/>
+              <a:t>Scheduler</a:t>
+            </a:r>
+            <a:r>
+              <a:rPr lang="it-IT" dirty="0"/>
+              <a:t> DATA </a:t>
+            </a:r>
+            <a:r>
+              <a:rPr lang="it-IT" dirty="0" err="1"/>
+              <a:t>structures</a:t>
+            </a:r>
+            <a:endParaRPr lang="it-IT" dirty="0"/>
+          </a:p>
+        </p:txBody>
+      </p:sp>
+      <p:sp>
+        <p:nvSpPr>
+          <p:cNvPr id="3" name="Segnaposto contenuto 2">
+            <a:extLst>
+              <a:ext uri="{FF2B5EF4-FFF2-40B4-BE49-F238E27FC236}">
+                <a16:creationId xmlns:a16="http://schemas.microsoft.com/office/drawing/2014/main" id="{264A4A1F-1FE6-17B3-7A12-C329A3C3597C}"/>
+              </a:ext>
+            </a:extLst>
+          </p:cNvPr>
+          <p:cNvSpPr>
+            <a:spLocks noGrp="1"/>
+          </p:cNvSpPr>
+          <p:nvPr>
+            <p:ph idx="1"/>
+          </p:nvPr>
+        </p:nvSpPr>
+        <p:spPr/>
+        <p:txBody>
+          <a:bodyPr/>
+          <a:lstStyle/>
+          <a:p>
+            <a:r>
+              <a:rPr lang="it-IT" b="1" dirty="0" err="1"/>
+              <a:t>num_active</a:t>
+            </a:r>
+            <a:r>
+              <a:rPr lang="it-IT" dirty="0"/>
+              <a:t>: una </a:t>
+            </a:r>
+            <a:r>
+              <a:rPr lang="it-IT" dirty="0" err="1"/>
+              <a:t>size_t</a:t>
+            </a:r>
+            <a:r>
+              <a:rPr lang="it-IT" dirty="0"/>
+              <a:t> , ovvero un long, con il numero di processi che si trovano nel running state.</a:t>
+            </a:r>
+          </a:p>
+          <a:p>
+            <a:r>
+              <a:rPr lang="it-IT" b="1" dirty="0" err="1"/>
+              <a:t>num_priodic</a:t>
+            </a:r>
+            <a:r>
+              <a:rPr lang="it-IT" dirty="0"/>
+              <a:t>: una </a:t>
+            </a:r>
+            <a:r>
+              <a:rPr lang="it-IT" dirty="0" err="1"/>
+              <a:t>size_t</a:t>
+            </a:r>
+            <a:r>
+              <a:rPr lang="it-IT" dirty="0"/>
+              <a:t> , ovvero un long, con il numero di processi periodici che si trovano nel running state.</a:t>
+            </a:r>
+          </a:p>
+          <a:p>
+            <a:r>
+              <a:rPr lang="it-IT" b="1" dirty="0"/>
+              <a:t>*</a:t>
+            </a:r>
+            <a:r>
+              <a:rPr lang="it-IT" b="1" dirty="0" err="1"/>
+              <a:t>curr</a:t>
+            </a:r>
+            <a:r>
+              <a:rPr lang="it-IT" dirty="0"/>
+              <a:t>: una </a:t>
+            </a:r>
+            <a:r>
+              <a:rPr lang="it-IT" dirty="0" err="1"/>
+              <a:t>task_struct</a:t>
+            </a:r>
+            <a:r>
+              <a:rPr lang="it-IT" dirty="0"/>
+              <a:t> la quale è un puntatore al processo attualmente in esecuzione.</a:t>
+            </a:r>
+          </a:p>
+          <a:p>
+            <a:r>
+              <a:rPr lang="it-IT" b="1" dirty="0" err="1"/>
+              <a:t>queue</a:t>
+            </a:r>
+            <a:r>
+              <a:rPr lang="it-IT" dirty="0"/>
+              <a:t>: una </a:t>
+            </a:r>
+            <a:r>
+              <a:rPr lang="it-IT" dirty="0" err="1"/>
+              <a:t>list_head_t</a:t>
+            </a:r>
+            <a:r>
+              <a:rPr lang="it-IT" dirty="0"/>
+              <a:t>, una </a:t>
+            </a:r>
+            <a:r>
+              <a:rPr lang="it-IT" dirty="0" err="1"/>
+              <a:t>struct</a:t>
+            </a:r>
+            <a:r>
+              <a:rPr lang="it-IT" dirty="0"/>
+              <a:t> che è una lista di tutti i processi in esecuzione.</a:t>
+            </a:r>
+          </a:p>
+          <a:p>
+            <a:pPr marL="0" indent="0">
+              <a:buNone/>
+            </a:pPr>
+            <a:r>
+              <a:rPr lang="it-IT" dirty="0"/>
+              <a:t>Il campo </a:t>
+            </a:r>
+            <a:r>
+              <a:rPr lang="it-IT" dirty="0" err="1"/>
+              <a:t>queue</a:t>
+            </a:r>
+            <a:r>
+              <a:rPr lang="it-IT" dirty="0"/>
+              <a:t> è la testa di una lista circolare </a:t>
+            </a:r>
+            <a:r>
+              <a:rPr lang="it-IT" dirty="0" err="1"/>
+              <a:t>doubly-linked</a:t>
+            </a:r>
+            <a:r>
+              <a:rPr lang="it-IT" dirty="0"/>
+              <a:t>.</a:t>
+            </a:r>
+          </a:p>
+        </p:txBody>
+      </p:sp>
+    </p:spTree>
+    <p:extLst>
+      <p:ext uri="{BB962C8B-B14F-4D97-AF65-F5344CB8AC3E}">
+        <p14:creationId xmlns:p14="http://schemas.microsoft.com/office/powerpoint/2010/main" val="2449633915"/>
+      </p:ext>
+    </p:extLst>
+  </p:cSld>
+  <p:clrMapOvr>
+    <a:masterClrMapping/>
+  </p:clrMapOvr>
+</p:sld>
+</file>
+
+<file path=ppt/slides/slide14.xml><?xml version="1.0" encoding="utf-8"?>
+<p:sld xmlns:a="http://schemas.openxmlformats.org/drawingml/2006/main" xmlns:r="http://schemas.openxmlformats.org/officeDocument/2006/relationships" xmlns:p="http://schemas.openxmlformats.org/presentationml/2006/main">
+  <p:cSld>
+    <p:spTree>
+      <p:nvGrpSpPr>
+        <p:cNvPr id="1" name=""/>
+        <p:cNvGrpSpPr/>
+        <p:nvPr/>
+      </p:nvGrpSpPr>
+      <p:grpSpPr>
+        <a:xfrm>
+          <a:off x="0" y="0"/>
+          <a:ext cx="0" cy="0"/>
+          <a:chOff x="0" y="0"/>
+          <a:chExt cx="0" cy="0"/>
+        </a:xfrm>
+      </p:grpSpPr>
+      <p:sp>
+        <p:nvSpPr>
+          <p:cNvPr id="2" name="Titolo 1">
+            <a:extLst>
+              <a:ext uri="{FF2B5EF4-FFF2-40B4-BE49-F238E27FC236}">
+                <a16:creationId xmlns:a16="http://schemas.microsoft.com/office/drawing/2014/main" id="{C635A184-7935-E901-8F6A-A7FB79E28003}"/>
+              </a:ext>
+            </a:extLst>
+          </p:cNvPr>
+          <p:cNvSpPr>
+            <a:spLocks noGrp="1"/>
+          </p:cNvSpPr>
+          <p:nvPr>
+            <p:ph type="title"/>
+          </p:nvPr>
+        </p:nvSpPr>
+        <p:spPr/>
+        <p:txBody>
+          <a:bodyPr/>
+          <a:lstStyle/>
+          <a:p>
+            <a:r>
+              <a:rPr lang="it-IT" dirty="0" err="1"/>
+              <a:t>EXEcution</a:t>
+            </a:r>
+            <a:r>
+              <a:rPr lang="it-IT" dirty="0"/>
+              <a:t> flow </a:t>
+            </a:r>
+          </a:p>
+        </p:txBody>
+      </p:sp>
+      <p:sp>
+        <p:nvSpPr>
+          <p:cNvPr id="3" name="Segnaposto contenuto 2">
+            <a:extLst>
+              <a:ext uri="{FF2B5EF4-FFF2-40B4-BE49-F238E27FC236}">
+                <a16:creationId xmlns:a16="http://schemas.microsoft.com/office/drawing/2014/main" id="{DC4BF6C9-3098-67FF-AFF3-15ACC984B853}"/>
+              </a:ext>
+            </a:extLst>
+          </p:cNvPr>
+          <p:cNvSpPr>
+            <a:spLocks noGrp="1"/>
+          </p:cNvSpPr>
+          <p:nvPr>
+            <p:ph idx="1"/>
+          </p:nvPr>
+        </p:nvSpPr>
+        <p:spPr/>
+        <p:txBody>
+          <a:bodyPr/>
+          <a:lstStyle/>
+          <a:p>
+            <a:pPr marL="0" indent="0">
+              <a:buNone/>
+            </a:pPr>
+            <a:r>
+              <a:rPr lang="it-IT" dirty="0"/>
+              <a:t>Le seguenti operazioni sono eseguite dallo </a:t>
+            </a:r>
+            <a:r>
+              <a:rPr lang="it-IT" dirty="0" err="1"/>
+              <a:t>scheduler</a:t>
+            </a:r>
+            <a:r>
+              <a:rPr lang="it-IT" dirty="0"/>
+              <a:t>, il quel è chiamato dopo l’handle di interrupt/</a:t>
+            </a:r>
+            <a:r>
+              <a:rPr lang="it-IT" dirty="0" err="1"/>
+              <a:t>exception</a:t>
+            </a:r>
+            <a:r>
+              <a:rPr lang="it-IT" dirty="0"/>
+              <a:t>:</a:t>
+            </a:r>
+          </a:p>
+          <a:p>
+            <a:pPr marL="342900" indent="-342900">
+              <a:buFont typeface="+mj-lt"/>
+              <a:buAutoNum type="arabicPeriod"/>
+            </a:pPr>
+            <a:r>
+              <a:rPr lang="it-IT" dirty="0"/>
+              <a:t>Aggiorna le variabili temporali del processo corrente;</a:t>
+            </a:r>
+          </a:p>
+          <a:p>
+            <a:pPr marL="342900" indent="-342900">
+              <a:buFont typeface="+mj-lt"/>
+              <a:buAutoNum type="arabicPeriod"/>
+            </a:pPr>
+            <a:r>
+              <a:rPr lang="it-IT" dirty="0"/>
+              <a:t>Prova a risvegliare un processo in attesa. Se le condizioni sono rispettate, il processo viene risvegliato e il suo stato viene cambiato a running, inserendolo nella </a:t>
+            </a:r>
+            <a:r>
+              <a:rPr lang="it-IT" dirty="0" err="1"/>
+              <a:t>runqueue</a:t>
+            </a:r>
+            <a:r>
+              <a:rPr lang="it-IT" dirty="0"/>
+              <a:t>;</a:t>
+            </a:r>
+          </a:p>
+          <a:p>
+            <a:pPr marL="342900" indent="-342900">
+              <a:buFont typeface="+mj-lt"/>
+              <a:buAutoNum type="arabicPeriod"/>
+            </a:pPr>
+            <a:r>
+              <a:rPr lang="it-IT" dirty="0"/>
+              <a:t>Viene eseguito l’algoritmo di scheduling per scegliere il prossimo processo da eseguire dalla </a:t>
+            </a:r>
+            <a:r>
+              <a:rPr lang="it-IT" dirty="0" err="1"/>
+              <a:t>runqueue</a:t>
+            </a:r>
+            <a:r>
+              <a:rPr lang="it-IT" dirty="0"/>
+              <a:t>;</a:t>
+            </a:r>
+          </a:p>
+          <a:p>
+            <a:pPr marL="342900" indent="-342900">
+              <a:buFont typeface="+mj-lt"/>
+              <a:buAutoNum type="arabicPeriod"/>
+            </a:pPr>
+            <a:r>
+              <a:rPr lang="it-IT" dirty="0"/>
+              <a:t>Viene eseguito un </a:t>
+            </a:r>
+            <a:r>
+              <a:rPr lang="it-IT" dirty="0" err="1"/>
+              <a:t>context</a:t>
+            </a:r>
+            <a:r>
+              <a:rPr lang="it-IT" dirty="0"/>
+              <a:t> switch. </a:t>
+            </a:r>
+          </a:p>
+          <a:p>
+            <a:endParaRPr lang="it-IT" dirty="0"/>
+          </a:p>
+        </p:txBody>
+      </p:sp>
+    </p:spTree>
+    <p:extLst>
+      <p:ext uri="{BB962C8B-B14F-4D97-AF65-F5344CB8AC3E}">
+        <p14:creationId xmlns:p14="http://schemas.microsoft.com/office/powerpoint/2010/main" val="2792477324"/>
+      </p:ext>
+    </p:extLst>
+  </p:cSld>
+  <p:clrMapOvr>
+    <a:masterClrMapping/>
+  </p:clrMapOvr>
+</p:sld>
+</file>
+
+<file path=ppt/slides/slide15.xml><?xml version="1.0" encoding="utf-8"?>
+<p:sld xmlns:a="http://schemas.openxmlformats.org/drawingml/2006/main" xmlns:r="http://schemas.openxmlformats.org/officeDocument/2006/relationships" xmlns:p="http://schemas.openxmlformats.org/presentationml/2006/main">
+  <p:cSld>
+    <p:spTree>
+      <p:nvGrpSpPr>
+        <p:cNvPr id="1" name=""/>
+        <p:cNvGrpSpPr/>
+        <p:nvPr/>
+      </p:nvGrpSpPr>
+      <p:grpSpPr>
+        <a:xfrm>
+          <a:off x="0" y="0"/>
+          <a:ext cx="0" cy="0"/>
+          <a:chOff x="0" y="0"/>
+          <a:chExt cx="0" cy="0"/>
+        </a:xfrm>
+      </p:grpSpPr>
+      <p:sp>
+        <p:nvSpPr>
+          <p:cNvPr id="2" name="Titolo 1">
+            <a:extLst>
+              <a:ext uri="{FF2B5EF4-FFF2-40B4-BE49-F238E27FC236}">
+                <a16:creationId xmlns:a16="http://schemas.microsoft.com/office/drawing/2014/main" id="{7C68EA40-9E3C-7F74-0534-3F70DC7FDD8F}"/>
+              </a:ext>
+            </a:extLst>
+          </p:cNvPr>
+          <p:cNvSpPr>
+            <a:spLocks noGrp="1"/>
+          </p:cNvSpPr>
+          <p:nvPr>
+            <p:ph type="title"/>
+          </p:nvPr>
+        </p:nvSpPr>
+        <p:spPr/>
+        <p:txBody>
+          <a:bodyPr/>
+          <a:lstStyle/>
+          <a:p>
+            <a:r>
+              <a:rPr lang="it-IT" dirty="0"/>
+              <a:t>Algoritmi di scheduling</a:t>
+            </a:r>
+          </a:p>
+        </p:txBody>
+      </p:sp>
+      <p:sp>
+        <p:nvSpPr>
+          <p:cNvPr id="3" name="Segnaposto contenuto 2">
+            <a:extLst>
+              <a:ext uri="{FF2B5EF4-FFF2-40B4-BE49-F238E27FC236}">
+                <a16:creationId xmlns:a16="http://schemas.microsoft.com/office/drawing/2014/main" id="{4AE7B641-8BE0-C303-4307-CA338BA04C63}"/>
+              </a:ext>
+            </a:extLst>
+          </p:cNvPr>
+          <p:cNvSpPr>
+            <a:spLocks noGrp="1"/>
+          </p:cNvSpPr>
+          <p:nvPr>
+            <p:ph idx="1"/>
+          </p:nvPr>
+        </p:nvSpPr>
+        <p:spPr/>
+        <p:txBody>
+          <a:bodyPr/>
+          <a:lstStyle/>
+          <a:p>
+            <a:r>
+              <a:rPr lang="it-IT" dirty="0"/>
+              <a:t>Dopo questa breve premessa sulla gestione dei processi, possiamo finalmente parlare di come gli algoritmi di scheduling vengono implementati in </a:t>
+            </a:r>
+            <a:r>
+              <a:rPr lang="it-IT" dirty="0" err="1"/>
+              <a:t>MentOS</a:t>
+            </a:r>
+            <a:r>
+              <a:rPr lang="it-IT" dirty="0"/>
+              <a:t>.</a:t>
+            </a:r>
+          </a:p>
+          <a:p>
+            <a:r>
+              <a:rPr lang="it-IT" dirty="0"/>
+              <a:t>Intanto </a:t>
+            </a:r>
+            <a:r>
+              <a:rPr lang="it-IT" dirty="0" err="1"/>
+              <a:t>MentOS</a:t>
+            </a:r>
+            <a:r>
+              <a:rPr lang="it-IT" dirty="0"/>
+              <a:t> supporta vari tipi di algoritmi di scheduling, i quali sono selezionati durante la compilazione tramite </a:t>
+            </a:r>
+            <a:r>
+              <a:rPr lang="it-IT" dirty="0" err="1"/>
+              <a:t>cmake</a:t>
+            </a:r>
+            <a:r>
+              <a:rPr lang="it-IT" dirty="0"/>
+              <a:t> e chiamati dalla funzione </a:t>
+            </a:r>
+            <a:r>
+              <a:rPr lang="it-IT" b="1" dirty="0" err="1"/>
+              <a:t>scheduler_pick_next_task</a:t>
+            </a:r>
+            <a:r>
+              <a:rPr lang="it-IT" dirty="0"/>
+              <a:t>;</a:t>
+            </a:r>
+          </a:p>
+          <a:p>
+            <a:r>
+              <a:rPr lang="it-IT" dirty="0"/>
+              <a:t>Visto che le task all’interno di </a:t>
+            </a:r>
+            <a:r>
+              <a:rPr lang="it-IT" b="1" dirty="0" err="1"/>
+              <a:t>runqueue</a:t>
+            </a:r>
+            <a:r>
+              <a:rPr lang="it-IT" b="1" dirty="0"/>
+              <a:t> </a:t>
+            </a:r>
+            <a:r>
+              <a:rPr lang="it-IT" dirty="0"/>
+              <a:t>possono sia essere periodiche che aperiodiche, avremo anche algoritmi per il Real-Time scheduling, ma qui noi ci concentreremo ad analizzare gli algoritmi aperiodici.</a:t>
+            </a:r>
+          </a:p>
+        </p:txBody>
+      </p:sp>
+    </p:spTree>
+    <p:extLst>
+      <p:ext uri="{BB962C8B-B14F-4D97-AF65-F5344CB8AC3E}">
+        <p14:creationId xmlns:p14="http://schemas.microsoft.com/office/powerpoint/2010/main" val="2055104211"/>
+      </p:ext>
+    </p:extLst>
+  </p:cSld>
+  <p:clrMapOvr>
+    <a:masterClrMapping/>
+  </p:clrMapOvr>
+</p:sld>
+</file>
+
+<file path=ppt/slides/slide16.xml><?xml version="1.0" encoding="utf-8"?>
+<p:sld xmlns:a="http://schemas.openxmlformats.org/drawingml/2006/main" xmlns:r="http://schemas.openxmlformats.org/officeDocument/2006/relationships" xmlns:p="http://schemas.openxmlformats.org/presentationml/2006/main">
+  <p:cSld>
+    <p:spTree>
+      <p:nvGrpSpPr>
+        <p:cNvPr id="1" name=""/>
+        <p:cNvGrpSpPr/>
+        <p:nvPr/>
+      </p:nvGrpSpPr>
+      <p:grpSpPr>
+        <a:xfrm>
+          <a:off x="0" y="0"/>
+          <a:ext cx="0" cy="0"/>
+          <a:chOff x="0" y="0"/>
+          <a:chExt cx="0" cy="0"/>
+        </a:xfrm>
+      </p:grpSpPr>
+      <p:sp>
+        <p:nvSpPr>
+          <p:cNvPr id="2" name="Titolo 1">
+            <a:extLst>
+              <a:ext uri="{FF2B5EF4-FFF2-40B4-BE49-F238E27FC236}">
+                <a16:creationId xmlns:a16="http://schemas.microsoft.com/office/drawing/2014/main" id="{3D7DED1B-1CE8-E8F2-6C63-4839EFADA32F}"/>
+              </a:ext>
+            </a:extLst>
+          </p:cNvPr>
+          <p:cNvSpPr>
+            <a:spLocks noGrp="1"/>
+          </p:cNvSpPr>
+          <p:nvPr>
+            <p:ph type="title"/>
+          </p:nvPr>
+        </p:nvSpPr>
+        <p:spPr/>
+        <p:txBody>
+          <a:bodyPr/>
+          <a:lstStyle/>
+          <a:p>
+            <a:r>
+              <a:rPr lang="it-IT" dirty="0"/>
+              <a:t>Algoritmi di Scheduling</a:t>
+            </a:r>
+          </a:p>
+        </p:txBody>
+      </p:sp>
+      <p:sp>
+        <p:nvSpPr>
+          <p:cNvPr id="3" name="Segnaposto contenuto 2">
+            <a:extLst>
+              <a:ext uri="{FF2B5EF4-FFF2-40B4-BE49-F238E27FC236}">
+                <a16:creationId xmlns:a16="http://schemas.microsoft.com/office/drawing/2014/main" id="{781605AF-30BE-26F6-B203-D22AB482F385}"/>
+              </a:ext>
+            </a:extLst>
+          </p:cNvPr>
+          <p:cNvSpPr>
+            <a:spLocks noGrp="1"/>
+          </p:cNvSpPr>
+          <p:nvPr>
+            <p:ph idx="1"/>
+          </p:nvPr>
+        </p:nvSpPr>
+        <p:spPr/>
+        <p:txBody>
+          <a:bodyPr/>
+          <a:lstStyle/>
+          <a:p>
+            <a:pPr marL="0" indent="0">
+              <a:buNone/>
+            </a:pPr>
+            <a:r>
+              <a:rPr lang="it-IT" dirty="0"/>
+              <a:t>La funzione centralizzata </a:t>
+            </a:r>
+            <a:r>
+              <a:rPr lang="it-IT" b="1" dirty="0" err="1"/>
+              <a:t>scheduler_pick_next_task</a:t>
+            </a:r>
+            <a:r>
+              <a:rPr lang="it-IT" b="1" dirty="0"/>
+              <a:t> </a:t>
+            </a:r>
+            <a:r>
+              <a:rPr lang="it-IT" dirty="0"/>
+              <a:t>è utilizzata dallo </a:t>
+            </a:r>
+            <a:r>
+              <a:rPr lang="it-IT" dirty="0" err="1"/>
+              <a:t>scheduler</a:t>
+            </a:r>
+            <a:r>
+              <a:rPr lang="it-IT" dirty="0"/>
+              <a:t> per ottenere il prossimo processo da eseguire. Questa funzione chiamerà internamente l’algoritmo di scheduling che è stato selezionato e in base all’ algoritmo verrà scelta la prossimo processo da eseguire. </a:t>
+            </a:r>
+          </a:p>
+          <a:p>
+            <a:pPr marL="0" indent="0">
+              <a:buNone/>
+            </a:pPr>
+            <a:r>
+              <a:rPr lang="it-IT" dirty="0" err="1"/>
+              <a:t>MentOS</a:t>
+            </a:r>
+            <a:r>
+              <a:rPr lang="it-IT" dirty="0"/>
+              <a:t> supporta per ora tre algoritmi aperiodici:</a:t>
+            </a:r>
+          </a:p>
+          <a:p>
+            <a:r>
+              <a:rPr lang="it-IT" b="1" dirty="0"/>
+              <a:t>Round Robin</a:t>
+            </a:r>
+            <a:r>
+              <a:rPr lang="it-IT" dirty="0"/>
+              <a:t> : chiamato con la funzione </a:t>
+            </a:r>
+            <a:r>
+              <a:rPr lang="it-IT" b="1" dirty="0"/>
+              <a:t>__</a:t>
+            </a:r>
+            <a:r>
+              <a:rPr lang="it-IT" b="1" dirty="0" err="1"/>
+              <a:t>scheduler_rr</a:t>
+            </a:r>
+            <a:r>
+              <a:rPr lang="it-IT" dirty="0"/>
+              <a:t>; </a:t>
+            </a:r>
+          </a:p>
+          <a:p>
+            <a:r>
+              <a:rPr lang="it-IT" b="1" dirty="0" err="1"/>
+              <a:t>Highest</a:t>
+            </a:r>
+            <a:r>
+              <a:rPr lang="it-IT" b="1" dirty="0"/>
+              <a:t> </a:t>
+            </a:r>
+            <a:r>
+              <a:rPr lang="it-IT" b="1" dirty="0" err="1"/>
+              <a:t>Priority</a:t>
+            </a:r>
+            <a:r>
+              <a:rPr lang="it-IT" b="1" dirty="0"/>
+              <a:t> First</a:t>
+            </a:r>
+            <a:r>
+              <a:rPr lang="it-IT" dirty="0"/>
+              <a:t>: chiamato con la funzione </a:t>
+            </a:r>
+            <a:r>
+              <a:rPr lang="it-IT" b="1" dirty="0"/>
+              <a:t>__</a:t>
+            </a:r>
+            <a:r>
+              <a:rPr lang="it-IT" b="1" dirty="0" err="1"/>
+              <a:t>scheduler_priority</a:t>
+            </a:r>
+            <a:r>
+              <a:rPr lang="it-IT" dirty="0"/>
+              <a:t>;</a:t>
+            </a:r>
+          </a:p>
+          <a:p>
+            <a:r>
+              <a:rPr lang="it-IT" b="1" dirty="0" err="1"/>
+              <a:t>Complitely</a:t>
+            </a:r>
+            <a:r>
+              <a:rPr lang="it-IT" b="1" dirty="0"/>
+              <a:t> Fair </a:t>
+            </a:r>
+            <a:r>
+              <a:rPr lang="it-IT" b="1" dirty="0" err="1"/>
+              <a:t>Scheduler</a:t>
+            </a:r>
+            <a:r>
+              <a:rPr lang="it-IT" dirty="0"/>
+              <a:t>: chiamato con la funzione </a:t>
+            </a:r>
+            <a:r>
+              <a:rPr lang="it-IT" b="1" dirty="0"/>
+              <a:t>__</a:t>
+            </a:r>
+            <a:r>
+              <a:rPr lang="it-IT" b="1" dirty="0" err="1"/>
+              <a:t>scheduler_cfs</a:t>
+            </a:r>
+            <a:r>
+              <a:rPr lang="it-IT" dirty="0"/>
+              <a:t>.</a:t>
+            </a:r>
+          </a:p>
+          <a:p>
+            <a:pPr marL="0" indent="0">
+              <a:buNone/>
+            </a:pPr>
+            <a:r>
+              <a:rPr lang="it-IT" dirty="0"/>
+              <a:t>La funzione si trova in </a:t>
+            </a:r>
+            <a:r>
+              <a:rPr lang="it-IT" i="1" dirty="0" err="1"/>
+              <a:t>mentos</a:t>
+            </a:r>
+            <a:r>
+              <a:rPr lang="it-IT" i="1" dirty="0"/>
+              <a:t>/</a:t>
+            </a:r>
+            <a:r>
+              <a:rPr lang="it-IT" i="1" dirty="0" err="1"/>
+              <a:t>src</a:t>
+            </a:r>
+            <a:r>
+              <a:rPr lang="it-IT" i="1" dirty="0"/>
+              <a:t>/</a:t>
+            </a:r>
+            <a:r>
+              <a:rPr lang="it-IT" i="1" dirty="0" err="1"/>
+              <a:t>process</a:t>
+            </a:r>
+            <a:r>
+              <a:rPr lang="it-IT" i="1" dirty="0"/>
+              <a:t>/</a:t>
+            </a:r>
+            <a:r>
+              <a:rPr lang="it-IT" i="1" dirty="0" err="1"/>
+              <a:t>scheduler_algorithm.c</a:t>
+            </a:r>
+            <a:r>
+              <a:rPr lang="it-IT" i="1" dirty="0"/>
+              <a:t>, </a:t>
+            </a:r>
+            <a:r>
+              <a:rPr lang="it-IT" dirty="0"/>
+              <a:t>dove a loro volta vengono anche definiti tutti i vari algoritmi di scheduling che ci sono.</a:t>
+            </a:r>
+          </a:p>
+          <a:p>
+            <a:pPr marL="0" indent="0">
+              <a:buNone/>
+            </a:pPr>
+            <a:endParaRPr lang="it-IT" dirty="0"/>
+          </a:p>
+        </p:txBody>
+      </p:sp>
+    </p:spTree>
+    <p:extLst>
+      <p:ext uri="{BB962C8B-B14F-4D97-AF65-F5344CB8AC3E}">
+        <p14:creationId xmlns:p14="http://schemas.microsoft.com/office/powerpoint/2010/main" val="3784006188"/>
+      </p:ext>
+    </p:extLst>
+  </p:cSld>
+  <p:clrMapOvr>
+    <a:masterClrMapping/>
+  </p:clrMapOvr>
+</p:sld>
+</file>
+
+<file path=ppt/slides/slide17.xml><?xml version="1.0" encoding="utf-8"?>
+<p:sld xmlns:a="http://schemas.openxmlformats.org/drawingml/2006/main" xmlns:r="http://schemas.openxmlformats.org/officeDocument/2006/relationships" xmlns:p="http://schemas.openxmlformats.org/presentationml/2006/main">
+  <p:cSld>
+    <p:spTree>
+      <p:nvGrpSpPr>
+        <p:cNvPr id="1" name=""/>
+        <p:cNvGrpSpPr/>
+        <p:nvPr/>
+      </p:nvGrpSpPr>
+      <p:grpSpPr>
+        <a:xfrm>
+          <a:off x="0" y="0"/>
+          <a:ext cx="0" cy="0"/>
+          <a:chOff x="0" y="0"/>
+          <a:chExt cx="0" cy="0"/>
+        </a:xfrm>
+      </p:grpSpPr>
+      <p:sp>
+        <p:nvSpPr>
+          <p:cNvPr id="2" name="Titolo 1">
+            <a:extLst>
+              <a:ext uri="{FF2B5EF4-FFF2-40B4-BE49-F238E27FC236}">
+                <a16:creationId xmlns:a16="http://schemas.microsoft.com/office/drawing/2014/main" id="{1D40DBF8-37E4-80D2-5E1B-32A3B4EDE264}"/>
+              </a:ext>
+            </a:extLst>
+          </p:cNvPr>
+          <p:cNvSpPr>
+            <a:spLocks noGrp="1"/>
+          </p:cNvSpPr>
+          <p:nvPr>
+            <p:ph type="title"/>
+          </p:nvPr>
+        </p:nvSpPr>
+        <p:spPr/>
+        <p:txBody>
+          <a:bodyPr/>
+          <a:lstStyle/>
+          <a:p>
+            <a:r>
+              <a:rPr lang="it-IT" dirty="0"/>
+              <a:t>Algoritmi di Scheduling</a:t>
+            </a:r>
+          </a:p>
+        </p:txBody>
+      </p:sp>
+      <p:sp>
+        <p:nvSpPr>
+          <p:cNvPr id="3" name="Segnaposto contenuto 2">
+            <a:extLst>
+              <a:ext uri="{FF2B5EF4-FFF2-40B4-BE49-F238E27FC236}">
+                <a16:creationId xmlns:a16="http://schemas.microsoft.com/office/drawing/2014/main" id="{6A8A43DC-3D8C-4D50-5760-5032E5D638C9}"/>
+              </a:ext>
+            </a:extLst>
+          </p:cNvPr>
+          <p:cNvSpPr>
+            <a:spLocks noGrp="1"/>
+          </p:cNvSpPr>
+          <p:nvPr>
+            <p:ph idx="1"/>
+          </p:nvPr>
+        </p:nvSpPr>
+        <p:spPr>
+          <a:xfrm>
+            <a:off x="581192" y="4260520"/>
+            <a:ext cx="11029615" cy="2429799"/>
+          </a:xfrm>
+        </p:spPr>
+        <p:txBody>
+          <a:bodyPr>
+            <a:normAutofit lnSpcReduction="10000"/>
+          </a:bodyPr>
+          <a:lstStyle/>
+          <a:p>
+            <a:pPr marL="0" indent="0">
+              <a:buNone/>
+            </a:pPr>
+            <a:endParaRPr lang="it-IT" dirty="0"/>
+          </a:p>
+          <a:p>
+            <a:endParaRPr lang="it-IT" dirty="0"/>
+          </a:p>
+          <a:p>
+            <a:endParaRPr lang="it-IT" dirty="0"/>
+          </a:p>
+          <a:p>
+            <a:endParaRPr lang="it-IT" dirty="0"/>
+          </a:p>
+          <a:p>
+            <a:pPr marL="0" indent="0">
+              <a:buNone/>
+            </a:pPr>
+            <a:r>
+              <a:rPr lang="it-IT" dirty="0"/>
+              <a:t>Se l’algoritmo non viene definito il programma in questione non eseguirà i processi in quanto alla fine degli else </a:t>
+            </a:r>
+            <a:r>
+              <a:rPr lang="it-IT" dirty="0" err="1"/>
+              <a:t>if</a:t>
+            </a:r>
+            <a:r>
+              <a:rPr lang="it-IT" dirty="0"/>
+              <a:t> restituiremo un errore. Non c’è implementato quindi un algoritmo di default. Infatti </a:t>
+            </a:r>
+            <a:r>
+              <a:rPr lang="it-IT" b="1" dirty="0" err="1"/>
+              <a:t>scheduler_pick_nest_task</a:t>
+            </a:r>
+            <a:r>
+              <a:rPr lang="it-IT" b="1" dirty="0"/>
+              <a:t> </a:t>
+            </a:r>
+            <a:r>
+              <a:rPr lang="it-IT" dirty="0"/>
+              <a:t>sceglierà l’algoritmo in base all’opzione </a:t>
+            </a:r>
+            <a:r>
+              <a:rPr lang="it-IT" dirty="0" err="1"/>
+              <a:t>cmake</a:t>
+            </a:r>
+            <a:r>
+              <a:rPr lang="it-IT" dirty="0"/>
+              <a:t> selezionata.</a:t>
+            </a:r>
+          </a:p>
+        </p:txBody>
+      </p:sp>
+      <p:pic>
+        <p:nvPicPr>
+          <p:cNvPr id="5" name="Immagine 4" descr="Immagine che contiene testo, schermata&#10;&#10;Descrizione generata automaticamente">
+            <a:extLst>
+              <a:ext uri="{FF2B5EF4-FFF2-40B4-BE49-F238E27FC236}">
+                <a16:creationId xmlns:a16="http://schemas.microsoft.com/office/drawing/2014/main" id="{66E52429-7FF2-54EE-C919-BD75628FD1DA}"/>
+              </a:ext>
+            </a:extLst>
+          </p:cNvPr>
+          <p:cNvPicPr>
+            <a:picLocks noChangeAspect="1"/>
+          </p:cNvPicPr>
+          <p:nvPr/>
+        </p:nvPicPr>
+        <p:blipFill>
+          <a:blip r:embed="rId2"/>
+          <a:stretch>
+            <a:fillRect/>
+          </a:stretch>
+        </p:blipFill>
+        <p:spPr>
+          <a:xfrm>
+            <a:off x="2670917" y="1990063"/>
+            <a:ext cx="6701684" cy="3637756"/>
+          </a:xfrm>
+          <a:prstGeom prst="rect">
+            <a:avLst/>
+          </a:prstGeom>
+        </p:spPr>
+      </p:pic>
+    </p:spTree>
+    <p:extLst>
+      <p:ext uri="{BB962C8B-B14F-4D97-AF65-F5344CB8AC3E}">
+        <p14:creationId xmlns:p14="http://schemas.microsoft.com/office/powerpoint/2010/main" val="1768398071"/>
+      </p:ext>
+    </p:extLst>
+  </p:cSld>
+  <p:clrMapOvr>
+    <a:masterClrMapping/>
+  </p:clrMapOvr>
+</p:sld>
+</file>
+
+<file path=ppt/slides/slide18.xml><?xml version="1.0" encoding="utf-8"?>
+<p:sld xmlns:a="http://schemas.openxmlformats.org/drawingml/2006/main" xmlns:r="http://schemas.openxmlformats.org/officeDocument/2006/relationships" xmlns:p="http://schemas.openxmlformats.org/presentationml/2006/main">
+  <p:cSld>
+    <p:spTree>
+      <p:nvGrpSpPr>
+        <p:cNvPr id="1" name=""/>
+        <p:cNvGrpSpPr/>
+        <p:nvPr/>
+      </p:nvGrpSpPr>
+      <p:grpSpPr>
+        <a:xfrm>
+          <a:off x="0" y="0"/>
+          <a:ext cx="0" cy="0"/>
+          <a:chOff x="0" y="0"/>
+          <a:chExt cx="0" cy="0"/>
+        </a:xfrm>
+      </p:grpSpPr>
+      <p:sp>
+        <p:nvSpPr>
+          <p:cNvPr id="2" name="Titolo 1">
+            <a:extLst>
+              <a:ext uri="{FF2B5EF4-FFF2-40B4-BE49-F238E27FC236}">
+                <a16:creationId xmlns:a16="http://schemas.microsoft.com/office/drawing/2014/main" id="{A77E6D13-69E8-5372-6EF9-C66E60AB494D}"/>
+              </a:ext>
+            </a:extLst>
+          </p:cNvPr>
+          <p:cNvSpPr>
+            <a:spLocks noGrp="1"/>
+          </p:cNvSpPr>
+          <p:nvPr>
+            <p:ph type="title"/>
+          </p:nvPr>
+        </p:nvSpPr>
+        <p:spPr/>
+        <p:txBody>
+          <a:bodyPr/>
+          <a:lstStyle/>
+          <a:p>
+            <a:r>
+              <a:rPr lang="it-IT"/>
+              <a:t>Round Robin</a:t>
+            </a:r>
+          </a:p>
+        </p:txBody>
+      </p:sp>
+      <p:sp>
+        <p:nvSpPr>
+          <p:cNvPr id="3" name="Segnaposto contenuto 2">
+            <a:extLst>
+              <a:ext uri="{FF2B5EF4-FFF2-40B4-BE49-F238E27FC236}">
+                <a16:creationId xmlns:a16="http://schemas.microsoft.com/office/drawing/2014/main" id="{D1EF5A4D-3990-5A51-371F-7384DED661EF}"/>
+              </a:ext>
+            </a:extLst>
+          </p:cNvPr>
+          <p:cNvSpPr>
+            <a:spLocks noGrp="1"/>
+          </p:cNvSpPr>
+          <p:nvPr>
+            <p:ph idx="1"/>
+          </p:nvPr>
+        </p:nvSpPr>
+        <p:spPr/>
+        <p:txBody>
+          <a:bodyPr/>
+          <a:lstStyle/>
+          <a:p>
+            <a:pPr marL="0" indent="0">
+              <a:buNone/>
+            </a:pPr>
+            <a:r>
+              <a:rPr lang="it-IT" dirty="0"/>
+              <a:t>Il </a:t>
+            </a:r>
+            <a:r>
+              <a:rPr lang="it-IT" b="1" dirty="0"/>
+              <a:t>Round Robin </a:t>
+            </a:r>
+            <a:r>
+              <a:rPr lang="it-IT" dirty="0"/>
+              <a:t>è un algoritmo di scheduling dove ad ogni processo viene assegnato un slice di tempo fisso in modo ciclico. I suoi pregi sono che è l’algoritmo più facile da implementare, preventivo e soprattutto </a:t>
+            </a:r>
+            <a:r>
+              <a:rPr lang="it-IT" dirty="0" err="1"/>
+              <a:t>starvation</a:t>
+            </a:r>
+            <a:r>
+              <a:rPr lang="it-IT" dirty="0"/>
+              <a:t>-free , ovvero si evita che ci siano processi che non vengono mai eseguiti. </a:t>
+            </a:r>
+          </a:p>
+          <a:p>
+            <a:pPr marL="0" indent="0">
+              <a:buNone/>
+            </a:pPr>
+            <a:r>
+              <a:rPr lang="it-IT" dirty="0"/>
+              <a:t>Alla funzione si passeranno come parametri il processo corrente e la lista di processi. Si controlla se ci sono altri processi nella lista: se ci sono si va a controllare il successivo processo, il quale deve prima essere eseguibile e poi si verifica se è una task periodica. Se la task è periodica si passa alla task successiva nella coda. Infine, una volta raggiunta una task che rispetta tutti i parametri si fa la </a:t>
+            </a:r>
+            <a:r>
+              <a:rPr lang="it-IT" dirty="0" err="1"/>
+              <a:t>return</a:t>
+            </a:r>
+            <a:r>
+              <a:rPr lang="it-IT" dirty="0"/>
+              <a:t> di quest’ultima. Se non vengono invece rispettati i parametri si fa una </a:t>
+            </a:r>
+            <a:r>
+              <a:rPr lang="it-IT" dirty="0" err="1"/>
+              <a:t>return</a:t>
+            </a:r>
+            <a:r>
+              <a:rPr lang="it-IT" dirty="0"/>
+              <a:t> NULL, mentre se nella lista c’è un solo elemento si fa la </a:t>
+            </a:r>
+            <a:r>
+              <a:rPr lang="it-IT" dirty="0" err="1"/>
+              <a:t>return</a:t>
+            </a:r>
+            <a:r>
+              <a:rPr lang="it-IT" dirty="0"/>
+              <a:t> della task corrente.</a:t>
+            </a:r>
+          </a:p>
+        </p:txBody>
+      </p:sp>
+    </p:spTree>
+    <p:extLst>
+      <p:ext uri="{BB962C8B-B14F-4D97-AF65-F5344CB8AC3E}">
+        <p14:creationId xmlns:p14="http://schemas.microsoft.com/office/powerpoint/2010/main" val="2171262478"/>
+      </p:ext>
+    </p:extLst>
+  </p:cSld>
+  <p:clrMapOvr>
+    <a:masterClrMapping/>
+  </p:clrMapOvr>
+</p:sld>
+</file>
+
+<file path=ppt/slides/slide19.xml><?xml version="1.0" encoding="utf-8"?>
 <p:sld xmlns:a="http://schemas.openxmlformats.org/drawingml/2006/main" xmlns:r="http://schemas.openxmlformats.org/officeDocument/2006/relationships" xmlns:p="http://schemas.openxmlformats.org/presentationml/2006/main">
   <p:cSld>
     <p:spTree>
@@ -11605,6 +10409,228 @@
 </p:sld>
 </file>
 
+<file path=ppt/slides/slide2.xml><?xml version="1.0" encoding="utf-8"?>
+<p:sld xmlns:a="http://schemas.openxmlformats.org/drawingml/2006/main" xmlns:r="http://schemas.openxmlformats.org/officeDocument/2006/relationships" xmlns:p="http://schemas.openxmlformats.org/presentationml/2006/main">
+  <p:cSld>
+    <p:spTree>
+      <p:nvGrpSpPr>
+        <p:cNvPr id="1" name=""/>
+        <p:cNvGrpSpPr/>
+        <p:nvPr/>
+      </p:nvGrpSpPr>
+      <p:grpSpPr>
+        <a:xfrm>
+          <a:off x="0" y="0"/>
+          <a:ext cx="0" cy="0"/>
+          <a:chOff x="0" y="0"/>
+          <a:chExt cx="0" cy="0"/>
+        </a:xfrm>
+      </p:grpSpPr>
+      <p:sp>
+        <p:nvSpPr>
+          <p:cNvPr id="2" name="Titolo 1">
+            <a:extLst>
+              <a:ext uri="{FF2B5EF4-FFF2-40B4-BE49-F238E27FC236}">
+                <a16:creationId xmlns:a16="http://schemas.microsoft.com/office/drawing/2014/main" id="{ECFBC4E6-F97C-C260-BEF7-252A15413A53}"/>
+              </a:ext>
+            </a:extLst>
+          </p:cNvPr>
+          <p:cNvSpPr>
+            <a:spLocks noGrp="1"/>
+          </p:cNvSpPr>
+          <p:nvPr>
+            <p:ph type="title"/>
+          </p:nvPr>
+        </p:nvSpPr>
+        <p:spPr/>
+        <p:txBody>
+          <a:bodyPr/>
+          <a:lstStyle/>
+          <a:p>
+            <a:r>
+              <a:rPr lang="it-IT" dirty="0"/>
+              <a:t>indice</a:t>
+            </a:r>
+          </a:p>
+        </p:txBody>
+      </p:sp>
+      <p:sp>
+        <p:nvSpPr>
+          <p:cNvPr id="3" name="Segnaposto contenuto 2">
+            <a:extLst>
+              <a:ext uri="{FF2B5EF4-FFF2-40B4-BE49-F238E27FC236}">
+                <a16:creationId xmlns:a16="http://schemas.microsoft.com/office/drawing/2014/main" id="{CB93850A-FFF8-D714-ACEB-CE14195D3F94}"/>
+              </a:ext>
+            </a:extLst>
+          </p:cNvPr>
+          <p:cNvSpPr>
+            <a:spLocks noGrp="1"/>
+          </p:cNvSpPr>
+          <p:nvPr>
+            <p:ph idx="1"/>
+          </p:nvPr>
+        </p:nvSpPr>
+        <p:spPr/>
+        <p:txBody>
+          <a:bodyPr/>
+          <a:lstStyle/>
+          <a:p>
+            <a:r>
+              <a:rPr lang="it-IT" dirty="0"/>
+              <a:t>Processi e loro funzionamento in </a:t>
+            </a:r>
+            <a:r>
+              <a:rPr lang="it-IT" dirty="0" err="1"/>
+              <a:t>MentOS</a:t>
+            </a:r>
+            <a:endParaRPr lang="it-IT" dirty="0"/>
+          </a:p>
+          <a:p>
+            <a:r>
+              <a:rPr lang="it-IT" dirty="0" err="1"/>
+              <a:t>Scheduler</a:t>
+            </a:r>
+            <a:endParaRPr lang="it-IT" dirty="0"/>
+          </a:p>
+          <a:p>
+            <a:r>
+              <a:rPr lang="it-IT" dirty="0"/>
+              <a:t>Algoritmi di Scheduling</a:t>
+            </a:r>
+          </a:p>
+          <a:p>
+            <a:r>
+              <a:rPr lang="it-IT" dirty="0"/>
+              <a:t>Paragone con OS161</a:t>
+            </a:r>
+          </a:p>
+        </p:txBody>
+      </p:sp>
+    </p:spTree>
+    <p:extLst>
+      <p:ext uri="{BB962C8B-B14F-4D97-AF65-F5344CB8AC3E}">
+        <p14:creationId xmlns:p14="http://schemas.microsoft.com/office/powerpoint/2010/main" val="3146810993"/>
+      </p:ext>
+    </p:extLst>
+  </p:cSld>
+  <p:clrMapOvr>
+    <a:masterClrMapping/>
+  </p:clrMapOvr>
+</p:sld>
+</file>
+
+<file path=ppt/slides/slide20.xml><?xml version="1.0" encoding="utf-8"?>
+<p:sld xmlns:a="http://schemas.openxmlformats.org/drawingml/2006/main" xmlns:r="http://schemas.openxmlformats.org/officeDocument/2006/relationships" xmlns:p="http://schemas.openxmlformats.org/presentationml/2006/main">
+  <p:cSld>
+    <p:spTree>
+      <p:nvGrpSpPr>
+        <p:cNvPr id="1" name=""/>
+        <p:cNvGrpSpPr/>
+        <p:nvPr/>
+      </p:nvGrpSpPr>
+      <p:grpSpPr>
+        <a:xfrm>
+          <a:off x="0" y="0"/>
+          <a:ext cx="0" cy="0"/>
+          <a:chOff x="0" y="0"/>
+          <a:chExt cx="0" cy="0"/>
+        </a:xfrm>
+      </p:grpSpPr>
+      <p:sp>
+        <p:nvSpPr>
+          <p:cNvPr id="2" name="Titolo 1">
+            <a:extLst>
+              <a:ext uri="{FF2B5EF4-FFF2-40B4-BE49-F238E27FC236}">
+                <a16:creationId xmlns:a16="http://schemas.microsoft.com/office/drawing/2014/main" id="{4CE4A895-5DD5-9B06-3E70-4E6996BFEFB8}"/>
+              </a:ext>
+            </a:extLst>
+          </p:cNvPr>
+          <p:cNvSpPr>
+            <a:spLocks noGrp="1"/>
+          </p:cNvSpPr>
+          <p:nvPr>
+            <p:ph type="title"/>
+          </p:nvPr>
+        </p:nvSpPr>
+        <p:spPr/>
+        <p:txBody>
+          <a:bodyPr/>
+          <a:lstStyle/>
+          <a:p>
+            <a:r>
+              <a:rPr lang="it-IT" dirty="0"/>
+              <a:t>Round </a:t>
+            </a:r>
+            <a:r>
+              <a:rPr lang="it-IT" dirty="0" err="1"/>
+              <a:t>robin</a:t>
+            </a:r>
+            <a:endParaRPr lang="it-IT" dirty="0"/>
+          </a:p>
+        </p:txBody>
+      </p:sp>
+      <p:sp>
+        <p:nvSpPr>
+          <p:cNvPr id="3" name="Segnaposto contenuto 2">
+            <a:extLst>
+              <a:ext uri="{FF2B5EF4-FFF2-40B4-BE49-F238E27FC236}">
+                <a16:creationId xmlns:a16="http://schemas.microsoft.com/office/drawing/2014/main" id="{06C9FEFC-B5C2-8EC5-D236-C2BCCC0DFEA3}"/>
+              </a:ext>
+            </a:extLst>
+          </p:cNvPr>
+          <p:cNvSpPr>
+            <a:spLocks noGrp="1"/>
+          </p:cNvSpPr>
+          <p:nvPr>
+            <p:ph idx="1"/>
+          </p:nvPr>
+        </p:nvSpPr>
+        <p:spPr/>
+        <p:txBody>
+          <a:bodyPr/>
+          <a:lstStyle/>
+          <a:p>
+            <a:pPr marL="0" indent="0">
+              <a:buNone/>
+            </a:pPr>
+            <a:r>
+              <a:rPr lang="it-IT" dirty="0"/>
+              <a:t>Nonostante noi avessimo detto all’inizio che questi algoritmi sono aperiodici, comunque dobbiamo poter considerare la presenza di task periodiche all’interno della coda di esecuzione. </a:t>
+            </a:r>
+          </a:p>
+          <a:p>
+            <a:pPr marL="0" indent="0">
+              <a:buNone/>
+            </a:pPr>
+            <a:r>
+              <a:rPr lang="it-IT" dirty="0"/>
+              <a:t>L’unica cosa che il codice farà sarà  un ciclo for dove controlleremo se  la task è periodica o meno, e se così sarà faremo uno skip e passeremo a controllare ed eseguire la task successiva. </a:t>
+            </a:r>
+          </a:p>
+          <a:p>
+            <a:pPr marL="0" indent="0">
+              <a:buNone/>
+            </a:pPr>
+            <a:r>
+              <a:rPr lang="it-IT" dirty="0"/>
+              <a:t>Questa parte nonostante non sia presente viene data come esercizio per i programmatori da dover completare.</a:t>
+            </a:r>
+          </a:p>
+        </p:txBody>
+      </p:sp>
+    </p:spTree>
+    <p:extLst>
+      <p:ext uri="{BB962C8B-B14F-4D97-AF65-F5344CB8AC3E}">
+        <p14:creationId xmlns:p14="http://schemas.microsoft.com/office/powerpoint/2010/main" val="1412755782"/>
+      </p:ext>
+    </p:extLst>
+  </p:cSld>
+  <p:clrMapOvr>
+    <a:masterClrMapping/>
+  </p:clrMapOvr>
+</p:sld>
+</file>
+
 <file path=ppt/slides/slide21.xml><?xml version="1.0" encoding="utf-8"?>
 <p:sld xmlns:a="http://schemas.openxmlformats.org/drawingml/2006/main" xmlns:r="http://schemas.openxmlformats.org/officeDocument/2006/relationships" xmlns:p="http://schemas.openxmlformats.org/presentationml/2006/main">
   <p:cSld>
@@ -11627,7 +10653,7 @@
           <p:cNvPr id="2" name="Titolo 1">
             <a:extLst>
               <a:ext uri="{FF2B5EF4-FFF2-40B4-BE49-F238E27FC236}">
-                <a16:creationId xmlns:a16="http://schemas.microsoft.com/office/drawing/2014/main" id="{4CE4A895-5DD5-9B06-3E70-4E6996BFEFB8}"/>
+                <a16:creationId xmlns:a16="http://schemas.microsoft.com/office/drawing/2014/main" id="{C2E27FA0-76D7-3699-F930-8AEA21077396}"/>
               </a:ext>
             </a:extLst>
           </p:cNvPr>
@@ -11645,13 +10671,8 @@
           <a:p>
             <a:r>
               <a:rPr lang="it-IT" dirty="0"/>
-              <a:t>Round </a:t>
-            </a:r>
-            <a:r>
-              <a:rPr lang="it-IT" dirty="0" err="1"/>
-              <a:t>robin</a:t>
-            </a:r>
-            <a:endParaRPr lang="it-IT" dirty="0"/>
+              <a:t>HIGH PRIORITY FIRST</a:t>
+            </a:r>
           </a:p>
         </p:txBody>
       </p:sp>
@@ -11660,7 +10681,7 @@
           <p:cNvPr id="3" name="Segnaposto contenuto 2">
             <a:extLst>
               <a:ext uri="{FF2B5EF4-FFF2-40B4-BE49-F238E27FC236}">
-                <a16:creationId xmlns:a16="http://schemas.microsoft.com/office/drawing/2014/main" id="{06C9FEFC-B5C2-8EC5-D236-C2BCCC0DFEA3}"/>
+                <a16:creationId xmlns:a16="http://schemas.microsoft.com/office/drawing/2014/main" id="{CC7EF1D3-1BFA-543A-D600-275155700105}"/>
               </a:ext>
             </a:extLst>
           </p:cNvPr>
@@ -11681,25 +10702,23 @@
             </a:pPr>
             <a:r>
               <a:rPr lang="it-IT" dirty="0"/>
-              <a:t>Nonostante noi avessimo detto all’inizio che questi algoritmi sono aperiodici, comunque dobbiamo poter considerare la presenza di task periodiche all’interno della coda di esecuzione. </a:t>
-            </a:r>
-          </a:p>
-          <a:p>
-            <a:pPr marL="0" indent="0">
-              <a:buNone/>
-            </a:pPr>
-            <a:r>
-              <a:rPr lang="it-IT" dirty="0"/>
-              <a:t>L’unica cosa che il codice farà sarà  un ciclo for dove controlleremo se  la task è periodica o meno, e se così sarà faremo uno skip e passeremo a controllare ed eseguire la task successiva. </a:t>
-            </a:r>
-          </a:p>
-          <a:p>
-            <a:pPr marL="0" indent="0">
-              <a:buNone/>
-            </a:pPr>
-            <a:r>
-              <a:rPr lang="it-IT" dirty="0"/>
-              <a:t>Questa parte nonostante non sia presente viene data come esercizio per i programmatori da dover completare.</a:t>
+              <a:t>L’algoritmo visto in precedenza è il più semplice,  in quanto tutte le task sono uguali e a turno verranno eseguite dalla CPU. Ciò però non è quello che vogliamo che accada sempre, in quanto spesso ci capiterà di voler far eseguire prima delle task rispetto alle altre:, come per esempio far eseguire prima le task degli amministratori rispetto a quelli di uno user normale. Per questo motivo si sono introdotti i </a:t>
+            </a:r>
+            <a:r>
+              <a:rPr lang="it-IT" dirty="0" err="1"/>
+              <a:t>priority</a:t>
+            </a:r>
+            <a:r>
+              <a:rPr lang="it-IT" dirty="0"/>
+              <a:t> scheduling </a:t>
+            </a:r>
+            <a:r>
+              <a:rPr lang="it-IT" dirty="0" err="1"/>
+              <a:t>algorithm</a:t>
+            </a:r>
+            <a:r>
+              <a:rPr lang="it-IT" dirty="0"/>
+              <a:t>, ovvero degli algoritmi dove ciascuna task avrà un livello di priorità che indicherà la sua posizione nella coda di esecuzione.</a:t>
             </a:r>
           </a:p>
         </p:txBody>
@@ -11707,7 +10726,7 @@
     </p:spTree>
     <p:extLst>
       <p:ext uri="{BB962C8B-B14F-4D97-AF65-F5344CB8AC3E}">
-        <p14:creationId xmlns:p14="http://schemas.microsoft.com/office/powerpoint/2010/main" val="1412755782"/>
+        <p14:creationId xmlns:p14="http://schemas.microsoft.com/office/powerpoint/2010/main" val="409699173"/>
       </p:ext>
     </p:extLst>
   </p:cSld>
@@ -11788,23 +10807,94 @@
             </a:pPr>
             <a:r>
               <a:rPr lang="it-IT" dirty="0"/>
-              <a:t>L’algoritmo visto in precedenza è il più semplice,  in quanto tutte le task sono uguali e a turno verranno eseguite dalla CPU. Ciò però non è quello che vogliamo che accada sempre, in quanto spesso ci capiterà di voler far eseguire prima delle task rispetto alle altre:, come per esempio far eseguire prima le task degli amministratori rispetto a quelli di uno user normale. Per questo motivo si sono introdotti i </a:t>
+              <a:t>Ogni processo ha una priorità data da un numero statico, la quale è più alta più è basso il numero</a:t>
+            </a:r>
+          </a:p>
+          <a:p>
+            <a:pPr marL="0" indent="0">
+              <a:buNone/>
+            </a:pPr>
+            <a:r>
+              <a:rPr lang="it-IT" dirty="0"/>
+              <a:t>Lo </a:t>
             </a:r>
             <a:r>
               <a:rPr lang="it-IT" dirty="0" err="1"/>
-              <a:t>priority</a:t>
-            </a:r>
-            <a:r>
-              <a:rPr lang="it-IT" dirty="0"/>
-              <a:t> scheduling </a:t>
+              <a:t>scheduler</a:t>
+            </a:r>
+            <a:r>
+              <a:rPr lang="it-IT" dirty="0"/>
+              <a:t> semplicemente sceglie il processo da eseguire con la priorità più bassa. Non appena nella </a:t>
             </a:r>
             <a:r>
               <a:rPr lang="it-IT" dirty="0" err="1"/>
-              <a:t>algorithm</a:t>
-            </a:r>
-            <a:r>
-              <a:rPr lang="it-IT" dirty="0"/>
-              <a:t>, ovvero degli algoritmi dove ciascuna task avrà un livello di priorità che indicherà la sua posizione nella coda di esecuzione.</a:t>
+              <a:t>runqueue</a:t>
+            </a:r>
+            <a:r>
+              <a:rPr lang="it-IT" dirty="0"/>
+              <a:t> appare un processo con una priorità più alta, questo viene sostituito al processo attualmente in esecuzione. </a:t>
+            </a:r>
+          </a:p>
+          <a:p>
+            <a:pPr marL="0" indent="0">
+              <a:buNone/>
+            </a:pPr>
+            <a:r>
+              <a:rPr lang="it-IT" dirty="0"/>
+              <a:t>Il vantaggio quindi di questo tipo di algoritmo è quello di poter avere un’esecuzione gerarchica dove l’importanza di ciascun processo viene definita. Il problema che però potremmo riscontrare, e che prima con il Round Robin non avevamo, è quello della </a:t>
+            </a:r>
+            <a:r>
+              <a:rPr lang="it-IT" dirty="0" err="1"/>
+              <a:t>starvation</a:t>
+            </a:r>
+            <a:r>
+              <a:rPr lang="it-IT" dirty="0"/>
+              <a:t>, ovvero processi che restano nella lista in attesa di essere eseguiti per tempi troppo lunghi a causa di processi con priorità più alta.</a:t>
+            </a:r>
+          </a:p>
+          <a:p>
+            <a:pPr marL="0" indent="0">
+              <a:buNone/>
+            </a:pPr>
+            <a:r>
+              <a:rPr lang="it-IT" dirty="0"/>
+              <a:t>In questo caso, l’intero algoritmo è lasciato come esercizio allo studente, fornendo a quest’ultimo solo il pseudo codice nelle slide della documentazione e lasciando uno scheletro di questo sempre in </a:t>
+            </a:r>
+            <a:r>
+              <a:rPr lang="it-IT" i="1" dirty="0" err="1"/>
+              <a:t>mentos</a:t>
+            </a:r>
+            <a:r>
+              <a:rPr lang="it-IT" i="1" dirty="0"/>
+              <a:t>/</a:t>
+            </a:r>
+            <a:r>
+              <a:rPr lang="it-IT" i="1" dirty="0" err="1"/>
+              <a:t>src</a:t>
+            </a:r>
+            <a:r>
+              <a:rPr lang="it-IT" i="1" dirty="0"/>
+              <a:t>/</a:t>
+            </a:r>
+            <a:r>
+              <a:rPr lang="it-IT" i="1" dirty="0" err="1"/>
+              <a:t>process</a:t>
+            </a:r>
+            <a:r>
+              <a:rPr lang="it-IT" i="1" dirty="0"/>
+              <a:t>/</a:t>
+            </a:r>
+            <a:r>
+              <a:rPr lang="it-IT" i="1" dirty="0" err="1"/>
+              <a:t>scheduler_algorithm.c</a:t>
+            </a:r>
+            <a:r>
+              <a:rPr lang="it-IT" i="1" dirty="0"/>
+              <a:t> </a:t>
+            </a:r>
+            <a:r>
+              <a:rPr lang="it-IT" dirty="0"/>
+              <a:t>.</a:t>
             </a:r>
           </a:p>
         </p:txBody>
@@ -11812,7 +10902,7 @@
     </p:spTree>
     <p:extLst>
       <p:ext uri="{BB962C8B-B14F-4D97-AF65-F5344CB8AC3E}">
-        <p14:creationId xmlns:p14="http://schemas.microsoft.com/office/powerpoint/2010/main" val="409699173"/>
+        <p14:creationId xmlns:p14="http://schemas.microsoft.com/office/powerpoint/2010/main" val="37603267"/>
       </p:ext>
     </p:extLst>
   </p:cSld>
@@ -11844,182 +10934,6 @@
           <p:cNvPr id="2" name="Titolo 1">
             <a:extLst>
               <a:ext uri="{FF2B5EF4-FFF2-40B4-BE49-F238E27FC236}">
-                <a16:creationId xmlns:a16="http://schemas.microsoft.com/office/drawing/2014/main" id="{C2E27FA0-76D7-3699-F930-8AEA21077396}"/>
-              </a:ext>
-            </a:extLst>
-          </p:cNvPr>
-          <p:cNvSpPr>
-            <a:spLocks noGrp="1"/>
-          </p:cNvSpPr>
-          <p:nvPr>
-            <p:ph type="title"/>
-          </p:nvPr>
-        </p:nvSpPr>
-        <p:spPr/>
-        <p:txBody>
-          <a:bodyPr/>
-          <a:lstStyle/>
-          <a:p>
-            <a:r>
-              <a:rPr lang="it-IT" dirty="0"/>
-              <a:t>HIGH PRIORITY FIRST</a:t>
-            </a:r>
-          </a:p>
-        </p:txBody>
-      </p:sp>
-      <p:sp>
-        <p:nvSpPr>
-          <p:cNvPr id="3" name="Segnaposto contenuto 2">
-            <a:extLst>
-              <a:ext uri="{FF2B5EF4-FFF2-40B4-BE49-F238E27FC236}">
-                <a16:creationId xmlns:a16="http://schemas.microsoft.com/office/drawing/2014/main" id="{CC7EF1D3-1BFA-543A-D600-275155700105}"/>
-              </a:ext>
-            </a:extLst>
-          </p:cNvPr>
-          <p:cNvSpPr>
-            <a:spLocks noGrp="1"/>
-          </p:cNvSpPr>
-          <p:nvPr>
-            <p:ph idx="1"/>
-          </p:nvPr>
-        </p:nvSpPr>
-        <p:spPr/>
-        <p:txBody>
-          <a:bodyPr/>
-          <a:lstStyle/>
-          <a:p>
-            <a:pPr marL="0" indent="0">
-              <a:buNone/>
-            </a:pPr>
-            <a:r>
-              <a:rPr lang="it-IT" dirty="0"/>
-              <a:t>Ogni processo ha una priorità data da un numero statico, la quale è più alta più è basso il numero</a:t>
-            </a:r>
-          </a:p>
-          <a:p>
-            <a:pPr marL="0" indent="0">
-              <a:buNone/>
-            </a:pPr>
-            <a:r>
-              <a:rPr lang="it-IT" dirty="0"/>
-              <a:t>Lo </a:t>
-            </a:r>
-            <a:r>
-              <a:rPr lang="it-IT" dirty="0" err="1"/>
-              <a:t>scheduler</a:t>
-            </a:r>
-            <a:r>
-              <a:rPr lang="it-IT" dirty="0"/>
-              <a:t> semplicemente sceglie il processo da eseguire con la priorità più bassa. Non appena nella </a:t>
-            </a:r>
-            <a:r>
-              <a:rPr lang="it-IT" dirty="0" err="1"/>
-              <a:t>runqueue</a:t>
-            </a:r>
-            <a:r>
-              <a:rPr lang="it-IT" dirty="0"/>
-              <a:t> appare un processo con una priorità più alta, questo viene sostituito al processo attualmente in esecuzione. </a:t>
-            </a:r>
-          </a:p>
-          <a:p>
-            <a:pPr marL="0" indent="0">
-              <a:buNone/>
-            </a:pPr>
-            <a:r>
-              <a:rPr lang="it-IT" dirty="0"/>
-              <a:t>Il vantaggio quindi di questo tipo di algoritmo è quello di poter avere un’esecuzione gerarchica dove l’importanza di ciascun processo viene definita. Il problema che però potremmo riscontrare, e che prima con il Round Robin non avevamo, è quello della </a:t>
-            </a:r>
-            <a:r>
-              <a:rPr lang="it-IT" dirty="0" err="1"/>
-              <a:t>starvation</a:t>
-            </a:r>
-            <a:r>
-              <a:rPr lang="it-IT" dirty="0"/>
-              <a:t>, ovvero processi che restano nella lista in attesa di essere eseguiti per tempi troppo lunghi a causa di processi con priorità più alta.</a:t>
-            </a:r>
-          </a:p>
-          <a:p>
-            <a:pPr marL="0" indent="0">
-              <a:buNone/>
-            </a:pPr>
-            <a:r>
-              <a:rPr lang="it-IT" dirty="0"/>
-              <a:t>In questo caso, l’intero algoritmo è lasciato come esercizio allo studente, fornendo a quest’ultimo solo il pseudo codice nelle slide della documentazione e lasciando uno scheletro di questo sempre in </a:t>
-            </a:r>
-            <a:r>
-              <a:rPr lang="it-IT" i="1" dirty="0" err="1"/>
-              <a:t>mentos</a:t>
-            </a:r>
-            <a:r>
-              <a:rPr lang="it-IT" i="1" dirty="0"/>
-              <a:t>/</a:t>
-            </a:r>
-            <a:r>
-              <a:rPr lang="it-IT" i="1" dirty="0" err="1"/>
-              <a:t>src</a:t>
-            </a:r>
-            <a:r>
-              <a:rPr lang="it-IT" i="1" dirty="0"/>
-              <a:t>/</a:t>
-            </a:r>
-            <a:r>
-              <a:rPr lang="it-IT" i="1" dirty="0" err="1"/>
-              <a:t>process</a:t>
-            </a:r>
-            <a:r>
-              <a:rPr lang="it-IT" i="1" dirty="0"/>
-              <a:t>/</a:t>
-            </a:r>
-            <a:r>
-              <a:rPr lang="it-IT" i="1" dirty="0" err="1"/>
-              <a:t>scheduler_algorithm.c</a:t>
-            </a:r>
-            <a:r>
-              <a:rPr lang="it-IT" i="1" dirty="0"/>
-              <a:t> </a:t>
-            </a:r>
-            <a:r>
-              <a:rPr lang="it-IT" dirty="0"/>
-              <a:t>.</a:t>
-            </a:r>
-          </a:p>
-        </p:txBody>
-      </p:sp>
-    </p:spTree>
-    <p:extLst>
-      <p:ext uri="{BB962C8B-B14F-4D97-AF65-F5344CB8AC3E}">
-        <p14:creationId xmlns:p14="http://schemas.microsoft.com/office/powerpoint/2010/main" val="37603267"/>
-      </p:ext>
-    </p:extLst>
-  </p:cSld>
-  <p:clrMapOvr>
-    <a:masterClrMapping/>
-  </p:clrMapOvr>
-</p:sld>
-</file>
-
-<file path=ppt/slides/slide24.xml><?xml version="1.0" encoding="utf-8"?>
-<p:sld xmlns:a="http://schemas.openxmlformats.org/drawingml/2006/main" xmlns:r="http://schemas.openxmlformats.org/officeDocument/2006/relationships" xmlns:p="http://schemas.openxmlformats.org/presentationml/2006/main">
-  <p:cSld>
-    <p:spTree>
-      <p:nvGrpSpPr>
-        <p:cNvPr id="1" name=""/>
-        <p:cNvGrpSpPr/>
-        <p:nvPr/>
-      </p:nvGrpSpPr>
-      <p:grpSpPr>
-        <a:xfrm>
-          <a:off x="0" y="0"/>
-          <a:ext cx="0" cy="0"/>
-          <a:chOff x="0" y="0"/>
-          <a:chExt cx="0" cy="0"/>
-        </a:xfrm>
-      </p:grpSpPr>
-      <p:sp>
-        <p:nvSpPr>
-          <p:cNvPr id="2" name="Titolo 1">
-            <a:extLst>
-              <a:ext uri="{FF2B5EF4-FFF2-40B4-BE49-F238E27FC236}">
                 <a16:creationId xmlns:a16="http://schemas.microsoft.com/office/drawing/2014/main" id="{81E6F3DB-13CD-543A-809C-5C2D62156800}"/>
               </a:ext>
             </a:extLst>
@@ -12107,7 +11021,7 @@
 </p:sld>
 </file>
 
-<file path=ppt/slides/slide25.xml><?xml version="1.0" encoding="utf-8"?>
+<file path=ppt/slides/slide24.xml><?xml version="1.0" encoding="utf-8"?>
 <p:sld xmlns:a="http://schemas.openxmlformats.org/drawingml/2006/main" xmlns:r="http://schemas.openxmlformats.org/officeDocument/2006/relationships" xmlns:p="http://schemas.openxmlformats.org/presentationml/2006/main">
   <p:cSld>
     <p:spTree>
@@ -12239,7 +11153,7 @@
 </p:sld>
 </file>
 
-<file path=ppt/slides/slide26.xml><?xml version="1.0" encoding="utf-8"?>
+<file path=ppt/slides/slide25.xml><?xml version="1.0" encoding="utf-8"?>
 <p:sld xmlns:a="http://schemas.openxmlformats.org/drawingml/2006/main" xmlns:r="http://schemas.openxmlformats.org/officeDocument/2006/relationships" xmlns:p="http://schemas.openxmlformats.org/presentationml/2006/main">
   <p:cSld>
     <p:spTree>
@@ -12403,7 +11317,7 @@
 </p:sld>
 </file>
 
-<file path=ppt/slides/slide27.xml><?xml version="1.0" encoding="utf-8"?>
+<file path=ppt/slides/slide26.xml><?xml version="1.0" encoding="utf-8"?>
 <p:sld xmlns:a="http://schemas.openxmlformats.org/drawingml/2006/main" xmlns:r="http://schemas.openxmlformats.org/officeDocument/2006/relationships" xmlns:p="http://schemas.openxmlformats.org/presentationml/2006/main">
   <p:cSld>
     <p:spTree>
@@ -12575,7 +11489,7 @@
 </p:sld>
 </file>
 
-<file path=ppt/slides/slide28.xml><?xml version="1.0" encoding="utf-8"?>
+<file path=ppt/slides/slide27.xml><?xml version="1.0" encoding="utf-8"?>
 <p:sld xmlns:a="http://schemas.openxmlformats.org/drawingml/2006/main" xmlns:r="http://schemas.openxmlformats.org/officeDocument/2006/relationships" xmlns:p="http://schemas.openxmlformats.org/presentationml/2006/main">
   <p:cSld>
     <p:spTree>
@@ -12744,7 +11658,7 @@
 </p:sld>
 </file>
 
-<file path=ppt/slides/slide29.xml><?xml version="1.0" encoding="utf-8"?>
+<file path=ppt/slides/slide28.xml><?xml version="1.0" encoding="utf-8"?>
 <p:sld xmlns:a="http://schemas.openxmlformats.org/drawingml/2006/main" xmlns:r="http://schemas.openxmlformats.org/officeDocument/2006/relationships" xmlns:p="http://schemas.openxmlformats.org/presentationml/2006/main">
   <p:cSld>
     <p:spTree>
@@ -12943,117 +11857,7 @@
 </p:sld>
 </file>
 
-<file path=ppt/slides/slide3.xml><?xml version="1.0" encoding="utf-8"?>
-<p:sld xmlns:a="http://schemas.openxmlformats.org/drawingml/2006/main" xmlns:r="http://schemas.openxmlformats.org/officeDocument/2006/relationships" xmlns:p="http://schemas.openxmlformats.org/presentationml/2006/main">
-  <p:cSld>
-    <p:spTree>
-      <p:nvGrpSpPr>
-        <p:cNvPr id="1" name=""/>
-        <p:cNvGrpSpPr/>
-        <p:nvPr/>
-      </p:nvGrpSpPr>
-      <p:grpSpPr>
-        <a:xfrm>
-          <a:off x="0" y="0"/>
-          <a:ext cx="0" cy="0"/>
-          <a:chOff x="0" y="0"/>
-          <a:chExt cx="0" cy="0"/>
-        </a:xfrm>
-      </p:grpSpPr>
-      <p:sp>
-        <p:nvSpPr>
-          <p:cNvPr id="2" name="Titolo 1">
-            <a:extLst>
-              <a:ext uri="{FF2B5EF4-FFF2-40B4-BE49-F238E27FC236}">
-                <a16:creationId xmlns:a16="http://schemas.microsoft.com/office/drawing/2014/main" id="{ECFBC4E6-F97C-C260-BEF7-252A15413A53}"/>
-              </a:ext>
-            </a:extLst>
-          </p:cNvPr>
-          <p:cNvSpPr>
-            <a:spLocks noGrp="1"/>
-          </p:cNvSpPr>
-          <p:nvPr>
-            <p:ph type="title"/>
-          </p:nvPr>
-        </p:nvSpPr>
-        <p:spPr/>
-        <p:txBody>
-          <a:bodyPr/>
-          <a:lstStyle/>
-          <a:p>
-            <a:r>
-              <a:rPr lang="it-IT" dirty="0"/>
-              <a:t>indice</a:t>
-            </a:r>
-          </a:p>
-        </p:txBody>
-      </p:sp>
-      <p:sp>
-        <p:nvSpPr>
-          <p:cNvPr id="3" name="Segnaposto contenuto 2">
-            <a:extLst>
-              <a:ext uri="{FF2B5EF4-FFF2-40B4-BE49-F238E27FC236}">
-                <a16:creationId xmlns:a16="http://schemas.microsoft.com/office/drawing/2014/main" id="{CB93850A-FFF8-D714-ACEB-CE14195D3F94}"/>
-              </a:ext>
-            </a:extLst>
-          </p:cNvPr>
-          <p:cNvSpPr>
-            <a:spLocks noGrp="1"/>
-          </p:cNvSpPr>
-          <p:nvPr>
-            <p:ph idx="1"/>
-          </p:nvPr>
-        </p:nvSpPr>
-        <p:spPr/>
-        <p:txBody>
-          <a:bodyPr/>
-          <a:lstStyle/>
-          <a:p>
-            <a:r>
-              <a:rPr lang="it-IT" dirty="0"/>
-              <a:t>Processi e loro funzionamento in </a:t>
-            </a:r>
-            <a:r>
-              <a:rPr lang="it-IT" dirty="0" err="1"/>
-              <a:t>MentOS</a:t>
-            </a:r>
-            <a:endParaRPr lang="it-IT" dirty="0"/>
-          </a:p>
-          <a:p>
-            <a:r>
-              <a:rPr lang="it-IT" dirty="0" err="1"/>
-              <a:t>Scheduler</a:t>
-            </a:r>
-            <a:endParaRPr lang="it-IT" dirty="0"/>
-          </a:p>
-          <a:p>
-            <a:r>
-              <a:rPr lang="it-IT" dirty="0"/>
-              <a:t>Algoritmi di Scheduling</a:t>
-            </a:r>
-          </a:p>
-          <a:p>
-            <a:r>
-              <a:rPr lang="it-IT" dirty="0"/>
-              <a:t>Paragone con OS161</a:t>
-            </a:r>
-          </a:p>
-        </p:txBody>
-      </p:sp>
-    </p:spTree>
-    <p:extLst>
-      <p:ext uri="{BB962C8B-B14F-4D97-AF65-F5344CB8AC3E}">
-        <p14:creationId xmlns:p14="http://schemas.microsoft.com/office/powerpoint/2010/main" val="3146810993"/>
-      </p:ext>
-    </p:extLst>
-  </p:cSld>
-  <p:clrMapOvr>
-    <a:masterClrMapping/>
-  </p:clrMapOvr>
-</p:sld>
-</file>
-
-<file path=ppt/slides/slide30.xml><?xml version="1.0" encoding="utf-8"?>
+<file path=ppt/slides/slide29.xml><?xml version="1.0" encoding="utf-8"?>
 <p:sld xmlns:a="http://schemas.openxmlformats.org/drawingml/2006/main" xmlns:r="http://schemas.openxmlformats.org/officeDocument/2006/relationships" xmlns:p="http://schemas.openxmlformats.org/presentationml/2006/main">
   <p:cSld>
     <p:spTree>
@@ -13220,7 +12024,227 @@
 </p:sld>
 </file>
 
-<file path=ppt/slides/slide31.xml><?xml version="1.0" encoding="utf-8"?>
+<file path=ppt/slides/slide3.xml><?xml version="1.0" encoding="utf-8"?>
+<p:sld xmlns:a="http://schemas.openxmlformats.org/drawingml/2006/main" xmlns:r="http://schemas.openxmlformats.org/officeDocument/2006/relationships" xmlns:p="http://schemas.openxmlformats.org/presentationml/2006/main">
+  <p:cSld>
+    <p:spTree>
+      <p:nvGrpSpPr>
+        <p:cNvPr id="1" name=""/>
+        <p:cNvGrpSpPr/>
+        <p:nvPr/>
+      </p:nvGrpSpPr>
+      <p:grpSpPr>
+        <a:xfrm>
+          <a:off x="0" y="0"/>
+          <a:ext cx="0" cy="0"/>
+          <a:chOff x="0" y="0"/>
+          <a:chExt cx="0" cy="0"/>
+        </a:xfrm>
+      </p:grpSpPr>
+      <p:sp>
+        <p:nvSpPr>
+          <p:cNvPr id="2" name="Titolo 1">
+            <a:extLst>
+              <a:ext uri="{FF2B5EF4-FFF2-40B4-BE49-F238E27FC236}">
+                <a16:creationId xmlns:a16="http://schemas.microsoft.com/office/drawing/2014/main" id="{C5FD7E20-C8ED-264D-C285-162E770379B4}"/>
+              </a:ext>
+            </a:extLst>
+          </p:cNvPr>
+          <p:cNvSpPr>
+            <a:spLocks noGrp="1"/>
+          </p:cNvSpPr>
+          <p:nvPr>
+            <p:ph type="title"/>
+          </p:nvPr>
+        </p:nvSpPr>
+        <p:spPr/>
+        <p:txBody>
+          <a:bodyPr/>
+          <a:lstStyle/>
+          <a:p>
+            <a:r>
+              <a:rPr lang="it-IT" dirty="0" err="1"/>
+              <a:t>Process</a:t>
+            </a:r>
+            <a:r>
+              <a:rPr lang="it-IT" dirty="0"/>
+              <a:t> </a:t>
+            </a:r>
+            <a:r>
+              <a:rPr lang="it-IT" dirty="0" err="1"/>
+              <a:t>Descriptor</a:t>
+            </a:r>
+            <a:endParaRPr lang="it-IT" dirty="0"/>
+          </a:p>
+        </p:txBody>
+      </p:sp>
+      <p:sp>
+        <p:nvSpPr>
+          <p:cNvPr id="3" name="Segnaposto contenuto 2">
+            <a:extLst>
+              <a:ext uri="{FF2B5EF4-FFF2-40B4-BE49-F238E27FC236}">
+                <a16:creationId xmlns:a16="http://schemas.microsoft.com/office/drawing/2014/main" id="{D370733E-7704-1733-9EC2-7048DD377340}"/>
+              </a:ext>
+            </a:extLst>
+          </p:cNvPr>
+          <p:cNvSpPr>
+            <a:spLocks noGrp="1"/>
+          </p:cNvSpPr>
+          <p:nvPr>
+            <p:ph idx="1"/>
+          </p:nvPr>
+        </p:nvSpPr>
+        <p:spPr>
+          <a:xfrm>
+            <a:off x="581193" y="2026364"/>
+            <a:ext cx="11029615" cy="1082595"/>
+          </a:xfrm>
+        </p:spPr>
+        <p:txBody>
+          <a:bodyPr>
+            <a:normAutofit/>
+          </a:bodyPr>
+          <a:lstStyle/>
+          <a:p>
+            <a:pPr marL="0" indent="0">
+              <a:buNone/>
+            </a:pPr>
+            <a:r>
+              <a:rPr lang="it-IT" b="1" dirty="0" err="1"/>
+              <a:t>task_struct</a:t>
+            </a:r>
+            <a:r>
+              <a:rPr lang="it-IT" b="1" dirty="0"/>
+              <a:t> </a:t>
+            </a:r>
+            <a:r>
+              <a:rPr lang="it-IT" dirty="0"/>
+              <a:t>è una struttura dati usata dal kernel per rappresentare un processo e per salvare le sue informazioni.</a:t>
+            </a:r>
+          </a:p>
+          <a:p>
+            <a:pPr marL="0" indent="0">
+              <a:buNone/>
+            </a:pPr>
+            <a:r>
+              <a:rPr lang="it-IT" dirty="0"/>
+              <a:t>La definizione della </a:t>
+            </a:r>
+            <a:r>
+              <a:rPr lang="it-IT" dirty="0" err="1"/>
+              <a:t>struct</a:t>
+            </a:r>
+            <a:r>
+              <a:rPr lang="it-IT" dirty="0"/>
+              <a:t> </a:t>
+            </a:r>
+            <a:r>
+              <a:rPr lang="it-IT" b="1" dirty="0" err="1"/>
+              <a:t>task_struct</a:t>
+            </a:r>
+            <a:r>
+              <a:rPr lang="it-IT" b="1" dirty="0"/>
+              <a:t> </a:t>
+            </a:r>
+            <a:r>
+              <a:rPr lang="it-IT" dirty="0"/>
+              <a:t>si trova in </a:t>
+            </a:r>
+            <a:r>
+              <a:rPr lang="it-IT" i="1" dirty="0" err="1"/>
+              <a:t>mentos</a:t>
+            </a:r>
+            <a:r>
+              <a:rPr lang="it-IT" i="1" dirty="0"/>
+              <a:t>/</a:t>
+            </a:r>
+            <a:r>
+              <a:rPr lang="it-IT" i="1" dirty="0" err="1"/>
+              <a:t>inc</a:t>
+            </a:r>
+            <a:r>
+              <a:rPr lang="it-IT" i="1" dirty="0"/>
+              <a:t>/</a:t>
+            </a:r>
+            <a:r>
+              <a:rPr lang="it-IT" i="1" dirty="0" err="1"/>
+              <a:t>process</a:t>
+            </a:r>
+            <a:r>
+              <a:rPr lang="it-IT" i="1" dirty="0"/>
+              <a:t>/</a:t>
+            </a:r>
+            <a:r>
+              <a:rPr lang="it-IT" i="1" dirty="0" err="1"/>
+              <a:t>process.h</a:t>
+            </a:r>
+            <a:r>
+              <a:rPr lang="it-IT" i="1" dirty="0"/>
+              <a:t> </a:t>
+            </a:r>
+            <a:r>
+              <a:rPr lang="it-IT" dirty="0"/>
+              <a:t>.</a:t>
+            </a:r>
+          </a:p>
+          <a:p>
+            <a:pPr marL="0" indent="0">
+              <a:buNone/>
+            </a:pPr>
+            <a:endParaRPr lang="it-IT" dirty="0"/>
+          </a:p>
+          <a:p>
+            <a:pPr marL="0" indent="0">
+              <a:buNone/>
+            </a:pPr>
+            <a:endParaRPr lang="it-IT" dirty="0"/>
+          </a:p>
+        </p:txBody>
+      </p:sp>
+      <p:pic>
+        <p:nvPicPr>
+          <p:cNvPr id="7" name="Immagine 6" descr="Immagine che contiene schermata, testo&#10;&#10;Descrizione generata automaticamente">
+            <a:extLst>
+              <a:ext uri="{FF2B5EF4-FFF2-40B4-BE49-F238E27FC236}">
+                <a16:creationId xmlns:a16="http://schemas.microsoft.com/office/drawing/2014/main" id="{066BE0DB-A045-C141-EA47-260AC094868B}"/>
+              </a:ext>
+            </a:extLst>
+          </p:cNvPr>
+          <p:cNvPicPr>
+            <a:picLocks noChangeAspect="1"/>
+          </p:cNvPicPr>
+          <p:nvPr/>
+        </p:nvPicPr>
+        <p:blipFill>
+          <a:blip r:embed="rId2"/>
+          <a:stretch>
+            <a:fillRect/>
+          </a:stretch>
+        </p:blipFill>
+        <p:spPr>
+          <a:xfrm>
+            <a:off x="1254153" y="2670488"/>
+            <a:ext cx="8629319" cy="3990053"/>
+          </a:xfrm>
+          <a:prstGeom prst="rect">
+            <a:avLst/>
+          </a:prstGeom>
+        </p:spPr>
+      </p:pic>
+    </p:spTree>
+    <p:extLst>
+      <p:ext uri="{BB962C8B-B14F-4D97-AF65-F5344CB8AC3E}">
+        <p14:creationId xmlns:p14="http://schemas.microsoft.com/office/powerpoint/2010/main" val="3767580284"/>
+      </p:ext>
+    </p:extLst>
+  </p:cSld>
+  <p:clrMapOvr>
+    <a:masterClrMapping/>
+  </p:clrMapOvr>
+</p:sld>
+</file>
+
+<file path=ppt/slides/slide30.xml><?xml version="1.0" encoding="utf-8"?>
 <p:sld xmlns:a="http://schemas.openxmlformats.org/drawingml/2006/main" xmlns:r="http://schemas.openxmlformats.org/officeDocument/2006/relationships" xmlns:p="http://schemas.openxmlformats.org/presentationml/2006/main">
   <p:cSld>
     <p:spTree>
@@ -13361,7 +12385,7 @@
 </p:sld>
 </file>
 
-<file path=ppt/slides/slide32.xml><?xml version="1.0" encoding="utf-8"?>
+<file path=ppt/slides/slide31.xml><?xml version="1.0" encoding="utf-8"?>
 <p:sld xmlns:a="http://schemas.openxmlformats.org/drawingml/2006/main" xmlns:r="http://schemas.openxmlformats.org/officeDocument/2006/relationships" xmlns:p="http://schemas.openxmlformats.org/presentationml/2006/main">
   <p:cSld>
     <p:spTree>
@@ -13461,6 +12485,7 @@
             </a:r>
           </a:p>
           <a:p>
+            <a:pPr marL="305435" indent="-305435"/>
             <a:r>
               <a:rPr lang="it-IT" b="1" dirty="0"/>
               <a:t>*</a:t>
@@ -13475,9 +12500,10 @@
             </a:r>
           </a:p>
           <a:p>
+            <a:pPr marL="305435" indent="-305435"/>
             <a:r>
               <a:rPr lang="it-IT" b="1" dirty="0" err="1"/>
-              <a:t>P_lock</a:t>
+              <a:t>p_lock</a:t>
             </a:r>
             <a:r>
               <a:rPr lang="it-IT" dirty="0"/>
@@ -13485,9 +12511,10 @@
             </a:r>
           </a:p>
           <a:p>
+            <a:pPr marL="305435" indent="-305435"/>
             <a:r>
               <a:rPr lang="it-IT" b="1" dirty="0" err="1"/>
-              <a:t>P_numthreads</a:t>
+              <a:t>p_numthreads</a:t>
             </a:r>
             <a:r>
               <a:rPr lang="it-IT" dirty="0"/>
@@ -13503,6 +12530,7 @@
             </a:r>
           </a:p>
           <a:p>
+            <a:pPr marL="305435" indent="-305435"/>
             <a:r>
               <a:rPr lang="it-IT" b="1" dirty="0"/>
               <a:t>*</a:t>
@@ -13538,6 +12566,7 @@
             <a:endParaRPr lang="it-IT" dirty="0"/>
           </a:p>
           <a:p>
+            <a:pPr marL="305435" indent="-305435"/>
             <a:r>
               <a:rPr lang="it-IT" b="1" dirty="0"/>
               <a:t>*</a:t>
@@ -13566,7 +12595,7 @@
 </p:sld>
 </file>
 
-<file path=ppt/slides/slide33.xml><?xml version="1.0" encoding="utf-8"?>
+<file path=ppt/slides/slide32.xml><?xml version="1.0" encoding="utf-8"?>
 <p:sld xmlns:a="http://schemas.openxmlformats.org/drawingml/2006/main" xmlns:r="http://schemas.openxmlformats.org/officeDocument/2006/relationships" xmlns:p="http://schemas.openxmlformats.org/presentationml/2006/main">
   <p:cSld>
     <p:spTree>
@@ -13728,7 +12757,7 @@
 </p:sld>
 </file>
 
-<file path=ppt/slides/slide34.xml><?xml version="1.0" encoding="utf-8"?>
+<file path=ppt/slides/slide33.xml><?xml version="1.0" encoding="utf-8"?>
 <p:sld xmlns:a="http://schemas.openxmlformats.org/drawingml/2006/main" xmlns:r="http://schemas.openxmlformats.org/officeDocument/2006/relationships" xmlns:p="http://schemas.openxmlformats.org/presentationml/2006/main">
   <p:cSld>
     <p:spTree>
@@ -13910,7 +12939,7 @@
 </p:sld>
 </file>
 
-<file path=ppt/slides/slide35.xml><?xml version="1.0" encoding="utf-8"?>
+<file path=ppt/slides/slide34.xml><?xml version="1.0" encoding="utf-8"?>
 <p:sld xmlns:a="http://schemas.openxmlformats.org/drawingml/2006/main" xmlns:r="http://schemas.openxmlformats.org/officeDocument/2006/relationships" xmlns:p="http://schemas.openxmlformats.org/presentationml/2006/main">
   <p:cSld>
     <p:spTree>
@@ -14027,7 +13056,7 @@
 </p:sld>
 </file>
 
-<file path=ppt/slides/slide36.xml><?xml version="1.0" encoding="utf-8"?>
+<file path=ppt/slides/slide35.xml><?xml version="1.0" encoding="utf-8"?>
 <p:sld xmlns:a="http://schemas.openxmlformats.org/drawingml/2006/main" xmlns:r="http://schemas.openxmlformats.org/officeDocument/2006/relationships" xmlns:p="http://schemas.openxmlformats.org/presentationml/2006/main">
   <p:cSld>
     <p:bg>
@@ -14437,7 +13466,7 @@
 </p:sld>
 </file>
 
-<file path=ppt/slides/slide37.xml><?xml version="1.0" encoding="utf-8"?>
+<file path=ppt/slides/slide36.xml><?xml version="1.0" encoding="utf-8"?>
 <p:sld xmlns:a="http://schemas.openxmlformats.org/drawingml/2006/main" xmlns:r="http://schemas.openxmlformats.org/officeDocument/2006/relationships" xmlns:p="http://schemas.openxmlformats.org/presentationml/2006/main">
   <p:cSld>
     <p:bg>
@@ -14743,226 +13772,6 @@
         </p:nvSpPr>
         <p:spPr>
           <a:xfrm>
-            <a:off x="581193" y="2026364"/>
-            <a:ext cx="11029615" cy="1082595"/>
-          </a:xfrm>
-        </p:spPr>
-        <p:txBody>
-          <a:bodyPr>
-            <a:normAutofit/>
-          </a:bodyPr>
-          <a:lstStyle/>
-          <a:p>
-            <a:pPr marL="0" indent="0">
-              <a:buNone/>
-            </a:pPr>
-            <a:r>
-              <a:rPr lang="it-IT" b="1" dirty="0" err="1"/>
-              <a:t>task_struct</a:t>
-            </a:r>
-            <a:r>
-              <a:rPr lang="it-IT" b="1" dirty="0"/>
-              <a:t> </a:t>
-            </a:r>
-            <a:r>
-              <a:rPr lang="it-IT" dirty="0"/>
-              <a:t>è una struttura dati usata dal kernel per rappresentare un processo e per salvare le sue informazioni.</a:t>
-            </a:r>
-          </a:p>
-          <a:p>
-            <a:pPr marL="0" indent="0">
-              <a:buNone/>
-            </a:pPr>
-            <a:r>
-              <a:rPr lang="it-IT" dirty="0"/>
-              <a:t>La definizione della </a:t>
-            </a:r>
-            <a:r>
-              <a:rPr lang="it-IT" dirty="0" err="1"/>
-              <a:t>struct</a:t>
-            </a:r>
-            <a:r>
-              <a:rPr lang="it-IT" dirty="0"/>
-              <a:t> </a:t>
-            </a:r>
-            <a:r>
-              <a:rPr lang="it-IT" b="1" dirty="0" err="1"/>
-              <a:t>task_struct</a:t>
-            </a:r>
-            <a:r>
-              <a:rPr lang="it-IT" b="1" dirty="0"/>
-              <a:t> </a:t>
-            </a:r>
-            <a:r>
-              <a:rPr lang="it-IT" dirty="0"/>
-              <a:t>si trova in </a:t>
-            </a:r>
-            <a:r>
-              <a:rPr lang="it-IT" i="1" dirty="0" err="1"/>
-              <a:t>mentos</a:t>
-            </a:r>
-            <a:r>
-              <a:rPr lang="it-IT" i="1" dirty="0"/>
-              <a:t>/</a:t>
-            </a:r>
-            <a:r>
-              <a:rPr lang="it-IT" i="1" dirty="0" err="1"/>
-              <a:t>inc</a:t>
-            </a:r>
-            <a:r>
-              <a:rPr lang="it-IT" i="1" dirty="0"/>
-              <a:t>/</a:t>
-            </a:r>
-            <a:r>
-              <a:rPr lang="it-IT" i="1" dirty="0" err="1"/>
-              <a:t>process</a:t>
-            </a:r>
-            <a:r>
-              <a:rPr lang="it-IT" i="1" dirty="0"/>
-              <a:t>/</a:t>
-            </a:r>
-            <a:r>
-              <a:rPr lang="it-IT" i="1" dirty="0" err="1"/>
-              <a:t>process.h</a:t>
-            </a:r>
-            <a:r>
-              <a:rPr lang="it-IT" i="1" dirty="0"/>
-              <a:t> </a:t>
-            </a:r>
-            <a:r>
-              <a:rPr lang="it-IT" dirty="0"/>
-              <a:t>.</a:t>
-            </a:r>
-          </a:p>
-          <a:p>
-            <a:pPr marL="0" indent="0">
-              <a:buNone/>
-            </a:pPr>
-            <a:endParaRPr lang="it-IT" dirty="0"/>
-          </a:p>
-          <a:p>
-            <a:pPr marL="0" indent="0">
-              <a:buNone/>
-            </a:pPr>
-            <a:endParaRPr lang="it-IT" dirty="0"/>
-          </a:p>
-        </p:txBody>
-      </p:sp>
-      <p:pic>
-        <p:nvPicPr>
-          <p:cNvPr id="7" name="Immagine 6" descr="Immagine che contiene schermata, testo&#10;&#10;Descrizione generata automaticamente">
-            <a:extLst>
-              <a:ext uri="{FF2B5EF4-FFF2-40B4-BE49-F238E27FC236}">
-                <a16:creationId xmlns:a16="http://schemas.microsoft.com/office/drawing/2014/main" id="{066BE0DB-A045-C141-EA47-260AC094868B}"/>
-              </a:ext>
-            </a:extLst>
-          </p:cNvPr>
-          <p:cNvPicPr>
-            <a:picLocks noChangeAspect="1"/>
-          </p:cNvPicPr>
-          <p:nvPr/>
-        </p:nvPicPr>
-        <p:blipFill>
-          <a:blip r:embed="rId2"/>
-          <a:stretch>
-            <a:fillRect/>
-          </a:stretch>
-        </p:blipFill>
-        <p:spPr>
-          <a:xfrm>
-            <a:off x="1254153" y="2670488"/>
-            <a:ext cx="8629319" cy="3990053"/>
-          </a:xfrm>
-          <a:prstGeom prst="rect">
-            <a:avLst/>
-          </a:prstGeom>
-        </p:spPr>
-      </p:pic>
-    </p:spTree>
-    <p:extLst>
-      <p:ext uri="{BB962C8B-B14F-4D97-AF65-F5344CB8AC3E}">
-        <p14:creationId xmlns:p14="http://schemas.microsoft.com/office/powerpoint/2010/main" val="3767580284"/>
-      </p:ext>
-    </p:extLst>
-  </p:cSld>
-  <p:clrMapOvr>
-    <a:masterClrMapping/>
-  </p:clrMapOvr>
-</p:sld>
-</file>
-
-<file path=ppt/slides/slide5.xml><?xml version="1.0" encoding="utf-8"?>
-<p:sld xmlns:a="http://schemas.openxmlformats.org/drawingml/2006/main" xmlns:r="http://schemas.openxmlformats.org/officeDocument/2006/relationships" xmlns:p="http://schemas.openxmlformats.org/presentationml/2006/main">
-  <p:cSld>
-    <p:spTree>
-      <p:nvGrpSpPr>
-        <p:cNvPr id="1" name=""/>
-        <p:cNvGrpSpPr/>
-        <p:nvPr/>
-      </p:nvGrpSpPr>
-      <p:grpSpPr>
-        <a:xfrm>
-          <a:off x="0" y="0"/>
-          <a:ext cx="0" cy="0"/>
-          <a:chOff x="0" y="0"/>
-          <a:chExt cx="0" cy="0"/>
-        </a:xfrm>
-      </p:grpSpPr>
-      <p:sp>
-        <p:nvSpPr>
-          <p:cNvPr id="2" name="Titolo 1">
-            <a:extLst>
-              <a:ext uri="{FF2B5EF4-FFF2-40B4-BE49-F238E27FC236}">
-                <a16:creationId xmlns:a16="http://schemas.microsoft.com/office/drawing/2014/main" id="{C5FD7E20-C8ED-264D-C285-162E770379B4}"/>
-              </a:ext>
-            </a:extLst>
-          </p:cNvPr>
-          <p:cNvSpPr>
-            <a:spLocks noGrp="1"/>
-          </p:cNvSpPr>
-          <p:nvPr>
-            <p:ph type="title"/>
-          </p:nvPr>
-        </p:nvSpPr>
-        <p:spPr/>
-        <p:txBody>
-          <a:bodyPr/>
-          <a:lstStyle/>
-          <a:p>
-            <a:r>
-              <a:rPr lang="it-IT" dirty="0" err="1"/>
-              <a:t>Process</a:t>
-            </a:r>
-            <a:r>
-              <a:rPr lang="it-IT" dirty="0"/>
-              <a:t> </a:t>
-            </a:r>
-            <a:r>
-              <a:rPr lang="it-IT" dirty="0" err="1"/>
-              <a:t>Descriptor</a:t>
-            </a:r>
-            <a:endParaRPr lang="it-IT" dirty="0"/>
-          </a:p>
-        </p:txBody>
-      </p:sp>
-      <p:sp>
-        <p:nvSpPr>
-          <p:cNvPr id="3" name="Segnaposto contenuto 2">
-            <a:extLst>
-              <a:ext uri="{FF2B5EF4-FFF2-40B4-BE49-F238E27FC236}">
-                <a16:creationId xmlns:a16="http://schemas.microsoft.com/office/drawing/2014/main" id="{D370733E-7704-1733-9EC2-7048DD377340}"/>
-              </a:ext>
-            </a:extLst>
-          </p:cNvPr>
-          <p:cNvSpPr>
-            <a:spLocks noGrp="1"/>
-          </p:cNvSpPr>
-          <p:nvPr>
-            <p:ph idx="1"/>
-          </p:nvPr>
-        </p:nvSpPr>
-        <p:spPr>
-          <a:xfrm>
             <a:off x="581192" y="2018572"/>
             <a:ext cx="11029615" cy="391254"/>
           </a:xfrm>
@@ -15032,6 +13841,183 @@
 </p:sld>
 </file>
 
+<file path=ppt/slides/slide5.xml><?xml version="1.0" encoding="utf-8"?>
+<p:sld xmlns:a="http://schemas.openxmlformats.org/drawingml/2006/main" xmlns:r="http://schemas.openxmlformats.org/officeDocument/2006/relationships" xmlns:p="http://schemas.openxmlformats.org/presentationml/2006/main">
+  <p:cSld>
+    <p:spTree>
+      <p:nvGrpSpPr>
+        <p:cNvPr id="1" name=""/>
+        <p:cNvGrpSpPr/>
+        <p:nvPr/>
+      </p:nvGrpSpPr>
+      <p:grpSpPr>
+        <a:xfrm>
+          <a:off x="0" y="0"/>
+          <a:ext cx="0" cy="0"/>
+          <a:chOff x="0" y="0"/>
+          <a:chExt cx="0" cy="0"/>
+        </a:xfrm>
+      </p:grpSpPr>
+      <p:sp>
+        <p:nvSpPr>
+          <p:cNvPr id="2" name="Titolo 1">
+            <a:extLst>
+              <a:ext uri="{FF2B5EF4-FFF2-40B4-BE49-F238E27FC236}">
+                <a16:creationId xmlns:a16="http://schemas.microsoft.com/office/drawing/2014/main" id="{FD7ADC7F-CDEC-3DF8-C48C-A699DA23F207}"/>
+              </a:ext>
+            </a:extLst>
+          </p:cNvPr>
+          <p:cNvSpPr>
+            <a:spLocks noGrp="1"/>
+          </p:cNvSpPr>
+          <p:nvPr>
+            <p:ph type="title"/>
+          </p:nvPr>
+        </p:nvSpPr>
+        <p:spPr/>
+        <p:txBody>
+          <a:bodyPr/>
+          <a:lstStyle/>
+          <a:p>
+            <a:r>
+              <a:rPr lang="it-IT" dirty="0" err="1"/>
+              <a:t>Process</a:t>
+            </a:r>
+            <a:r>
+              <a:rPr lang="it-IT" dirty="0"/>
+              <a:t> </a:t>
+            </a:r>
+            <a:r>
+              <a:rPr lang="it-IT" dirty="0" err="1"/>
+              <a:t>identifier</a:t>
+            </a:r>
+            <a:endParaRPr lang="it-IT" dirty="0"/>
+          </a:p>
+        </p:txBody>
+      </p:sp>
+      <p:sp>
+        <p:nvSpPr>
+          <p:cNvPr id="3" name="Segnaposto contenuto 2">
+            <a:extLst>
+              <a:ext uri="{FF2B5EF4-FFF2-40B4-BE49-F238E27FC236}">
+                <a16:creationId xmlns:a16="http://schemas.microsoft.com/office/drawing/2014/main" id="{F0ADF158-671F-10C6-A15E-B3A0177E4E83}"/>
+              </a:ext>
+            </a:extLst>
+          </p:cNvPr>
+          <p:cNvSpPr>
+            <a:spLocks noGrp="1"/>
+          </p:cNvSpPr>
+          <p:nvPr>
+            <p:ph idx="1"/>
+          </p:nvPr>
+        </p:nvSpPr>
+        <p:spPr/>
+        <p:txBody>
+          <a:bodyPr/>
+          <a:lstStyle/>
+          <a:p>
+            <a:pPr marL="0" indent="0">
+              <a:buNone/>
+            </a:pPr>
+            <a:r>
+              <a:rPr lang="it-IT" dirty="0"/>
+              <a:t>Ora andremo a descrivere cosa rappresentano i parametri più importanti che si trovano all’interno di </a:t>
+            </a:r>
+            <a:r>
+              <a:rPr lang="it-IT" b="1" dirty="0" err="1"/>
+              <a:t>task_struct</a:t>
+            </a:r>
+            <a:r>
+              <a:rPr lang="it-IT" dirty="0"/>
+              <a:t>.</a:t>
+            </a:r>
+          </a:p>
+          <a:p>
+            <a:pPr marL="0" indent="0">
+              <a:buNone/>
+            </a:pPr>
+            <a:r>
+              <a:rPr lang="it-IT" dirty="0"/>
+              <a:t>Il </a:t>
+            </a:r>
+            <a:r>
+              <a:rPr lang="it-IT" b="1" dirty="0" err="1"/>
+              <a:t>Process</a:t>
+            </a:r>
+            <a:r>
+              <a:rPr lang="it-IT" b="1" dirty="0"/>
+              <a:t> </a:t>
+            </a:r>
+            <a:r>
+              <a:rPr lang="it-IT" b="1" dirty="0" err="1"/>
+              <a:t>identifier</a:t>
+            </a:r>
+            <a:r>
+              <a:rPr lang="it-IT" b="1" dirty="0"/>
+              <a:t> </a:t>
+            </a:r>
+            <a:r>
+              <a:rPr lang="it-IT" dirty="0"/>
+              <a:t>è un ID univoco che identifica un nuovo progetto.  All’atto della creazione viene sommato 1 all’ultimo PID assegnato.</a:t>
+            </a:r>
+          </a:p>
+          <a:p>
+            <a:pPr marL="0" indent="0">
+              <a:buNone/>
+            </a:pPr>
+            <a:r>
+              <a:rPr lang="it-IT" dirty="0"/>
+              <a:t>In Linux il massimo valore per PID è 32768.</a:t>
+            </a:r>
+          </a:p>
+          <a:p>
+            <a:pPr marL="0" indent="0">
+              <a:buNone/>
+            </a:pPr>
+            <a:r>
+              <a:rPr lang="it-IT" dirty="0"/>
+              <a:t>La macro </a:t>
+            </a:r>
+            <a:r>
+              <a:rPr lang="it-IT" b="1" dirty="0"/>
+              <a:t>RESERVED_PID </a:t>
+            </a:r>
+            <a:r>
+              <a:rPr lang="it-IT" dirty="0"/>
+              <a:t>è definita per riservare un numero di PID per i processi di sistema e </a:t>
+            </a:r>
+            <a:r>
+              <a:rPr lang="it-IT" dirty="0" err="1"/>
+              <a:t>daemons</a:t>
+            </a:r>
+            <a:r>
+              <a:rPr lang="it-IT" dirty="0"/>
+              <a:t>, quindi di conseguenza tutti i processi utente hanno un PID più grande del </a:t>
+            </a:r>
+            <a:r>
+              <a:rPr lang="it-IT" b="1" dirty="0"/>
+              <a:t>RESERVED_PID</a:t>
+            </a:r>
+            <a:r>
+              <a:rPr lang="it-IT" dirty="0"/>
+              <a:t>.</a:t>
+            </a:r>
+          </a:p>
+        </p:txBody>
+      </p:sp>
+    </p:spTree>
+    <p:extLst>
+      <p:ext uri="{BB962C8B-B14F-4D97-AF65-F5344CB8AC3E}">
+        <p14:creationId xmlns:p14="http://schemas.microsoft.com/office/powerpoint/2010/main" val="972824961"/>
+      </p:ext>
+    </p:extLst>
+  </p:cSld>
+  <p:clrMapOvr>
+    <a:masterClrMapping/>
+  </p:clrMapOvr>
+</p:sld>
+</file>
+
 <file path=ppt/slides/slide6.xml><?xml version="1.0" encoding="utf-8"?>
 <p:sld xmlns:a="http://schemas.openxmlformats.org/drawingml/2006/main" xmlns:r="http://schemas.openxmlformats.org/officeDocument/2006/relationships" xmlns:p="http://schemas.openxmlformats.org/presentationml/2006/main">
   <p:cSld>
@@ -15054,183 +14040,6 @@
           <p:cNvPr id="2" name="Titolo 1">
             <a:extLst>
               <a:ext uri="{FF2B5EF4-FFF2-40B4-BE49-F238E27FC236}">
-                <a16:creationId xmlns:a16="http://schemas.microsoft.com/office/drawing/2014/main" id="{FD7ADC7F-CDEC-3DF8-C48C-A699DA23F207}"/>
-              </a:ext>
-            </a:extLst>
-          </p:cNvPr>
-          <p:cNvSpPr>
-            <a:spLocks noGrp="1"/>
-          </p:cNvSpPr>
-          <p:nvPr>
-            <p:ph type="title"/>
-          </p:nvPr>
-        </p:nvSpPr>
-        <p:spPr/>
-        <p:txBody>
-          <a:bodyPr/>
-          <a:lstStyle/>
-          <a:p>
-            <a:r>
-              <a:rPr lang="it-IT" dirty="0" err="1"/>
-              <a:t>Process</a:t>
-            </a:r>
-            <a:r>
-              <a:rPr lang="it-IT" dirty="0"/>
-              <a:t> </a:t>
-            </a:r>
-            <a:r>
-              <a:rPr lang="it-IT" dirty="0" err="1"/>
-              <a:t>identifier</a:t>
-            </a:r>
-            <a:endParaRPr lang="it-IT" dirty="0"/>
-          </a:p>
-        </p:txBody>
-      </p:sp>
-      <p:sp>
-        <p:nvSpPr>
-          <p:cNvPr id="3" name="Segnaposto contenuto 2">
-            <a:extLst>
-              <a:ext uri="{FF2B5EF4-FFF2-40B4-BE49-F238E27FC236}">
-                <a16:creationId xmlns:a16="http://schemas.microsoft.com/office/drawing/2014/main" id="{F0ADF158-671F-10C6-A15E-B3A0177E4E83}"/>
-              </a:ext>
-            </a:extLst>
-          </p:cNvPr>
-          <p:cNvSpPr>
-            <a:spLocks noGrp="1"/>
-          </p:cNvSpPr>
-          <p:nvPr>
-            <p:ph idx="1"/>
-          </p:nvPr>
-        </p:nvSpPr>
-        <p:spPr/>
-        <p:txBody>
-          <a:bodyPr/>
-          <a:lstStyle/>
-          <a:p>
-            <a:pPr marL="0" indent="0">
-              <a:buNone/>
-            </a:pPr>
-            <a:r>
-              <a:rPr lang="it-IT" dirty="0"/>
-              <a:t>Ora andremo a descrivere cosa rappresentano i parametri più importanti che si trovano all’interno di </a:t>
-            </a:r>
-            <a:r>
-              <a:rPr lang="it-IT" b="1" dirty="0" err="1"/>
-              <a:t>task_struct</a:t>
-            </a:r>
-            <a:r>
-              <a:rPr lang="it-IT" dirty="0"/>
-              <a:t>.</a:t>
-            </a:r>
-          </a:p>
-          <a:p>
-            <a:pPr marL="0" indent="0">
-              <a:buNone/>
-            </a:pPr>
-            <a:r>
-              <a:rPr lang="it-IT" dirty="0"/>
-              <a:t>Il </a:t>
-            </a:r>
-            <a:r>
-              <a:rPr lang="it-IT" b="1" dirty="0" err="1"/>
-              <a:t>Process</a:t>
-            </a:r>
-            <a:r>
-              <a:rPr lang="it-IT" b="1" dirty="0"/>
-              <a:t> </a:t>
-            </a:r>
-            <a:r>
-              <a:rPr lang="it-IT" b="1" dirty="0" err="1"/>
-              <a:t>identifier</a:t>
-            </a:r>
-            <a:r>
-              <a:rPr lang="it-IT" b="1" dirty="0"/>
-              <a:t> </a:t>
-            </a:r>
-            <a:r>
-              <a:rPr lang="it-IT" dirty="0"/>
-              <a:t>è un ID univoco che identifica un nuovo progetto.  All’atto della creazione viene sommato 1 all’ultimo PID assegnato.</a:t>
-            </a:r>
-          </a:p>
-          <a:p>
-            <a:pPr marL="0" indent="0">
-              <a:buNone/>
-            </a:pPr>
-            <a:r>
-              <a:rPr lang="it-IT" dirty="0"/>
-              <a:t>In Linux il massimo valore per PID è 32768.</a:t>
-            </a:r>
-          </a:p>
-          <a:p>
-            <a:pPr marL="0" indent="0">
-              <a:buNone/>
-            </a:pPr>
-            <a:r>
-              <a:rPr lang="it-IT" dirty="0"/>
-              <a:t>La macro </a:t>
-            </a:r>
-            <a:r>
-              <a:rPr lang="it-IT" b="1" dirty="0"/>
-              <a:t>RESERVED_PID </a:t>
-            </a:r>
-            <a:r>
-              <a:rPr lang="it-IT" dirty="0"/>
-              <a:t>è definita per riservare un numero di PID per i processi di sistema e </a:t>
-            </a:r>
-            <a:r>
-              <a:rPr lang="it-IT" dirty="0" err="1"/>
-              <a:t>daemons</a:t>
-            </a:r>
-            <a:r>
-              <a:rPr lang="it-IT" dirty="0"/>
-              <a:t>, quindi di conseguenza tutti i processi utente hanno un PID più grande del </a:t>
-            </a:r>
-            <a:r>
-              <a:rPr lang="it-IT" b="1" dirty="0"/>
-              <a:t>RESERVED_PID</a:t>
-            </a:r>
-            <a:r>
-              <a:rPr lang="it-IT" dirty="0"/>
-              <a:t>.</a:t>
-            </a:r>
-          </a:p>
-        </p:txBody>
-      </p:sp>
-    </p:spTree>
-    <p:extLst>
-      <p:ext uri="{BB962C8B-B14F-4D97-AF65-F5344CB8AC3E}">
-        <p14:creationId xmlns:p14="http://schemas.microsoft.com/office/powerpoint/2010/main" val="972824961"/>
-      </p:ext>
-    </p:extLst>
-  </p:cSld>
-  <p:clrMapOvr>
-    <a:masterClrMapping/>
-  </p:clrMapOvr>
-</p:sld>
-</file>
-
-<file path=ppt/slides/slide7.xml><?xml version="1.0" encoding="utf-8"?>
-<p:sld xmlns:a="http://schemas.openxmlformats.org/drawingml/2006/main" xmlns:r="http://schemas.openxmlformats.org/officeDocument/2006/relationships" xmlns:p="http://schemas.openxmlformats.org/presentationml/2006/main">
-  <p:cSld>
-    <p:spTree>
-      <p:nvGrpSpPr>
-        <p:cNvPr id="1" name=""/>
-        <p:cNvGrpSpPr/>
-        <p:nvPr/>
-      </p:nvGrpSpPr>
-      <p:grpSpPr>
-        <a:xfrm>
-          <a:off x="0" y="0"/>
-          <a:ext cx="0" cy="0"/>
-          <a:chOff x="0" y="0"/>
-          <a:chExt cx="0" cy="0"/>
-        </a:xfrm>
-      </p:grpSpPr>
-      <p:sp>
-        <p:nvSpPr>
-          <p:cNvPr id="2" name="Titolo 1">
-            <a:extLst>
-              <a:ext uri="{FF2B5EF4-FFF2-40B4-BE49-F238E27FC236}">
                 <a16:creationId xmlns:a16="http://schemas.microsoft.com/office/drawing/2014/main" id="{29AD399F-802A-4768-C534-9E10229E6C04}"/>
               </a:ext>
             </a:extLst>
@@ -15477,7 +14286,7 @@
 </p:sld>
 </file>
 
-<file path=ppt/slides/slide8.xml><?xml version="1.0" encoding="utf-8"?>
+<file path=ppt/slides/slide7.xml><?xml version="1.0" encoding="utf-8"?>
 <p:sld xmlns:a="http://schemas.openxmlformats.org/drawingml/2006/main" xmlns:r="http://schemas.openxmlformats.org/officeDocument/2006/relationships" xmlns:p="http://schemas.openxmlformats.org/presentationml/2006/main">
   <p:cSld>
     <p:spTree>
@@ -15609,7 +14418,7 @@
 </p:sld>
 </file>
 
-<file path=ppt/slides/slide9.xml><?xml version="1.0" encoding="utf-8"?>
+<file path=ppt/slides/slide8.xml><?xml version="1.0" encoding="utf-8"?>
 <p:sld xmlns:a="http://schemas.openxmlformats.org/drawingml/2006/main" xmlns:r="http://schemas.openxmlformats.org/officeDocument/2006/relationships" xmlns:p="http://schemas.openxmlformats.org/presentationml/2006/main">
   <p:cSld>
     <p:spTree>
@@ -15952,6 +14761,219 @@
     <p:extLst>
       <p:ext uri="{BB962C8B-B14F-4D97-AF65-F5344CB8AC3E}">
         <p14:creationId xmlns:p14="http://schemas.microsoft.com/office/powerpoint/2010/main" val="2552041827"/>
+      </p:ext>
+    </p:extLst>
+  </p:cSld>
+  <p:clrMapOvr>
+    <a:masterClrMapping/>
+  </p:clrMapOvr>
+</p:sld>
+</file>
+
+<file path=ppt/slides/slide9.xml><?xml version="1.0" encoding="utf-8"?>
+<p:sld xmlns:a="http://schemas.openxmlformats.org/drawingml/2006/main" xmlns:r="http://schemas.openxmlformats.org/officeDocument/2006/relationships" xmlns:p="http://schemas.openxmlformats.org/presentationml/2006/main">
+  <p:cSld>
+    <p:spTree>
+      <p:nvGrpSpPr>
+        <p:cNvPr id="1" name=""/>
+        <p:cNvGrpSpPr/>
+        <p:nvPr/>
+      </p:nvGrpSpPr>
+      <p:grpSpPr>
+        <a:xfrm>
+          <a:off x="0" y="0"/>
+          <a:ext cx="0" cy="0"/>
+          <a:chOff x="0" y="0"/>
+          <a:chExt cx="0" cy="0"/>
+        </a:xfrm>
+      </p:grpSpPr>
+      <p:sp>
+        <p:nvSpPr>
+          <p:cNvPr id="2" name="Titolo 1">
+            <a:extLst>
+              <a:ext uri="{FF2B5EF4-FFF2-40B4-BE49-F238E27FC236}">
+                <a16:creationId xmlns:a16="http://schemas.microsoft.com/office/drawing/2014/main" id="{2C902DF5-A290-5845-EC46-5FE7FB86D43F}"/>
+              </a:ext>
+            </a:extLst>
+          </p:cNvPr>
+          <p:cNvSpPr>
+            <a:spLocks noGrp="1"/>
+          </p:cNvSpPr>
+          <p:nvPr>
+            <p:ph type="title"/>
+          </p:nvPr>
+        </p:nvSpPr>
+        <p:spPr/>
+        <p:txBody>
+          <a:bodyPr/>
+          <a:lstStyle/>
+          <a:p>
+            <a:r>
+              <a:rPr lang="it-IT" dirty="0"/>
+              <a:t>TIME ACCOUNTING</a:t>
+            </a:r>
+          </a:p>
+        </p:txBody>
+      </p:sp>
+      <p:sp>
+        <p:nvSpPr>
+          <p:cNvPr id="3" name="Segnaposto contenuto 2">
+            <a:extLst>
+              <a:ext uri="{FF2B5EF4-FFF2-40B4-BE49-F238E27FC236}">
+                <a16:creationId xmlns:a16="http://schemas.microsoft.com/office/drawing/2014/main" id="{6C015F41-7719-A65F-FAB1-0B48A164BBBF}"/>
+              </a:ext>
+            </a:extLst>
+          </p:cNvPr>
+          <p:cNvSpPr>
+            <a:spLocks noGrp="1"/>
+          </p:cNvSpPr>
+          <p:nvPr>
+            <p:ph idx="1"/>
+          </p:nvPr>
+        </p:nvSpPr>
+        <p:spPr>
+          <a:xfrm>
+            <a:off x="581192" y="1875453"/>
+            <a:ext cx="11029615" cy="1234868"/>
+          </a:xfrm>
+        </p:spPr>
+        <p:txBody>
+          <a:bodyPr>
+            <a:normAutofit/>
+          </a:bodyPr>
+          <a:lstStyle/>
+          <a:p>
+            <a:pPr marL="0" indent="0">
+              <a:buNone/>
+            </a:pPr>
+            <a:r>
+              <a:rPr lang="it-IT" dirty="0"/>
+              <a:t>Il campo </a:t>
+            </a:r>
+            <a:r>
+              <a:rPr lang="it-IT" b="1" dirty="0"/>
+              <a:t>se</a:t>
+            </a:r>
+            <a:r>
+              <a:rPr lang="it-IT" dirty="0"/>
+              <a:t> di </a:t>
+            </a:r>
+            <a:r>
+              <a:rPr lang="it-IT" dirty="0" err="1"/>
+              <a:t>task_struct</a:t>
+            </a:r>
+            <a:r>
+              <a:rPr lang="it-IT" dirty="0"/>
+              <a:t> è una struttura </a:t>
+            </a:r>
+            <a:r>
+              <a:rPr lang="it-IT" b="1" dirty="0" err="1"/>
+              <a:t>sched_entity</a:t>
+            </a:r>
+            <a:r>
+              <a:rPr lang="it-IT" b="1" dirty="0"/>
+              <a:t> </a:t>
+            </a:r>
+            <a:r>
+              <a:rPr lang="it-IT" dirty="0"/>
+              <a:t>che tiene tutte le informazioni riguardo le attività di scheduling.</a:t>
+            </a:r>
+          </a:p>
+          <a:p>
+            <a:pPr marL="0" indent="0">
+              <a:buNone/>
+            </a:pPr>
+            <a:r>
+              <a:rPr lang="it-IT" dirty="0"/>
+              <a:t>La definizione di questa </a:t>
+            </a:r>
+            <a:r>
+              <a:rPr lang="it-IT" dirty="0" err="1"/>
+              <a:t>struct</a:t>
+            </a:r>
+            <a:r>
+              <a:rPr lang="it-IT" dirty="0"/>
+              <a:t> si trova a sua volta  in </a:t>
+            </a:r>
+            <a:r>
+              <a:rPr lang="it-IT" i="1" dirty="0" err="1"/>
+              <a:t>mentos</a:t>
+            </a:r>
+            <a:r>
+              <a:rPr lang="it-IT" i="1" dirty="0"/>
+              <a:t>/</a:t>
+            </a:r>
+            <a:r>
+              <a:rPr lang="it-IT" i="1" dirty="0" err="1"/>
+              <a:t>inc</a:t>
+            </a:r>
+            <a:r>
+              <a:rPr lang="it-IT" i="1" dirty="0"/>
+              <a:t>/</a:t>
+            </a:r>
+            <a:r>
+              <a:rPr lang="it-IT" i="1" dirty="0" err="1"/>
+              <a:t>process</a:t>
+            </a:r>
+            <a:r>
+              <a:rPr lang="it-IT" i="1" dirty="0"/>
+              <a:t>/</a:t>
+            </a:r>
+            <a:r>
+              <a:rPr lang="it-IT" i="1" dirty="0" err="1"/>
+              <a:t>process.h</a:t>
+            </a:r>
+            <a:r>
+              <a:rPr lang="it-IT" i="1" dirty="0"/>
+              <a:t> </a:t>
+            </a:r>
+            <a:r>
+              <a:rPr lang="it-IT" dirty="0"/>
+              <a:t>.</a:t>
+            </a:r>
+          </a:p>
+          <a:p>
+            <a:pPr marL="0" indent="0">
+              <a:buNone/>
+            </a:pPr>
+            <a:endParaRPr lang="it-IT" dirty="0"/>
+          </a:p>
+        </p:txBody>
+      </p:sp>
+      <p:pic>
+        <p:nvPicPr>
+          <p:cNvPr id="5" name="Immagine 4" descr="Immagine che contiene testo, schermata&#10;&#10;Descrizione generata automaticamente">
+            <a:extLst>
+              <a:ext uri="{FF2B5EF4-FFF2-40B4-BE49-F238E27FC236}">
+                <a16:creationId xmlns:a16="http://schemas.microsoft.com/office/drawing/2014/main" id="{9DD37763-A91D-5F09-600C-362F763FE226}"/>
+              </a:ext>
+            </a:extLst>
+          </p:cNvPr>
+          <p:cNvPicPr>
+            <a:picLocks noChangeAspect="1"/>
+          </p:cNvPicPr>
+          <p:nvPr/>
+        </p:nvPicPr>
+        <p:blipFill>
+          <a:blip r:embed="rId2"/>
+          <a:stretch>
+            <a:fillRect/>
+          </a:stretch>
+        </p:blipFill>
+        <p:spPr>
+          <a:xfrm>
+            <a:off x="1304503" y="2981030"/>
+            <a:ext cx="9582992" cy="3360860"/>
+          </a:xfrm>
+          <a:prstGeom prst="rect">
+            <a:avLst/>
+          </a:prstGeom>
+        </p:spPr>
+      </p:pic>
+    </p:spTree>
+    <p:extLst>
+      <p:ext uri="{BB962C8B-B14F-4D97-AF65-F5344CB8AC3E}">
+        <p14:creationId xmlns:p14="http://schemas.microsoft.com/office/powerpoint/2010/main" val="1156940307"/>
       </p:ext>
     </p:extLst>
   </p:cSld>
@@ -16821,15 +15843,6 @@
 </file>
 
 <file path=customXml/item1.xml><?xml version="1.0" encoding="utf-8"?>
-<?mso-contentType ?>
-<FormTemplates xmlns="http://schemas.microsoft.com/sharepoint/v3/contenttype/forms">
-  <Display>DocumentLibraryForm</Display>
-  <Edit>DocumentLibraryForm</Edit>
-  <New>DocumentLibraryForm</New>
-</FormTemplates>
-</file>
-
-<file path=customXml/item2.xml><?xml version="1.0" encoding="utf-8"?>
 <p:properties xmlns:p="http://schemas.microsoft.com/office/2006/metadata/properties" xmlns:xsi="http://www.w3.org/2001/XMLSchema-instance" xmlns:pc="http://schemas.microsoft.com/office/infopath/2007/PartnerControls">
   <documentManagement>
     <MediaServiceKeyPoints xmlns="71af3243-3dd4-4a8d-8c0d-dd76da1f02a5" xsi:nil="true"/>
@@ -16837,7 +15850,7 @@
 </p:properties>
 </file>
 
-<file path=customXml/item3.xml><?xml version="1.0" encoding="utf-8"?>
+<file path=customXml/item2.xml><?xml version="1.0" encoding="utf-8"?>
 <ct:contentTypeSchema xmlns:ct="http://schemas.microsoft.com/office/2006/metadata/contentType" xmlns:ma="http://schemas.microsoft.com/office/2006/metadata/properties/metaAttributes" ct:_="" ma:_="" ma:contentTypeName="Document" ma:contentTypeID="0x01010079F111ED35F8CC479449609E8A0923A6" ma:contentTypeVersion="11" ma:contentTypeDescription="Create a new document." ma:contentTypeScope="" ma:versionID="1c2eb7a32e66fb6e4260f3771546a5e2">
   <xsd:schema xmlns:xsd="http://www.w3.org/2001/XMLSchema" xmlns:xs="http://www.w3.org/2001/XMLSchema" xmlns:p="http://schemas.microsoft.com/office/2006/metadata/properties" xmlns:ns2="71af3243-3dd4-4a8d-8c0d-dd76da1f02a5" xmlns:ns3="16c05727-aa75-4e4a-9b5f-8a80a1165891" targetNamespace="http://schemas.microsoft.com/office/2006/metadata/properties" ma:root="true" ma:fieldsID="04e1f6479c48b08974ba73b5ca973489" ns2:_="" ns3:_="">
     <xsd:import namespace="71af3243-3dd4-4a8d-8c0d-dd76da1f02a5"/>
@@ -17048,15 +16061,16 @@
 </ct:contentTypeSchema>
 </file>
 
-<file path=customXml/itemProps1.xml><?xml version="1.0" encoding="utf-8"?>
-<ds:datastoreItem xmlns:ds="http://schemas.openxmlformats.org/officeDocument/2006/customXml" ds:itemID="{BA0CF3B2-1F0F-4FC5-8002-3E4869ABAD55}">
-  <ds:schemaRefs>
-    <ds:schemaRef ds:uri="http://schemas.microsoft.com/sharepoint/v3/contenttype/forms"/>
-  </ds:schemaRefs>
-</ds:datastoreItem>
+<file path=customXml/item3.xml><?xml version="1.0" encoding="utf-8"?>
+<?mso-contentType ?>
+<FormTemplates xmlns="http://schemas.microsoft.com/sharepoint/v3/contenttype/forms">
+  <Display>DocumentLibraryForm</Display>
+  <Edit>DocumentLibraryForm</Edit>
+  <New>DocumentLibraryForm</New>
+</FormTemplates>
 </file>
 
-<file path=customXml/itemProps2.xml><?xml version="1.0" encoding="utf-8"?>
+<file path=customXml/itemProps1.xml><?xml version="1.0" encoding="utf-8"?>
 <ds:datastoreItem xmlns:ds="http://schemas.openxmlformats.org/officeDocument/2006/customXml" ds:itemID="{1EBC12AA-1C15-4500-BC9C-8EE83A441DE9}">
   <ds:schemaRefs>
     <ds:schemaRef ds:uri="http://schemas.microsoft.com/office/2006/metadata/properties"/>
@@ -17066,7 +16080,7 @@
 </ds:datastoreItem>
 </file>
 
-<file path=customXml/itemProps3.xml><?xml version="1.0" encoding="utf-8"?>
+<file path=customXml/itemProps2.xml><?xml version="1.0" encoding="utf-8"?>
 <ds:datastoreItem xmlns:ds="http://schemas.openxmlformats.org/officeDocument/2006/customXml" ds:itemID="{1F69AFF4-BB30-4BA0-AD22-82CC3C43276B}">
   <ds:schemaRefs>
     <ds:schemaRef ds:uri="http://schemas.microsoft.com/office/2006/metadata/contentType"/>
@@ -17083,4 +16097,12 @@
     <ds:schemaRef ds:uri="http://schemas.microsoft.com/internal/obd"/>
   </ds:schemaRefs>
 </ds:datastoreItem>
+</file>
+
+<file path=customXml/itemProps3.xml><?xml version="1.0" encoding="utf-8"?>
+<ds:datastoreItem xmlns:ds="http://schemas.openxmlformats.org/officeDocument/2006/customXml" ds:itemID="{BA0CF3B2-1F0F-4FC5-8002-3E4869ABAD55}">
+  <ds:schemaRefs>
+    <ds:schemaRef ds:uri="http://schemas.microsoft.com/sharepoint/v3/contenttype/forms"/>
+  </ds:schemaRefs>
+</ds:datastoreItem>
 </file>
--- a/MentOS - Process Management.pptx
+++ b/MentOS - Process Management.pptx
@@ -939,13 +939,16 @@
         <a:lstStyle/>
         <a:p>
           <a:pPr>
+            <a:lnSpc>
+              <a:spcPct val="100000"/>
+            </a:lnSpc>
             <a:defRPr b="1"/>
           </a:pPr>
           <a:r>
-            <a:rPr lang="it-IT"/>
+            <a:rPr lang="it-IT" dirty="0"/>
             <a:t>Sources:</a:t>
           </a:r>
-          <a:endParaRPr lang="en-US"/>
+          <a:endParaRPr lang="en-US" dirty="0"/>
         </a:p>
       </dgm:t>
     </dgm:pt>
@@ -978,21 +981,34 @@
         <a:bodyPr/>
         <a:lstStyle/>
         <a:p>
+          <a:pPr>
+            <a:lnSpc>
+              <a:spcPct val="100000"/>
+            </a:lnSpc>
+          </a:pPr>
           <a:r>
-            <a:rPr lang="it-IT" err="1"/>
+            <a:rPr lang="it-IT" dirty="0" err="1"/>
             <a:t>MentOS</a:t>
           </a:r>
           <a:r>
-            <a:rPr lang="it-IT"/>
+            <a:rPr lang="it-IT" dirty="0"/>
             <a:t>: </a:t>
           </a:r>
           <a:r>
-            <a:rPr lang="it-IT">
-              <a:hlinkClick xmlns:r="http://schemas.openxmlformats.org/officeDocument/2006/relationships" r:id="rId1"/>
+            <a:rPr lang="it-IT" u="sng" dirty="0">
+              <a:latin typeface="Calibri"/>
+              <a:cs typeface="Calibri"/>
+              <a:hlinkClick xmlns:r="http://schemas.openxmlformats.org/officeDocument/2006/relationships" r:id=""/>
             </a:rPr>
-            <a:t>https://mentos-team.github.io/</a:t>
+            <a:t>https://mentos-team.github.io/doc/doxygen/index.html</a:t>
           </a:r>
-          <a:endParaRPr lang="en-US"/>
+          <a:endParaRPr lang="it-IT" dirty="0">
+            <a:solidFill>
+              <a:srgbClr val="000000"/>
+            </a:solidFill>
+            <a:latin typeface="Calibri"/>
+            <a:cs typeface="Calibri"/>
+          </a:endParaRPr>
         </a:p>
       </dgm:t>
     </dgm:pt>
@@ -1025,17 +1041,22 @@
         <a:bodyPr/>
         <a:lstStyle/>
         <a:p>
+          <a:pPr>
+            <a:lnSpc>
+              <a:spcPct val="100000"/>
+            </a:lnSpc>
+          </a:pPr>
           <a:r>
-            <a:rPr lang="it-IT"/>
+            <a:rPr lang="it-IT" dirty="0"/>
             <a:t>OS/161: </a:t>
           </a:r>
           <a:r>
-            <a:rPr lang="it-IT">
-              <a:hlinkClick xmlns:r="http://schemas.openxmlformats.org/officeDocument/2006/relationships" r:id="rId2"/>
+            <a:rPr lang="it-IT" dirty="0">
+              <a:hlinkClick xmlns:r="http://schemas.openxmlformats.org/officeDocument/2006/relationships" r:id="rId1"/>
             </a:rPr>
             <a:t>http://www.os161.org/</a:t>
           </a:r>
-          <a:endParaRPr lang="en-US"/>
+          <a:endParaRPr lang="en-US" dirty="0"/>
         </a:p>
       </dgm:t>
     </dgm:pt>
@@ -1068,19 +1089,24 @@
         <a:bodyPr/>
         <a:lstStyle/>
         <a:p>
+          <a:pPr>
+            <a:lnSpc>
+              <a:spcPct val="100000"/>
+            </a:lnSpc>
+          </a:pPr>
           <a:r>
-            <a:rPr lang="it-IT"/>
+            <a:rPr lang="it-IT" dirty="0"/>
             <a:t>Linux Kernel: “</a:t>
           </a:r>
           <a:r>
-            <a:rPr lang="it-IT" err="1"/>
+            <a:rPr lang="it-IT" dirty="0" err="1"/>
             <a:t>Understanding</a:t>
           </a:r>
           <a:r>
-            <a:rPr lang="it-IT"/>
+            <a:rPr lang="it-IT" dirty="0"/>
             <a:t> the Linux Kernel, Third Edition 3rd Edition”, M. Cesati, D. P. Bovet</a:t>
           </a:r>
-          <a:endParaRPr lang="en-US"/>
+          <a:endParaRPr lang="en-US" dirty="0"/>
         </a:p>
       </dgm:t>
     </dgm:pt>
@@ -1114,19 +1140,22 @@
         <a:lstStyle/>
         <a:p>
           <a:pPr>
+            <a:lnSpc>
+              <a:spcPct val="100000"/>
+            </a:lnSpc>
             <a:defRPr b="1"/>
           </a:pPr>
           <a:r>
-            <a:rPr lang="it-IT"/>
+            <a:rPr lang="it-IT" dirty="0"/>
             <a:t>Credits and Thanks:</a:t>
           </a:r>
           <a:r>
-            <a:rPr lang="it-IT">
+            <a:rPr lang="it-IT" dirty="0">
               <a:latin typeface="Gill Sans MT" panose="020B0502020104020203"/>
             </a:rPr>
             <a:t> </a:t>
           </a:r>
-          <a:endParaRPr lang="en-US"/>
+          <a:endParaRPr lang="en-US" dirty="0"/>
         </a:p>
       </dgm:t>
     </dgm:pt>
@@ -1159,19 +1188,26 @@
         <a:bodyPr/>
         <a:lstStyle/>
         <a:p>
+          <a:pPr>
+            <a:lnSpc>
+              <a:spcPct val="100000"/>
+            </a:lnSpc>
+          </a:pPr>
           <a:r>
-            <a:rPr lang="it-IT" err="1"/>
+            <a:rPr lang="it-IT" dirty="0" err="1"/>
             <a:t>All</a:t>
           </a:r>
           <a:r>
-            <a:rPr lang="it-IT"/>
+            <a:rPr lang="it-IT" dirty="0"/>
             <a:t> of the </a:t>
           </a:r>
           <a:r>
-            <a:rPr lang="it-IT" err="1"/>
-            <a:t>above</a:t>
+            <a:rPr lang="it-IT" dirty="0" err="1">
+              <a:latin typeface="Gill Sans MT" panose="020B0502020104020203"/>
+            </a:rPr>
+            <a:t>previous</a:t>
           </a:r>
-          <a:endParaRPr lang="en-US" err="1"/>
+          <a:endParaRPr lang="en-US" dirty="0" err="1"/>
         </a:p>
       </dgm:t>
     </dgm:pt>
@@ -1205,19 +1241,30 @@
         <a:lstStyle/>
         <a:p>
           <a:pPr>
+            <a:lnSpc>
+              <a:spcPct val="100000"/>
+            </a:lnSpc>
             <a:defRPr b="1"/>
           </a:pPr>
           <a:r>
-            <a:rPr lang="it-IT"/>
-            <a:t>Copyright Licence:</a:t>
+            <a:rPr lang="it-IT" dirty="0"/>
+            <a:t>Copyright </a:t>
           </a:r>
           <a:r>
-            <a:rPr lang="it-IT">
+            <a:rPr lang="it-IT" dirty="0" err="1"/>
+            <a:t>Licence</a:t>
+          </a:r>
+          <a:r>
+            <a:rPr lang="it-IT" dirty="0"/>
+            <a:t>:</a:t>
+          </a:r>
+          <a:r>
+            <a:rPr lang="it-IT" dirty="0">
               <a:latin typeface="Gill Sans MT" panose="020B0502020104020203"/>
             </a:rPr>
             <a:t> </a:t>
           </a:r>
-          <a:endParaRPr lang="en-US">
+          <a:endParaRPr lang="en-US" dirty="0">
             <a:latin typeface="Gill Sans MT" panose="020B0502020104020203"/>
           </a:endParaRPr>
         </a:p>
@@ -1252,11 +1299,16 @@
         <a:bodyPr/>
         <a:lstStyle/>
         <a:p>
+          <a:pPr>
+            <a:lnSpc>
+              <a:spcPct val="100000"/>
+            </a:lnSpc>
+          </a:pPr>
           <a:r>
-            <a:rPr lang="it-IT"/>
+            <a:rPr lang="it-IT" dirty="0"/>
             <a:t>Creative Commons CC2023</a:t>
           </a:r>
-          <a:endParaRPr lang="en-US"/>
+          <a:endParaRPr lang="en-US" dirty="0"/>
         </a:p>
       </dgm:t>
     </dgm:pt>
@@ -1292,13 +1344,13 @@
       <dgm:prSet presAssocID="{95B74B8E-BF46-45F0-AA3B-9B8C7AADD9FC}" presName="iconRect" presStyleLbl="node1" presStyleIdx="0" presStyleCnt="3"/>
       <dgm:spPr>
         <a:blipFill>
-          <a:blip xmlns:r="http://schemas.openxmlformats.org/officeDocument/2006/relationships" r:embed="rId3">
+          <a:blip xmlns:r="http://schemas.openxmlformats.org/officeDocument/2006/relationships" r:embed="rId2">
             <a:extLst>
               <a:ext uri="{28A0092B-C50C-407E-A947-70E740481C1C}">
                 <a14:useLocalDpi xmlns:a14="http://schemas.microsoft.com/office/drawing/2010/main" val="0"/>
               </a:ext>
               <a:ext uri="{96DAC541-7B7A-43D3-8B79-37D633B846F1}">
-                <asvg:svgBlip xmlns:asvg="http://schemas.microsoft.com/office/drawing/2016/SVG/main" r:embed="rId4"/>
+                <asvg:svgBlip xmlns:asvg="http://schemas.microsoft.com/office/drawing/2016/SVG/main" r:embed="rId3"/>
               </a:ext>
             </a:extLst>
           </a:blip>
@@ -1351,13 +1403,13 @@
       <dgm:prSet presAssocID="{130B7427-C1A4-45B7-8912-D7A7B73722BD}" presName="iconRect" presStyleLbl="node1" presStyleIdx="1" presStyleCnt="3"/>
       <dgm:spPr>
         <a:blipFill>
-          <a:blip xmlns:r="http://schemas.openxmlformats.org/officeDocument/2006/relationships" r:embed="rId5">
+          <a:blip xmlns:r="http://schemas.openxmlformats.org/officeDocument/2006/relationships" r:embed="rId4">
             <a:extLst>
               <a:ext uri="{28A0092B-C50C-407E-A947-70E740481C1C}">
                 <a14:useLocalDpi xmlns:a14="http://schemas.microsoft.com/office/drawing/2010/main" val="0"/>
               </a:ext>
               <a:ext uri="{96DAC541-7B7A-43D3-8B79-37D633B846F1}">
-                <asvg:svgBlip xmlns:asvg="http://schemas.microsoft.com/office/drawing/2016/SVG/main" r:embed="rId6"/>
+                <asvg:svgBlip xmlns:asvg="http://schemas.microsoft.com/office/drawing/2016/SVG/main" r:embed="rId5"/>
               </a:ext>
             </a:extLst>
           </a:blip>
@@ -1410,13 +1462,13 @@
       <dgm:prSet presAssocID="{92571C8D-64DD-4E80-AC21-5D63DE3A4DC5}" presName="iconRect" presStyleLbl="node1" presStyleIdx="2" presStyleCnt="3"/>
       <dgm:spPr>
         <a:blipFill>
-          <a:blip xmlns:r="http://schemas.openxmlformats.org/officeDocument/2006/relationships" r:embed="rId7">
+          <a:blip xmlns:r="http://schemas.openxmlformats.org/officeDocument/2006/relationships" r:embed="rId6">
             <a:extLst>
               <a:ext uri="{28A0092B-C50C-407E-A947-70E740481C1C}">
                 <a14:useLocalDpi xmlns:a14="http://schemas.microsoft.com/office/drawing/2010/main" val="0"/>
               </a:ext>
               <a:ext uri="{96DAC541-7B7A-43D3-8B79-37D633B846F1}">
-                <asvg:svgBlip xmlns:asvg="http://schemas.microsoft.com/office/drawing/2016/SVG/main" r:embed="rId8"/>
+                <asvg:svgBlip xmlns:asvg="http://schemas.microsoft.com/office/drawing/2016/SVG/main" r:embed="rId7"/>
               </a:ext>
             </a:extLst>
           </a:blip>
@@ -1459,43 +1511,43 @@
     </dgm:pt>
   </dgm:ptLst>
   <dgm:cxnLst>
-    <dgm:cxn modelId="{83CE3009-1261-4512-9C70-B2DAE688C8E6}" type="presOf" srcId="{95B74B8E-BF46-45F0-AA3B-9B8C7AADD9FC}" destId="{38D61B99-C922-44AE-B054-45726B824B12}" srcOrd="0" destOrd="0" presId="urn:microsoft.com/office/officeart/2018/5/layout/CenteredIconLabelDescriptionList"/>
+    <dgm:cxn modelId="{4C4F7514-F55F-4B15-8FBF-AA5FADB76D0F}" type="presOf" srcId="{CD0C2B99-AD72-484B-B771-69921F3C0E41}" destId="{5FFBE124-ABE7-4DE1-984E-C9A839FD4089}" srcOrd="0" destOrd="2" presId="urn:microsoft.com/office/officeart/2018/5/layout/CenteredIconLabelDescriptionList"/>
     <dgm:cxn modelId="{1F14AF1B-E209-436C-9362-DCF4AE65A04C}" srcId="{95B74B8E-BF46-45F0-AA3B-9B8C7AADD9FC}" destId="{CD0C2B99-AD72-484B-B771-69921F3C0E41}" srcOrd="2" destOrd="0" parTransId="{155E0981-2C9E-4AA7-931C-ED74F7E1346D}" sibTransId="{A3F54CF2-7820-4BA9-A656-85F2005DB8FB}"/>
     <dgm:cxn modelId="{6EF86B2F-23DA-47BD-8F11-D380C05CD9E3}" srcId="{95B74B8E-BF46-45F0-AA3B-9B8C7AADD9FC}" destId="{A02FBFA1-55E3-4427-B85E-2B2F75E64DBB}" srcOrd="0" destOrd="0" parTransId="{28031501-72A1-43B1-84B9-44E65E8E79D9}" sibTransId="{6D3E68DF-5005-4D84-BA29-4164ED5E0AEE}"/>
-    <dgm:cxn modelId="{BA88C636-E840-45D5-91DA-93B49016AD25}" type="presOf" srcId="{CD0C2B99-AD72-484B-B771-69921F3C0E41}" destId="{5FFBE124-ABE7-4DE1-984E-C9A839FD4089}" srcOrd="0" destOrd="2" presId="urn:microsoft.com/office/officeart/2018/5/layout/CenteredIconLabelDescriptionList"/>
-    <dgm:cxn modelId="{D733A338-312F-4241-90F3-45931FEAB680}" type="presOf" srcId="{130B7427-C1A4-45B7-8912-D7A7B73722BD}" destId="{A03846A4-9C94-4128-82C8-C2146248D8FE}" srcOrd="0" destOrd="0" presId="urn:microsoft.com/office/officeart/2018/5/layout/CenteredIconLabelDescriptionList"/>
-    <dgm:cxn modelId="{C747B438-958A-4AF3-BAF0-5DF317B6FE9F}" type="presOf" srcId="{6BE5200B-71AE-4D2A-963B-06BAA8E50666}" destId="{420765C4-FDE2-4FC0-84F0-F871DDBF974B}" srcOrd="0" destOrd="0" presId="urn:microsoft.com/office/officeart/2018/5/layout/CenteredIconLabelDescriptionList"/>
     <dgm:cxn modelId="{0280A539-006E-488D-886D-8ED58404086E}" type="presOf" srcId="{73D02362-3D01-45E9-8FCD-91AF06AC06CA}" destId="{9B1339B0-6FBF-4CAC-B8C1-2D1F819B7EE0}" srcOrd="0" destOrd="0" presId="urn:microsoft.com/office/officeart/2018/5/layout/CenteredIconLabelDescriptionList"/>
-    <dgm:cxn modelId="{12BF7F3E-1040-4F1F-85C0-558B54CCE6B3}" type="presOf" srcId="{149CD3D9-2729-499A-9636-D5BBAF36C25B}" destId="{5FFBE124-ABE7-4DE1-984E-C9A839FD4089}" srcOrd="0" destOrd="1" presId="urn:microsoft.com/office/officeart/2018/5/layout/CenteredIconLabelDescriptionList"/>
+    <dgm:cxn modelId="{7E07B165-8C57-40DB-A53A-1DB3318908BA}" type="presOf" srcId="{149CD3D9-2729-499A-9636-D5BBAF36C25B}" destId="{5FFBE124-ABE7-4DE1-984E-C9A839FD4089}" srcOrd="0" destOrd="1" presId="urn:microsoft.com/office/officeart/2018/5/layout/CenteredIconLabelDescriptionList"/>
+    <dgm:cxn modelId="{C02F3F56-E964-4B0D-A23A-A25626F8834E}" type="presOf" srcId="{130B7427-C1A4-45B7-8912-D7A7B73722BD}" destId="{A03846A4-9C94-4128-82C8-C2146248D8FE}" srcOrd="0" destOrd="0" presId="urn:microsoft.com/office/officeart/2018/5/layout/CenteredIconLabelDescriptionList"/>
+    <dgm:cxn modelId="{966B1186-66F8-48F3-A52D-BA6750FEDCFE}" type="presOf" srcId="{95B74B8E-BF46-45F0-AA3B-9B8C7AADD9FC}" destId="{38D61B99-C922-44AE-B054-45726B824B12}" srcOrd="0" destOrd="0" presId="urn:microsoft.com/office/officeart/2018/5/layout/CenteredIconLabelDescriptionList"/>
     <dgm:cxn modelId="{D90ADE93-E24B-462B-986C-21973C0879A7}" srcId="{95B74B8E-BF46-45F0-AA3B-9B8C7AADD9FC}" destId="{149CD3D9-2729-499A-9636-D5BBAF36C25B}" srcOrd="1" destOrd="0" parTransId="{1180C461-0801-46FC-87CA-FB120ADEDB14}" sibTransId="{E2606232-A06F-469D-AB61-9A8BA6C4546B}"/>
+    <dgm:cxn modelId="{DBDE119C-3E31-4FE5-8B48-C89AD7BA7419}" type="presOf" srcId="{A02FBFA1-55E3-4427-B85E-2B2F75E64DBB}" destId="{5FFBE124-ABE7-4DE1-984E-C9A839FD4089}" srcOrd="0" destOrd="0" presId="urn:microsoft.com/office/officeart/2018/5/layout/CenteredIconLabelDescriptionList"/>
     <dgm:cxn modelId="{F484269C-45AB-429E-8DB9-1F2A249EF38B}" srcId="{92571C8D-64DD-4E80-AC21-5D63DE3A4DC5}" destId="{60138E9A-DF95-419E-9451-A9A42E0D79B4}" srcOrd="0" destOrd="0" parTransId="{6827D8B6-8C7D-47A7-B2C7-B7297F3A1F9F}" sibTransId="{6A4F8AA3-F477-48A6-97CE-D5CFDBFF5A2D}"/>
-    <dgm:cxn modelId="{743C4FB0-EB83-440D-8341-DBB5A5A4F0AA}" type="presOf" srcId="{A02FBFA1-55E3-4427-B85E-2B2F75E64DBB}" destId="{5FFBE124-ABE7-4DE1-984E-C9A839FD4089}" srcOrd="0" destOrd="0" presId="urn:microsoft.com/office/officeart/2018/5/layout/CenteredIconLabelDescriptionList"/>
+    <dgm:cxn modelId="{A0D91EAF-1E68-41D9-8DDE-42453B4FFCAA}" type="presOf" srcId="{92571C8D-64DD-4E80-AC21-5D63DE3A4DC5}" destId="{264FA485-238E-4BFD-AB3E-607B9B2E4CF7}" srcOrd="0" destOrd="0" presId="urn:microsoft.com/office/officeart/2018/5/layout/CenteredIconLabelDescriptionList"/>
     <dgm:cxn modelId="{56481BC8-EDC1-4281-AE0D-DC9EF93EB24F}" srcId="{130B7427-C1A4-45B7-8912-D7A7B73722BD}" destId="{6BE5200B-71AE-4D2A-963B-06BAA8E50666}" srcOrd="0" destOrd="0" parTransId="{371B3EDB-E72F-48F0-8D5C-8AA3477B073A}" sibTransId="{7EA2334F-C227-46C9-BF30-57320895FF24}"/>
-    <dgm:cxn modelId="{22168CC9-B1C6-4F4E-8A3B-22FC1AEF8478}" type="presOf" srcId="{60138E9A-DF95-419E-9451-A9A42E0D79B4}" destId="{32AAB3A6-98AD-4721-8B76-ED058B92CA3F}" srcOrd="0" destOrd="0" presId="urn:microsoft.com/office/officeart/2018/5/layout/CenteredIconLabelDescriptionList"/>
-    <dgm:cxn modelId="{15C1BDD5-E062-4DC1-A083-8AD93981A7ED}" type="presOf" srcId="{92571C8D-64DD-4E80-AC21-5D63DE3A4DC5}" destId="{264FA485-238E-4BFD-AB3E-607B9B2E4CF7}" srcOrd="0" destOrd="0" presId="urn:microsoft.com/office/officeart/2018/5/layout/CenteredIconLabelDescriptionList"/>
+    <dgm:cxn modelId="{B8D52EC8-2B59-4A54-92EC-779FCC234C7D}" type="presOf" srcId="{6BE5200B-71AE-4D2A-963B-06BAA8E50666}" destId="{420765C4-FDE2-4FC0-84F0-F871DDBF974B}" srcOrd="0" destOrd="0" presId="urn:microsoft.com/office/officeart/2018/5/layout/CenteredIconLabelDescriptionList"/>
     <dgm:cxn modelId="{934D39DF-4D3B-4AC2-8B4E-4B093B81D8B7}" srcId="{73D02362-3D01-45E9-8FCD-91AF06AC06CA}" destId="{130B7427-C1A4-45B7-8912-D7A7B73722BD}" srcOrd="1" destOrd="0" parTransId="{8740D98B-6865-4452-92EB-0D014A3BFE5B}" sibTransId="{6DC4EF41-0FE5-4875-9FC3-E4C137B69871}"/>
     <dgm:cxn modelId="{53BCA0E3-BBF6-49E7-93C6-A284EB7D4BFF}" srcId="{73D02362-3D01-45E9-8FCD-91AF06AC06CA}" destId="{95B74B8E-BF46-45F0-AA3B-9B8C7AADD9FC}" srcOrd="0" destOrd="0" parTransId="{3E9CDF75-3AB8-4574-BACE-ED72C5E53600}" sibTransId="{CEABFF2F-9FE8-4AC1-84E2-F6B170E22884}"/>
+    <dgm:cxn modelId="{53F452ED-D445-4464-A8BE-D09FA390CBD5}" type="presOf" srcId="{60138E9A-DF95-419E-9451-A9A42E0D79B4}" destId="{32AAB3A6-98AD-4721-8B76-ED058B92CA3F}" srcOrd="0" destOrd="0" presId="urn:microsoft.com/office/officeart/2018/5/layout/CenteredIconLabelDescriptionList"/>
     <dgm:cxn modelId="{C7762CF1-F41A-493A-A80C-E29D8F1701E3}" srcId="{73D02362-3D01-45E9-8FCD-91AF06AC06CA}" destId="{92571C8D-64DD-4E80-AC21-5D63DE3A4DC5}" srcOrd="2" destOrd="0" parTransId="{ABCCAA1B-FCCE-455B-A276-7B856A861EDB}" sibTransId="{1854FF51-4B82-436E-AC45-8EDADCB9CAC4}"/>
-    <dgm:cxn modelId="{CA9EEADA-2947-4A62-A8D6-5CBC067D3C65}" type="presParOf" srcId="{9B1339B0-6FBF-4CAC-B8C1-2D1F819B7EE0}" destId="{7F15EA1D-9F93-4846-9733-A640DE2410C9}" srcOrd="0" destOrd="0" presId="urn:microsoft.com/office/officeart/2018/5/layout/CenteredIconLabelDescriptionList"/>
-    <dgm:cxn modelId="{3B3679EA-E13D-403B-9873-161BD37B10FB}" type="presParOf" srcId="{7F15EA1D-9F93-4846-9733-A640DE2410C9}" destId="{B195A37D-6F68-4BB5-9A52-C325D8F9AB41}" srcOrd="0" destOrd="0" presId="urn:microsoft.com/office/officeart/2018/5/layout/CenteredIconLabelDescriptionList"/>
-    <dgm:cxn modelId="{E174013B-D834-49C2-80D1-D46F6E494090}" type="presParOf" srcId="{7F15EA1D-9F93-4846-9733-A640DE2410C9}" destId="{9F2B8B30-3009-4EF4-9980-CCA4392DB54F}" srcOrd="1" destOrd="0" presId="urn:microsoft.com/office/officeart/2018/5/layout/CenteredIconLabelDescriptionList"/>
-    <dgm:cxn modelId="{D5A2F065-C79E-49B3-A964-2F82CDEF9604}" type="presParOf" srcId="{7F15EA1D-9F93-4846-9733-A640DE2410C9}" destId="{38D61B99-C922-44AE-B054-45726B824B12}" srcOrd="2" destOrd="0" presId="urn:microsoft.com/office/officeart/2018/5/layout/CenteredIconLabelDescriptionList"/>
-    <dgm:cxn modelId="{1163A4DF-7917-419D-8D3E-951D84B38482}" type="presParOf" srcId="{7F15EA1D-9F93-4846-9733-A640DE2410C9}" destId="{B97BA402-A986-4FFD-8DC5-3DD3B3318A87}" srcOrd="3" destOrd="0" presId="urn:microsoft.com/office/officeart/2018/5/layout/CenteredIconLabelDescriptionList"/>
-    <dgm:cxn modelId="{69D86D54-9D16-4A34-B407-0FAFEFEF854D}" type="presParOf" srcId="{7F15EA1D-9F93-4846-9733-A640DE2410C9}" destId="{5FFBE124-ABE7-4DE1-984E-C9A839FD4089}" srcOrd="4" destOrd="0" presId="urn:microsoft.com/office/officeart/2018/5/layout/CenteredIconLabelDescriptionList"/>
-    <dgm:cxn modelId="{C64F7170-A2E8-451F-A0E2-DF3113CFDD8D}" type="presParOf" srcId="{9B1339B0-6FBF-4CAC-B8C1-2D1F819B7EE0}" destId="{D00451B2-376A-4AAB-B66B-22CF3C1B30C9}" srcOrd="1" destOrd="0" presId="urn:microsoft.com/office/officeart/2018/5/layout/CenteredIconLabelDescriptionList"/>
-    <dgm:cxn modelId="{BD61DEAC-ADDB-45D7-89F8-46599D705565}" type="presParOf" srcId="{9B1339B0-6FBF-4CAC-B8C1-2D1F819B7EE0}" destId="{3180FDE2-7329-4CB1-91B7-669D2AC3EDB9}" srcOrd="2" destOrd="0" presId="urn:microsoft.com/office/officeart/2018/5/layout/CenteredIconLabelDescriptionList"/>
-    <dgm:cxn modelId="{C520A1F9-CECE-4B61-8368-07B7B6CA6D2D}" type="presParOf" srcId="{3180FDE2-7329-4CB1-91B7-669D2AC3EDB9}" destId="{D056E12C-C0C6-43A5-B70D-6F013F07B5A2}" srcOrd="0" destOrd="0" presId="urn:microsoft.com/office/officeart/2018/5/layout/CenteredIconLabelDescriptionList"/>
-    <dgm:cxn modelId="{B38AED7E-333A-4C24-9886-8510AE3198E7}" type="presParOf" srcId="{3180FDE2-7329-4CB1-91B7-669D2AC3EDB9}" destId="{670C6FEB-2F63-4861-AAC2-97966ABD18B9}" srcOrd="1" destOrd="0" presId="urn:microsoft.com/office/officeart/2018/5/layout/CenteredIconLabelDescriptionList"/>
-    <dgm:cxn modelId="{947A8659-7D4C-4B87-B7DA-2990917A580C}" type="presParOf" srcId="{3180FDE2-7329-4CB1-91B7-669D2AC3EDB9}" destId="{A03846A4-9C94-4128-82C8-C2146248D8FE}" srcOrd="2" destOrd="0" presId="urn:microsoft.com/office/officeart/2018/5/layout/CenteredIconLabelDescriptionList"/>
-    <dgm:cxn modelId="{14A6B9C5-7EFC-4565-9A32-986227675584}" type="presParOf" srcId="{3180FDE2-7329-4CB1-91B7-669D2AC3EDB9}" destId="{0151948B-47EE-470B-86DF-B3D918A8BAD5}" srcOrd="3" destOrd="0" presId="urn:microsoft.com/office/officeart/2018/5/layout/CenteredIconLabelDescriptionList"/>
-    <dgm:cxn modelId="{08EAD89C-CA3C-4418-BC34-27AC09205BD3}" type="presParOf" srcId="{3180FDE2-7329-4CB1-91B7-669D2AC3EDB9}" destId="{420765C4-FDE2-4FC0-84F0-F871DDBF974B}" srcOrd="4" destOrd="0" presId="urn:microsoft.com/office/officeart/2018/5/layout/CenteredIconLabelDescriptionList"/>
-    <dgm:cxn modelId="{A10D9ACB-39EC-4E5D-B3E0-055B32919A7A}" type="presParOf" srcId="{9B1339B0-6FBF-4CAC-B8C1-2D1F819B7EE0}" destId="{7CECFA15-1C7A-4095-9747-BE7279297D33}" srcOrd="3" destOrd="0" presId="urn:microsoft.com/office/officeart/2018/5/layout/CenteredIconLabelDescriptionList"/>
-    <dgm:cxn modelId="{D44F3B1B-4B43-4B77-9A27-6C308B1E161B}" type="presParOf" srcId="{9B1339B0-6FBF-4CAC-B8C1-2D1F819B7EE0}" destId="{AF1FD9D5-AAC3-46C1-ADE0-AEC3D6334CD2}" srcOrd="4" destOrd="0" presId="urn:microsoft.com/office/officeart/2018/5/layout/CenteredIconLabelDescriptionList"/>
-    <dgm:cxn modelId="{78F76200-DB92-47EE-88E3-3ACB4A2FFAD0}" type="presParOf" srcId="{AF1FD9D5-AAC3-46C1-ADE0-AEC3D6334CD2}" destId="{5CD93740-B453-4613-BA78-AAA1E9F828BE}" srcOrd="0" destOrd="0" presId="urn:microsoft.com/office/officeart/2018/5/layout/CenteredIconLabelDescriptionList"/>
-    <dgm:cxn modelId="{9B9813DC-5404-49C7-ACA0-FEC077363418}" type="presParOf" srcId="{AF1FD9D5-AAC3-46C1-ADE0-AEC3D6334CD2}" destId="{7D195786-549D-4ACA-8B47-F4F2B1E96058}" srcOrd="1" destOrd="0" presId="urn:microsoft.com/office/officeart/2018/5/layout/CenteredIconLabelDescriptionList"/>
-    <dgm:cxn modelId="{6A7F1EA3-6277-47A0-9E7C-87A65C352513}" type="presParOf" srcId="{AF1FD9D5-AAC3-46C1-ADE0-AEC3D6334CD2}" destId="{264FA485-238E-4BFD-AB3E-607B9B2E4CF7}" srcOrd="2" destOrd="0" presId="urn:microsoft.com/office/officeart/2018/5/layout/CenteredIconLabelDescriptionList"/>
-    <dgm:cxn modelId="{D8657F50-5DE5-482B-A551-A9A6BCA99B97}" type="presParOf" srcId="{AF1FD9D5-AAC3-46C1-ADE0-AEC3D6334CD2}" destId="{3EC53C7F-7F3B-41A2-8529-F55D1BF53499}" srcOrd="3" destOrd="0" presId="urn:microsoft.com/office/officeart/2018/5/layout/CenteredIconLabelDescriptionList"/>
-    <dgm:cxn modelId="{5878C5ED-F66D-41F0-B55A-D0A7B43AEE59}" type="presParOf" srcId="{AF1FD9D5-AAC3-46C1-ADE0-AEC3D6334CD2}" destId="{32AAB3A6-98AD-4721-8B76-ED058B92CA3F}" srcOrd="4" destOrd="0" presId="urn:microsoft.com/office/officeart/2018/5/layout/CenteredIconLabelDescriptionList"/>
+    <dgm:cxn modelId="{29C20BEF-7EE6-403F-97F6-E24334DFB6AF}" type="presParOf" srcId="{9B1339B0-6FBF-4CAC-B8C1-2D1F819B7EE0}" destId="{7F15EA1D-9F93-4846-9733-A640DE2410C9}" srcOrd="0" destOrd="0" presId="urn:microsoft.com/office/officeart/2018/5/layout/CenteredIconLabelDescriptionList"/>
+    <dgm:cxn modelId="{E59FD73D-F295-49F8-AFA4-8B171D670483}" type="presParOf" srcId="{7F15EA1D-9F93-4846-9733-A640DE2410C9}" destId="{B195A37D-6F68-4BB5-9A52-C325D8F9AB41}" srcOrd="0" destOrd="0" presId="urn:microsoft.com/office/officeart/2018/5/layout/CenteredIconLabelDescriptionList"/>
+    <dgm:cxn modelId="{0E0FEF17-E8D9-42DD-BFE9-17B774EA6CD7}" type="presParOf" srcId="{7F15EA1D-9F93-4846-9733-A640DE2410C9}" destId="{9F2B8B30-3009-4EF4-9980-CCA4392DB54F}" srcOrd="1" destOrd="0" presId="urn:microsoft.com/office/officeart/2018/5/layout/CenteredIconLabelDescriptionList"/>
+    <dgm:cxn modelId="{212260B4-1991-403F-B6A0-66EDB6785FC7}" type="presParOf" srcId="{7F15EA1D-9F93-4846-9733-A640DE2410C9}" destId="{38D61B99-C922-44AE-B054-45726B824B12}" srcOrd="2" destOrd="0" presId="urn:microsoft.com/office/officeart/2018/5/layout/CenteredIconLabelDescriptionList"/>
+    <dgm:cxn modelId="{33F04CB9-E64C-42E7-A255-02ED63EC8881}" type="presParOf" srcId="{7F15EA1D-9F93-4846-9733-A640DE2410C9}" destId="{B97BA402-A986-4FFD-8DC5-3DD3B3318A87}" srcOrd="3" destOrd="0" presId="urn:microsoft.com/office/officeart/2018/5/layout/CenteredIconLabelDescriptionList"/>
+    <dgm:cxn modelId="{E3DDFF1D-F98E-485E-AAA5-A311C20960DB}" type="presParOf" srcId="{7F15EA1D-9F93-4846-9733-A640DE2410C9}" destId="{5FFBE124-ABE7-4DE1-984E-C9A839FD4089}" srcOrd="4" destOrd="0" presId="urn:microsoft.com/office/officeart/2018/5/layout/CenteredIconLabelDescriptionList"/>
+    <dgm:cxn modelId="{601A7700-BB79-4133-9DEA-E765BF2FFFCE}" type="presParOf" srcId="{9B1339B0-6FBF-4CAC-B8C1-2D1F819B7EE0}" destId="{D00451B2-376A-4AAB-B66B-22CF3C1B30C9}" srcOrd="1" destOrd="0" presId="urn:microsoft.com/office/officeart/2018/5/layout/CenteredIconLabelDescriptionList"/>
+    <dgm:cxn modelId="{41C53B45-81D9-4AAF-843D-2516E84DC9F5}" type="presParOf" srcId="{9B1339B0-6FBF-4CAC-B8C1-2D1F819B7EE0}" destId="{3180FDE2-7329-4CB1-91B7-669D2AC3EDB9}" srcOrd="2" destOrd="0" presId="urn:microsoft.com/office/officeart/2018/5/layout/CenteredIconLabelDescriptionList"/>
+    <dgm:cxn modelId="{5B6CC8EA-A5C2-472B-880E-8DA8C2F01F07}" type="presParOf" srcId="{3180FDE2-7329-4CB1-91B7-669D2AC3EDB9}" destId="{D056E12C-C0C6-43A5-B70D-6F013F07B5A2}" srcOrd="0" destOrd="0" presId="urn:microsoft.com/office/officeart/2018/5/layout/CenteredIconLabelDescriptionList"/>
+    <dgm:cxn modelId="{A0012DF5-25D0-44DE-B07B-A92F736CF33A}" type="presParOf" srcId="{3180FDE2-7329-4CB1-91B7-669D2AC3EDB9}" destId="{670C6FEB-2F63-4861-AAC2-97966ABD18B9}" srcOrd="1" destOrd="0" presId="urn:microsoft.com/office/officeart/2018/5/layout/CenteredIconLabelDescriptionList"/>
+    <dgm:cxn modelId="{BC6EC7BB-DD8C-41D4-A5DA-2FF07A2066AB}" type="presParOf" srcId="{3180FDE2-7329-4CB1-91B7-669D2AC3EDB9}" destId="{A03846A4-9C94-4128-82C8-C2146248D8FE}" srcOrd="2" destOrd="0" presId="urn:microsoft.com/office/officeart/2018/5/layout/CenteredIconLabelDescriptionList"/>
+    <dgm:cxn modelId="{4C9348F5-72F4-41FE-A440-C394FE0CD58B}" type="presParOf" srcId="{3180FDE2-7329-4CB1-91B7-669D2AC3EDB9}" destId="{0151948B-47EE-470B-86DF-B3D918A8BAD5}" srcOrd="3" destOrd="0" presId="urn:microsoft.com/office/officeart/2018/5/layout/CenteredIconLabelDescriptionList"/>
+    <dgm:cxn modelId="{D9487886-8AD3-4522-A423-4DD9D68B9B23}" type="presParOf" srcId="{3180FDE2-7329-4CB1-91B7-669D2AC3EDB9}" destId="{420765C4-FDE2-4FC0-84F0-F871DDBF974B}" srcOrd="4" destOrd="0" presId="urn:microsoft.com/office/officeart/2018/5/layout/CenteredIconLabelDescriptionList"/>
+    <dgm:cxn modelId="{D64E427E-96EF-49CB-923F-8922CFA1FE63}" type="presParOf" srcId="{9B1339B0-6FBF-4CAC-B8C1-2D1F819B7EE0}" destId="{7CECFA15-1C7A-4095-9747-BE7279297D33}" srcOrd="3" destOrd="0" presId="urn:microsoft.com/office/officeart/2018/5/layout/CenteredIconLabelDescriptionList"/>
+    <dgm:cxn modelId="{543C67F7-93E0-42AD-B092-044D692310A4}" type="presParOf" srcId="{9B1339B0-6FBF-4CAC-B8C1-2D1F819B7EE0}" destId="{AF1FD9D5-AAC3-46C1-ADE0-AEC3D6334CD2}" srcOrd="4" destOrd="0" presId="urn:microsoft.com/office/officeart/2018/5/layout/CenteredIconLabelDescriptionList"/>
+    <dgm:cxn modelId="{7008C5E4-9568-4392-85DC-BA0E4601C97E}" type="presParOf" srcId="{AF1FD9D5-AAC3-46C1-ADE0-AEC3D6334CD2}" destId="{5CD93740-B453-4613-BA78-AAA1E9F828BE}" srcOrd="0" destOrd="0" presId="urn:microsoft.com/office/officeart/2018/5/layout/CenteredIconLabelDescriptionList"/>
+    <dgm:cxn modelId="{13EDEEDE-A715-4012-9704-5D7E439ED8FF}" type="presParOf" srcId="{AF1FD9D5-AAC3-46C1-ADE0-AEC3D6334CD2}" destId="{7D195786-549D-4ACA-8B47-F4F2B1E96058}" srcOrd="1" destOrd="0" presId="urn:microsoft.com/office/officeart/2018/5/layout/CenteredIconLabelDescriptionList"/>
+    <dgm:cxn modelId="{209F4AAF-10C0-4169-8883-810AC66822B0}" type="presParOf" srcId="{AF1FD9D5-AAC3-46C1-ADE0-AEC3D6334CD2}" destId="{264FA485-238E-4BFD-AB3E-607B9B2E4CF7}" srcOrd="2" destOrd="0" presId="urn:microsoft.com/office/officeart/2018/5/layout/CenteredIconLabelDescriptionList"/>
+    <dgm:cxn modelId="{3C7D8ED6-816F-4780-9032-D9BF8C992337}" type="presParOf" srcId="{AF1FD9D5-AAC3-46C1-ADE0-AEC3D6334CD2}" destId="{3EC53C7F-7F3B-41A2-8529-F55D1BF53499}" srcOrd="3" destOrd="0" presId="urn:microsoft.com/office/officeart/2018/5/layout/CenteredIconLabelDescriptionList"/>
+    <dgm:cxn modelId="{E668E0AB-5FA1-400C-A381-A0C1385FD4DB}" type="presParOf" srcId="{AF1FD9D5-AAC3-46C1-ADE0-AEC3D6334CD2}" destId="{32AAB3A6-98AD-4721-8B76-ED058B92CA3F}" srcOrd="4" destOrd="0" presId="urn:microsoft.com/office/officeart/2018/5/layout/CenteredIconLabelDescriptionList"/>
   </dgm:cxnLst>
   <dgm:bg/>
   <dgm:whole/>
@@ -1522,8 +1574,8 @@
       </dsp:nvSpPr>
       <dsp:spPr>
         <a:xfrm>
-          <a:off x="1072463" y="128956"/>
-          <a:ext cx="1151718" cy="1151718"/>
+          <a:off x="1076801" y="0"/>
+          <a:ext cx="1150594" cy="1132741"/>
         </a:xfrm>
         <a:prstGeom prst="rect">
           <a:avLst/>
@@ -1571,8 +1623,8 @@
       </dsp:nvSpPr>
       <dsp:spPr>
         <a:xfrm>
-          <a:off x="3010" y="1427751"/>
-          <a:ext cx="3290624" cy="493593"/>
+          <a:off x="8393" y="1293568"/>
+          <a:ext cx="3287411" cy="485460"/>
         </a:xfrm>
         <a:prstGeom prst="rect">
           <a:avLst/>
@@ -1603,7 +1655,7 @@
         <a:p>
           <a:pPr marL="0" lvl="0" indent="0" algn="ctr" defTabSz="1200150">
             <a:lnSpc>
-              <a:spcPct val="90000"/>
+              <a:spcPct val="100000"/>
             </a:lnSpc>
             <a:spcBef>
               <a:spcPct val="0"/>
@@ -1615,15 +1667,15 @@
             <a:defRPr b="1"/>
           </a:pPr>
           <a:r>
-            <a:rPr lang="it-IT" sz="2700" kern="1200"/>
+            <a:rPr lang="it-IT" sz="2700" kern="1200" dirty="0"/>
             <a:t>Sources:</a:t>
           </a:r>
-          <a:endParaRPr lang="en-US" sz="2700" kern="1200"/>
+          <a:endParaRPr lang="en-US" sz="2700" kern="1200" dirty="0"/>
         </a:p>
       </dsp:txBody>
       <dsp:txXfrm>
-        <a:off x="3010" y="1427751"/>
-        <a:ext cx="3290624" cy="493593"/>
+        <a:off x="8393" y="1293568"/>
+        <a:ext cx="3287411" cy="485460"/>
       </dsp:txXfrm>
     </dsp:sp>
     <dsp:sp modelId="{5FFBE124-ABE7-4DE1-984E-C9A839FD4089}">
@@ -1633,8 +1685,8 @@
       </dsp:nvSpPr>
       <dsp:spPr>
         <a:xfrm>
-          <a:off x="3010" y="1989753"/>
-          <a:ext cx="3290624" cy="1559593"/>
+          <a:off x="8393" y="1853831"/>
+          <a:ext cx="3287411" cy="1945275"/>
         </a:xfrm>
         <a:prstGeom prst="rect">
           <a:avLst/>
@@ -1665,7 +1717,7 @@
         <a:p>
           <a:pPr marL="0" lvl="0" indent="0" algn="ctr" defTabSz="755650">
             <a:lnSpc>
-              <a:spcPct val="90000"/>
+              <a:spcPct val="100000"/>
             </a:lnSpc>
             <a:spcBef>
               <a:spcPct val="0"/>
@@ -1676,25 +1728,33 @@
             <a:buNone/>
           </a:pPr>
           <a:r>
-            <a:rPr lang="it-IT" sz="1700" kern="1200" err="1"/>
+            <a:rPr lang="it-IT" sz="1700" kern="1200" dirty="0" err="1"/>
             <a:t>MentOS</a:t>
           </a:r>
           <a:r>
-            <a:rPr lang="it-IT" sz="1700" kern="1200"/>
+            <a:rPr lang="it-IT" sz="1700" kern="1200" dirty="0"/>
             <a:t>: </a:t>
           </a:r>
           <a:r>
-            <a:rPr lang="it-IT" sz="1700" kern="1200">
-              <a:hlinkClick xmlns:r="http://schemas.openxmlformats.org/officeDocument/2006/relationships" r:id="rId3"/>
+            <a:rPr lang="it-IT" sz="1700" u="sng" kern="1200" dirty="0">
+              <a:latin typeface="Calibri"/>
+              <a:cs typeface="Calibri"/>
+              <a:hlinkClick xmlns:r="http://schemas.openxmlformats.org/officeDocument/2006/relationships" r:id=""/>
             </a:rPr>
-            <a:t>https://mentos-team.github.io/</a:t>
+            <a:t>https://mentos-team.github.io/doc/doxygen/index.html</a:t>
           </a:r>
-          <a:endParaRPr lang="en-US" sz="1700" kern="1200"/>
+          <a:endParaRPr lang="it-IT" sz="1700" kern="1200" dirty="0">
+            <a:solidFill>
+              <a:srgbClr val="000000"/>
+            </a:solidFill>
+            <a:latin typeface="Calibri"/>
+            <a:cs typeface="Calibri"/>
+          </a:endParaRPr>
         </a:p>
         <a:p>
           <a:pPr marL="0" lvl="0" indent="0" algn="ctr" defTabSz="755650">
             <a:lnSpc>
-              <a:spcPct val="90000"/>
+              <a:spcPct val="100000"/>
             </a:lnSpc>
             <a:spcBef>
               <a:spcPct val="0"/>
@@ -1705,21 +1765,21 @@
             <a:buNone/>
           </a:pPr>
           <a:r>
-            <a:rPr lang="it-IT" sz="1700" kern="1200"/>
+            <a:rPr lang="it-IT" sz="1700" kern="1200" dirty="0"/>
             <a:t>OS/161: </a:t>
           </a:r>
           <a:r>
-            <a:rPr lang="it-IT" sz="1700" kern="1200">
-              <a:hlinkClick xmlns:r="http://schemas.openxmlformats.org/officeDocument/2006/relationships" r:id="rId4"/>
+            <a:rPr lang="it-IT" sz="1700" kern="1200" dirty="0">
+              <a:hlinkClick xmlns:r="http://schemas.openxmlformats.org/officeDocument/2006/relationships" r:id="rId3"/>
             </a:rPr>
             <a:t>http://www.os161.org/</a:t>
           </a:r>
-          <a:endParaRPr lang="en-US" sz="1700" kern="1200"/>
+          <a:endParaRPr lang="en-US" sz="1700" kern="1200" dirty="0"/>
         </a:p>
         <a:p>
           <a:pPr marL="0" lvl="0" indent="0" algn="ctr" defTabSz="755650">
             <a:lnSpc>
-              <a:spcPct val="90000"/>
+              <a:spcPct val="100000"/>
             </a:lnSpc>
             <a:spcBef>
               <a:spcPct val="0"/>
@@ -1730,23 +1790,23 @@
             <a:buNone/>
           </a:pPr>
           <a:r>
-            <a:rPr lang="it-IT" sz="1700" kern="1200"/>
+            <a:rPr lang="it-IT" sz="1700" kern="1200" dirty="0"/>
             <a:t>Linux Kernel: “</a:t>
           </a:r>
           <a:r>
-            <a:rPr lang="it-IT" sz="1700" kern="1200" err="1"/>
+            <a:rPr lang="it-IT" sz="1700" kern="1200" dirty="0" err="1"/>
             <a:t>Understanding</a:t>
           </a:r>
           <a:r>
-            <a:rPr lang="it-IT" sz="1700" kern="1200"/>
+            <a:rPr lang="it-IT" sz="1700" kern="1200" dirty="0"/>
             <a:t> the Linux Kernel, Third Edition 3rd Edition”, M. Cesati, D. P. Bovet</a:t>
           </a:r>
-          <a:endParaRPr lang="en-US" sz="1700" kern="1200"/>
+          <a:endParaRPr lang="en-US" sz="1700" kern="1200" dirty="0"/>
         </a:p>
       </dsp:txBody>
       <dsp:txXfrm>
-        <a:off x="3010" y="1989753"/>
-        <a:ext cx="3290624" cy="1559593"/>
+        <a:off x="8393" y="1853831"/>
+        <a:ext cx="3287411" cy="1945275"/>
       </dsp:txXfrm>
     </dsp:sp>
     <dsp:sp modelId="{D056E12C-C0C6-43A5-B70D-6F013F07B5A2}">
@@ -1756,20 +1816,20 @@
       </dsp:nvSpPr>
       <dsp:spPr>
         <a:xfrm>
-          <a:off x="4938948" y="128956"/>
-          <a:ext cx="1151718" cy="1151718"/>
+          <a:off x="4939510" y="0"/>
+          <a:ext cx="1150594" cy="1132741"/>
         </a:xfrm>
         <a:prstGeom prst="rect">
           <a:avLst/>
         </a:prstGeom>
         <a:blipFill>
-          <a:blip xmlns:r="http://schemas.openxmlformats.org/officeDocument/2006/relationships" r:embed="rId5">
+          <a:blip xmlns:r="http://schemas.openxmlformats.org/officeDocument/2006/relationships" r:embed="rId4">
             <a:extLst>
               <a:ext uri="{28A0092B-C50C-407E-A947-70E740481C1C}">
                 <a14:useLocalDpi xmlns:a14="http://schemas.microsoft.com/office/drawing/2010/main" val="0"/>
               </a:ext>
               <a:ext uri="{96DAC541-7B7A-43D3-8B79-37D633B846F1}">
-                <asvg:svgBlip xmlns:asvg="http://schemas.microsoft.com/office/drawing/2016/SVG/main" r:embed="rId6"/>
+                <asvg:svgBlip xmlns:asvg="http://schemas.microsoft.com/office/drawing/2016/SVG/main" r:embed="rId5"/>
               </a:ext>
             </a:extLst>
           </a:blip>
@@ -1805,8 +1865,8 @@
       </dsp:nvSpPr>
       <dsp:spPr>
         <a:xfrm>
-          <a:off x="3869495" y="1427751"/>
-          <a:ext cx="3290624" cy="493593"/>
+          <a:off x="3871101" y="1293568"/>
+          <a:ext cx="3287411" cy="485460"/>
         </a:xfrm>
         <a:prstGeom prst="rect">
           <a:avLst/>
@@ -1837,7 +1897,7 @@
         <a:p>
           <a:pPr marL="0" lvl="0" indent="0" algn="ctr" defTabSz="1200150">
             <a:lnSpc>
-              <a:spcPct val="90000"/>
+              <a:spcPct val="100000"/>
             </a:lnSpc>
             <a:spcBef>
               <a:spcPct val="0"/>
@@ -1849,21 +1909,21 @@
             <a:defRPr b="1"/>
           </a:pPr>
           <a:r>
-            <a:rPr lang="it-IT" sz="2700" kern="1200"/>
+            <a:rPr lang="it-IT" sz="2700" kern="1200" dirty="0"/>
             <a:t>Credits and Thanks:</a:t>
           </a:r>
           <a:r>
-            <a:rPr lang="it-IT" sz="2700" kern="1200">
+            <a:rPr lang="it-IT" sz="2700" kern="1200" dirty="0">
               <a:latin typeface="Gill Sans MT" panose="020B0502020104020203"/>
             </a:rPr>
             <a:t> </a:t>
           </a:r>
-          <a:endParaRPr lang="en-US" sz="2700" kern="1200"/>
+          <a:endParaRPr lang="en-US" sz="2700" kern="1200" dirty="0"/>
         </a:p>
       </dsp:txBody>
       <dsp:txXfrm>
-        <a:off x="3869495" y="1427751"/>
-        <a:ext cx="3290624" cy="493593"/>
+        <a:off x="3871101" y="1293568"/>
+        <a:ext cx="3287411" cy="485460"/>
       </dsp:txXfrm>
     </dsp:sp>
     <dsp:sp modelId="{420765C4-FDE2-4FC0-84F0-F871DDBF974B}">
@@ -1873,8 +1933,8 @@
       </dsp:nvSpPr>
       <dsp:spPr>
         <a:xfrm>
-          <a:off x="3869495" y="1989753"/>
-          <a:ext cx="3290624" cy="1559593"/>
+          <a:off x="3871101" y="1853831"/>
+          <a:ext cx="3287411" cy="1945275"/>
         </a:xfrm>
         <a:prstGeom prst="rect">
           <a:avLst/>
@@ -1905,7 +1965,7 @@
         <a:p>
           <a:pPr marL="0" lvl="0" indent="0" algn="ctr" defTabSz="755650">
             <a:lnSpc>
-              <a:spcPct val="90000"/>
+              <a:spcPct val="100000"/>
             </a:lnSpc>
             <a:spcBef>
               <a:spcPct val="0"/>
@@ -1916,23 +1976,25 @@
             <a:buNone/>
           </a:pPr>
           <a:r>
-            <a:rPr lang="it-IT" sz="1700" kern="1200" err="1"/>
+            <a:rPr lang="it-IT" sz="1700" kern="1200" dirty="0" err="1"/>
             <a:t>All</a:t>
           </a:r>
           <a:r>
-            <a:rPr lang="it-IT" sz="1700" kern="1200"/>
+            <a:rPr lang="it-IT" sz="1700" kern="1200" dirty="0"/>
             <a:t> of the </a:t>
           </a:r>
           <a:r>
-            <a:rPr lang="it-IT" sz="1700" kern="1200" err="1"/>
-            <a:t>above</a:t>
+            <a:rPr lang="it-IT" sz="1700" kern="1200" dirty="0" err="1">
+              <a:latin typeface="Gill Sans MT" panose="020B0502020104020203"/>
+            </a:rPr>
+            <a:t>previous</a:t>
           </a:r>
-          <a:endParaRPr lang="en-US" sz="1700" kern="1200" err="1"/>
+          <a:endParaRPr lang="en-US" sz="1700" kern="1200" dirty="0" err="1"/>
         </a:p>
       </dsp:txBody>
       <dsp:txXfrm>
-        <a:off x="3869495" y="1989753"/>
-        <a:ext cx="3290624" cy="1559593"/>
+        <a:off x="3871101" y="1853831"/>
+        <a:ext cx="3287411" cy="1945275"/>
       </dsp:txXfrm>
     </dsp:sp>
     <dsp:sp modelId="{5CD93740-B453-4613-BA78-AAA1E9F828BE}">
@@ -1942,20 +2004,20 @@
       </dsp:nvSpPr>
       <dsp:spPr>
         <a:xfrm>
-          <a:off x="8805432" y="128956"/>
-          <a:ext cx="1151718" cy="1151718"/>
+          <a:off x="8802218" y="0"/>
+          <a:ext cx="1150594" cy="1132741"/>
         </a:xfrm>
         <a:prstGeom prst="rect">
           <a:avLst/>
         </a:prstGeom>
         <a:blipFill>
-          <a:blip xmlns:r="http://schemas.openxmlformats.org/officeDocument/2006/relationships" r:embed="rId7">
+          <a:blip xmlns:r="http://schemas.openxmlformats.org/officeDocument/2006/relationships" r:embed="rId6">
             <a:extLst>
               <a:ext uri="{28A0092B-C50C-407E-A947-70E740481C1C}">
                 <a14:useLocalDpi xmlns:a14="http://schemas.microsoft.com/office/drawing/2010/main" val="0"/>
               </a:ext>
               <a:ext uri="{96DAC541-7B7A-43D3-8B79-37D633B846F1}">
-                <asvg:svgBlip xmlns:asvg="http://schemas.microsoft.com/office/drawing/2016/SVG/main" r:embed="rId8"/>
+                <asvg:svgBlip xmlns:asvg="http://schemas.microsoft.com/office/drawing/2016/SVG/main" r:embed="rId7"/>
               </a:ext>
             </a:extLst>
           </a:blip>
@@ -1991,8 +2053,8 @@
       </dsp:nvSpPr>
       <dsp:spPr>
         <a:xfrm>
-          <a:off x="7735979" y="1427751"/>
-          <a:ext cx="3290624" cy="493593"/>
+          <a:off x="7733810" y="1293568"/>
+          <a:ext cx="3287411" cy="485460"/>
         </a:xfrm>
         <a:prstGeom prst="rect">
           <a:avLst/>
@@ -2023,7 +2085,7 @@
         <a:p>
           <a:pPr marL="0" lvl="0" indent="0" algn="ctr" defTabSz="1200150">
             <a:lnSpc>
-              <a:spcPct val="90000"/>
+              <a:spcPct val="100000"/>
             </a:lnSpc>
             <a:spcBef>
               <a:spcPct val="0"/>
@@ -2035,23 +2097,31 @@
             <a:defRPr b="1"/>
           </a:pPr>
           <a:r>
-            <a:rPr lang="it-IT" sz="2700" kern="1200"/>
-            <a:t>Copyright Licence:</a:t>
+            <a:rPr lang="it-IT" sz="2700" kern="1200" dirty="0"/>
+            <a:t>Copyright </a:t>
           </a:r>
           <a:r>
-            <a:rPr lang="it-IT" sz="2700" kern="1200">
+            <a:rPr lang="it-IT" sz="2700" kern="1200" dirty="0" err="1"/>
+            <a:t>Licence</a:t>
+          </a:r>
+          <a:r>
+            <a:rPr lang="it-IT" sz="2700" kern="1200" dirty="0"/>
+            <a:t>:</a:t>
+          </a:r>
+          <a:r>
+            <a:rPr lang="it-IT" sz="2700" kern="1200" dirty="0">
               <a:latin typeface="Gill Sans MT" panose="020B0502020104020203"/>
             </a:rPr>
             <a:t> </a:t>
           </a:r>
-          <a:endParaRPr lang="en-US" sz="2700" kern="1200">
+          <a:endParaRPr lang="en-US" sz="2700" kern="1200" dirty="0">
             <a:latin typeface="Gill Sans MT" panose="020B0502020104020203"/>
           </a:endParaRPr>
         </a:p>
       </dsp:txBody>
       <dsp:txXfrm>
-        <a:off x="7735979" y="1427751"/>
-        <a:ext cx="3290624" cy="493593"/>
+        <a:off x="7733810" y="1293568"/>
+        <a:ext cx="3287411" cy="485460"/>
       </dsp:txXfrm>
     </dsp:sp>
     <dsp:sp modelId="{32AAB3A6-98AD-4721-8B76-ED058B92CA3F}">
@@ -2061,8 +2131,8 @@
       </dsp:nvSpPr>
       <dsp:spPr>
         <a:xfrm>
-          <a:off x="7735979" y="1989753"/>
-          <a:ext cx="3290624" cy="1559593"/>
+          <a:off x="7733810" y="1853831"/>
+          <a:ext cx="3287411" cy="1945275"/>
         </a:xfrm>
         <a:prstGeom prst="rect">
           <a:avLst/>
@@ -2093,7 +2163,7 @@
         <a:p>
           <a:pPr marL="0" lvl="0" indent="0" algn="ctr" defTabSz="755650">
             <a:lnSpc>
-              <a:spcPct val="90000"/>
+              <a:spcPct val="100000"/>
             </a:lnSpc>
             <a:spcBef>
               <a:spcPct val="0"/>
@@ -2104,15 +2174,15 @@
             <a:buNone/>
           </a:pPr>
           <a:r>
-            <a:rPr lang="it-IT" sz="1700" kern="1200"/>
+            <a:rPr lang="it-IT" sz="1700" kern="1200" dirty="0"/>
             <a:t>Creative Commons CC2023</a:t>
           </a:r>
-          <a:endParaRPr lang="en-US" sz="1700" kern="1200"/>
+          <a:endParaRPr lang="en-US" sz="1700" kern="1200" dirty="0"/>
         </a:p>
       </dsp:txBody>
       <dsp:txXfrm>
-        <a:off x="7735979" y="1989753"/>
-        <a:ext cx="3290624" cy="1559593"/>
+        <a:off x="7733810" y="1853831"/>
+        <a:ext cx="3287411" cy="1945275"/>
       </dsp:txXfrm>
     </dsp:sp>
   </dsp:spTree>
@@ -3448,7 +3518,7 @@
           <a:p>
             <a:fld id="{79853C4C-502E-464F-BAA8-27DBB71A0B97}" type="datetimeFigureOut">
               <a:rPr lang="it-IT" smtClean="0"/>
-              <a:t>21/08/2023</a:t>
+              <a:t>25/08/2023</a:t>
             </a:fld>
             <a:endParaRPr lang="it-IT"/>
           </a:p>
@@ -3626,7 +3696,7 @@
           <a:p>
             <a:fld id="{AF56E82B-0561-4374-A755-5D7F376F3791}" type="datetimeFigureOut">
               <a:rPr lang="it-IT" noProof="0" smtClean="0"/>
-              <a:t>21/08/2023</a:t>
+              <a:t>25/08/2023</a:t>
             </a:fld>
             <a:endParaRPr lang="it-IT" noProof="0"/>
           </a:p>
@@ -3959,7 +4029,7 @@
           <a:p>
             <a:fld id="{9DE85E5F-4810-48A4-BB48-64D5F821BD7F}" type="slidenum">
               <a:rPr lang="it-IT" smtClean="0"/>
-              <a:t>2</a:t>
+              <a:t>1</a:t>
             </a:fld>
             <a:endParaRPr lang="it-IT"/>
           </a:p>
@@ -4043,7 +4113,7 @@
           <a:p>
             <a:fld id="{1317C824-2132-4BB7-8F95-0CAE4412AE81}" type="slidenum">
               <a:rPr lang="it-IT" noProof="0" smtClean="0"/>
-              <a:t>37</a:t>
+              <a:t>36</a:t>
             </a:fld>
             <a:endParaRPr lang="it-IT" noProof="0"/>
           </a:p>
@@ -4306,7 +4376,7 @@
             <a:fld id="{B61BEF0D-F0BB-DE4B-95CE-6DB70DBA9567}" type="datetimeFigureOut">
               <a:rPr lang="en-US" dirty="0"/>
               <a:pPr/>
-              <a:t>8/21/2023</a:t>
+              <a:t>8/25/2023</a:t>
             </a:fld>
             <a:endParaRPr lang="en-US" dirty="0"/>
           </a:p>
@@ -4568,7 +4638,7 @@
             <a:fld id="{B61BEF0D-F0BB-DE4B-95CE-6DB70DBA9567}" type="datetimeFigureOut">
               <a:rPr lang="en-US" dirty="0"/>
               <a:pPr/>
-              <a:t>8/21/2023</a:t>
+              <a:t>8/25/2023</a:t>
             </a:fld>
             <a:endParaRPr lang="en-US" dirty="0"/>
           </a:p>
@@ -4803,7 +4873,7 @@
             <a:fld id="{B61BEF0D-F0BB-DE4B-95CE-6DB70DBA9567}" type="datetimeFigureOut">
               <a:rPr lang="en-US" dirty="0"/>
               <a:pPr/>
-              <a:t>8/21/2023</a:t>
+              <a:t>8/25/2023</a:t>
             </a:fld>
             <a:endParaRPr lang="en-US" dirty="0"/>
           </a:p>
@@ -5043,7 +5113,7 @@
             <a:fld id="{B61BEF0D-F0BB-DE4B-95CE-6DB70DBA9567}" type="datetimeFigureOut">
               <a:rPr lang="en-US" dirty="0"/>
               <a:pPr/>
-              <a:t>8/21/2023</a:t>
+              <a:t>8/25/2023</a:t>
             </a:fld>
             <a:endParaRPr lang="en-US" dirty="0"/>
           </a:p>
@@ -5351,7 +5421,7 @@
             <a:fld id="{B61BEF0D-F0BB-DE4B-95CE-6DB70DBA9567}" type="datetimeFigureOut">
               <a:rPr lang="en-US" dirty="0"/>
               <a:pPr/>
-              <a:t>8/21/2023</a:t>
+              <a:t>8/25/2023</a:t>
             </a:fld>
             <a:endParaRPr lang="en-US" dirty="0"/>
           </a:p>
@@ -5652,7 +5722,7 @@
             <a:fld id="{B61BEF0D-F0BB-DE4B-95CE-6DB70DBA9567}" type="datetimeFigureOut">
               <a:rPr lang="en-US" dirty="0"/>
               <a:pPr/>
-              <a:t>8/21/2023</a:t>
+              <a:t>8/25/2023</a:t>
             </a:fld>
             <a:endParaRPr lang="en-US" dirty="0"/>
           </a:p>
@@ -6073,7 +6143,7 @@
             <a:fld id="{B61BEF0D-F0BB-DE4B-95CE-6DB70DBA9567}" type="datetimeFigureOut">
               <a:rPr lang="en-US" dirty="0"/>
               <a:pPr/>
-              <a:t>8/21/2023</a:t>
+              <a:t>8/25/2023</a:t>
             </a:fld>
             <a:endParaRPr lang="en-US" dirty="0"/>
           </a:p>
@@ -6236,7 +6306,7 @@
             <a:fld id="{B61BEF0D-F0BB-DE4B-95CE-6DB70DBA9567}" type="datetimeFigureOut">
               <a:rPr lang="en-US" dirty="0"/>
               <a:pPr/>
-              <a:t>8/21/2023</a:t>
+              <a:t>8/25/2023</a:t>
             </a:fld>
             <a:endParaRPr lang="en-US" dirty="0"/>
           </a:p>
@@ -6333,7 +6403,7 @@
             <a:fld id="{B61BEF0D-F0BB-DE4B-95CE-6DB70DBA9567}" type="datetimeFigureOut">
               <a:rPr lang="en-US" dirty="0"/>
               <a:pPr/>
-              <a:t>8/21/2023</a:t>
+              <a:t>8/25/2023</a:t>
             </a:fld>
             <a:endParaRPr lang="en-US" dirty="0"/>
           </a:p>
@@ -6711,7 +6781,7 @@
             <a:fld id="{B61BEF0D-F0BB-DE4B-95CE-6DB70DBA9567}" type="datetimeFigureOut">
               <a:rPr lang="en-US" dirty="0"/>
               <a:pPr/>
-              <a:t>8/21/2023</a:t>
+              <a:t>8/25/2023</a:t>
             </a:fld>
             <a:endParaRPr lang="en-US" dirty="0"/>
           </a:p>
@@ -6997,7 +7067,7 @@
             <a:fld id="{B61BEF0D-F0BB-DE4B-95CE-6DB70DBA9567}" type="datetimeFigureOut">
               <a:rPr lang="en-US" dirty="0"/>
               <a:pPr/>
-              <a:t>8/21/2023</a:t>
+              <a:t>8/25/2023</a:t>
             </a:fld>
             <a:endParaRPr lang="en-US" dirty="0"/>
           </a:p>
@@ -7236,7 +7306,7 @@
             <a:fld id="{B61BEF0D-F0BB-DE4B-95CE-6DB70DBA9567}" type="datetimeFigureOut">
               <a:rPr lang="en-US" dirty="0"/>
               <a:pPr/>
-              <a:t>8/21/2023</a:t>
+              <a:t>8/25/2023</a:t>
             </a:fld>
             <a:endParaRPr lang="en-US" dirty="0"/>
           </a:p>
@@ -13438,14 +13508,14 @@
             <p:ph idx="1"/>
             <p:extLst>
               <p:ext uri="{D42A27DB-BD31-4B8C-83A1-F6EECF244321}">
-                <p14:modId xmlns:p14="http://schemas.microsoft.com/office/powerpoint/2010/main" val="2800846276"/>
+                <p14:modId xmlns:p14="http://schemas.microsoft.com/office/powerpoint/2010/main" val="2509872154"/>
               </p:ext>
             </p:extLst>
           </p:nvPr>
         </p:nvGraphicFramePr>
         <p:xfrm>
           <a:off x="581192" y="2180496"/>
-          <a:ext cx="11029615" cy="3678303"/>
+          <a:ext cx="11029615" cy="3799107"/>
         </p:xfrm>
         <a:graphic>
           <a:graphicData uri="http://schemas.openxmlformats.org/drawingml/2006/diagram">
@@ -15843,14 +15913,6 @@
 </file>
 
 <file path=customXml/item1.xml><?xml version="1.0" encoding="utf-8"?>
-<p:properties xmlns:p="http://schemas.microsoft.com/office/2006/metadata/properties" xmlns:xsi="http://www.w3.org/2001/XMLSchema-instance" xmlns:pc="http://schemas.microsoft.com/office/infopath/2007/PartnerControls">
-  <documentManagement>
-    <MediaServiceKeyPoints xmlns="71af3243-3dd4-4a8d-8c0d-dd76da1f02a5" xsi:nil="true"/>
-  </documentManagement>
-</p:properties>
-</file>
-
-<file path=customXml/item2.xml><?xml version="1.0" encoding="utf-8"?>
 <ct:contentTypeSchema xmlns:ct="http://schemas.microsoft.com/office/2006/metadata/contentType" xmlns:ma="http://schemas.microsoft.com/office/2006/metadata/properties/metaAttributes" ct:_="" ma:_="" ma:contentTypeName="Document" ma:contentTypeID="0x01010079F111ED35F8CC479449609E8A0923A6" ma:contentTypeVersion="11" ma:contentTypeDescription="Create a new document." ma:contentTypeScope="" ma:versionID="1c2eb7a32e66fb6e4260f3771546a5e2">
   <xsd:schema xmlns:xsd="http://www.w3.org/2001/XMLSchema" xmlns:xs="http://www.w3.org/2001/XMLSchema" xmlns:p="http://schemas.microsoft.com/office/2006/metadata/properties" xmlns:ns2="71af3243-3dd4-4a8d-8c0d-dd76da1f02a5" xmlns:ns3="16c05727-aa75-4e4a-9b5f-8a80a1165891" targetNamespace="http://schemas.microsoft.com/office/2006/metadata/properties" ma:root="true" ma:fieldsID="04e1f6479c48b08974ba73b5ca973489" ns2:_="" ns3:_="">
     <xsd:import namespace="71af3243-3dd4-4a8d-8c0d-dd76da1f02a5"/>
@@ -16061,6 +16123,14 @@
 </ct:contentTypeSchema>
 </file>
 
+<file path=customXml/item2.xml><?xml version="1.0" encoding="utf-8"?>
+<p:properties xmlns:p="http://schemas.microsoft.com/office/2006/metadata/properties" xmlns:xsi="http://www.w3.org/2001/XMLSchema-instance" xmlns:pc="http://schemas.microsoft.com/office/infopath/2007/PartnerControls">
+  <documentManagement>
+    <MediaServiceKeyPoints xmlns="71af3243-3dd4-4a8d-8c0d-dd76da1f02a5" xsi:nil="true"/>
+  </documentManagement>
+</p:properties>
+</file>
+
 <file path=customXml/item3.xml><?xml version="1.0" encoding="utf-8"?>
 <?mso-contentType ?>
 <FormTemplates xmlns="http://schemas.microsoft.com/sharepoint/v3/contenttype/forms">
@@ -16071,16 +16141,6 @@
 </file>
 
 <file path=customXml/itemProps1.xml><?xml version="1.0" encoding="utf-8"?>
-<ds:datastoreItem xmlns:ds="http://schemas.openxmlformats.org/officeDocument/2006/customXml" ds:itemID="{1EBC12AA-1C15-4500-BC9C-8EE83A441DE9}">
-  <ds:schemaRefs>
-    <ds:schemaRef ds:uri="http://schemas.microsoft.com/office/2006/metadata/properties"/>
-    <ds:schemaRef ds:uri="http://schemas.microsoft.com/office/infopath/2007/PartnerControls"/>
-    <ds:schemaRef ds:uri="71af3243-3dd4-4a8d-8c0d-dd76da1f02a5"/>
-  </ds:schemaRefs>
-</ds:datastoreItem>
-</file>
-
-<file path=customXml/itemProps2.xml><?xml version="1.0" encoding="utf-8"?>
 <ds:datastoreItem xmlns:ds="http://schemas.openxmlformats.org/officeDocument/2006/customXml" ds:itemID="{1F69AFF4-BB30-4BA0-AD22-82CC3C43276B}">
   <ds:schemaRefs>
     <ds:schemaRef ds:uri="http://schemas.microsoft.com/office/2006/metadata/contentType"/>
@@ -16099,6 +16159,16 @@
 </ds:datastoreItem>
 </file>
 
+<file path=customXml/itemProps2.xml><?xml version="1.0" encoding="utf-8"?>
+<ds:datastoreItem xmlns:ds="http://schemas.openxmlformats.org/officeDocument/2006/customXml" ds:itemID="{1EBC12AA-1C15-4500-BC9C-8EE83A441DE9}">
+  <ds:schemaRefs>
+    <ds:schemaRef ds:uri="http://schemas.microsoft.com/office/2006/metadata/properties"/>
+    <ds:schemaRef ds:uri="http://schemas.microsoft.com/office/infopath/2007/PartnerControls"/>
+    <ds:schemaRef ds:uri="71af3243-3dd4-4a8d-8c0d-dd76da1f02a5"/>
+  </ds:schemaRefs>
+</ds:datastoreItem>
+</file>
+
 <file path=customXml/itemProps3.xml><?xml version="1.0" encoding="utf-8"?>
 <ds:datastoreItem xmlns:ds="http://schemas.openxmlformats.org/officeDocument/2006/customXml" ds:itemID="{BA0CF3B2-1F0F-4FC5-8002-3E4869ABAD55}">
   <ds:schemaRefs>

--- a/MentOS - Process Management.pptx
+++ b/MentOS - Process Management.pptx
@@ -162,6 +162,7 @@
     <p1510:client id="{4AB3D4B1-B6E4-4FB5-A6F3-EC5F1FB80BCA}" v="86" dt="2023-08-20T13:10:26.969"/>
     <p1510:client id="{5CEC7151-7C08-441D-821F-2FFC8FECCEAC}" v="9" dt="2023-08-21T18:15:48.675"/>
     <p1510:client id="{85C0C5A0-9679-4566-8E94-774874BB5338}" v="70" dt="2023-08-20T16:06:46.876"/>
+    <p1510:client id="{A21E4B22-B040-45ED-8CF3-8CC7BB0DD3FE}" v="4" dt="2023-08-27T09:52:39.286"/>
     <p1510:client id="{A6B15BFC-85D5-4357-9537-5F7AA7C4A3F7}" v="108" dt="2023-08-20T13:39:51.206"/>
     <p1510:client id="{F6F52296-290C-4C43-A1AB-A89C9322BE03}" v="42" dt="2023-08-20T14:21:35.035"/>
   </p1510:revLst>
@@ -998,7 +999,7 @@
             <a:rPr lang="it-IT" u="sng" dirty="0">
               <a:latin typeface="Calibri"/>
               <a:cs typeface="Calibri"/>
-              <a:hlinkClick xmlns:r="http://schemas.openxmlformats.org/officeDocument/2006/relationships" r:id=""/>
+              <a:hlinkClick xmlns:r="http://schemas.openxmlformats.org/officeDocument/2006/relationships" r:id="" action="ppaction://noaction"/>
             </a:rPr>
             <a:t>https://mentos-team.github.io/doc/doxygen/index.html</a:t>
           </a:r>
@@ -1739,7 +1740,7 @@
             <a:rPr lang="it-IT" sz="1700" u="sng" kern="1200" dirty="0">
               <a:latin typeface="Calibri"/>
               <a:cs typeface="Calibri"/>
-              <a:hlinkClick xmlns:r="http://schemas.openxmlformats.org/officeDocument/2006/relationships" r:id=""/>
+              <a:hlinkClick xmlns:r="http://schemas.openxmlformats.org/officeDocument/2006/relationships" r:id="" action="ppaction://noaction"/>
             </a:rPr>
             <a:t>https://mentos-team.github.io/doc/doxygen/index.html</a:t>
           </a:r>
@@ -3518,7 +3519,7 @@
           <a:p>
             <a:fld id="{79853C4C-502E-464F-BAA8-27DBB71A0B97}" type="datetimeFigureOut">
               <a:rPr lang="it-IT" smtClean="0"/>
-              <a:t>25/08/2023</a:t>
+              <a:t>27/08/2023</a:t>
             </a:fld>
             <a:endParaRPr lang="it-IT"/>
           </a:p>
@@ -3696,7 +3697,7 @@
           <a:p>
             <a:fld id="{AF56E82B-0561-4374-A755-5D7F376F3791}" type="datetimeFigureOut">
               <a:rPr lang="it-IT" noProof="0" smtClean="0"/>
-              <a:t>25/08/2023</a:t>
+              <a:t>27/08/2023</a:t>
             </a:fld>
             <a:endParaRPr lang="it-IT" noProof="0"/>
           </a:p>
@@ -4376,7 +4377,7 @@
             <a:fld id="{B61BEF0D-F0BB-DE4B-95CE-6DB70DBA9567}" type="datetimeFigureOut">
               <a:rPr lang="en-US" dirty="0"/>
               <a:pPr/>
-              <a:t>8/25/2023</a:t>
+              <a:t>8/27/2023</a:t>
             </a:fld>
             <a:endParaRPr lang="en-US" dirty="0"/>
           </a:p>
@@ -4638,7 +4639,7 @@
             <a:fld id="{B61BEF0D-F0BB-DE4B-95CE-6DB70DBA9567}" type="datetimeFigureOut">
               <a:rPr lang="en-US" dirty="0"/>
               <a:pPr/>
-              <a:t>8/25/2023</a:t>
+              <a:t>8/27/2023</a:t>
             </a:fld>
             <a:endParaRPr lang="en-US" dirty="0"/>
           </a:p>
@@ -4873,7 +4874,7 @@
             <a:fld id="{B61BEF0D-F0BB-DE4B-95CE-6DB70DBA9567}" type="datetimeFigureOut">
               <a:rPr lang="en-US" dirty="0"/>
               <a:pPr/>
-              <a:t>8/25/2023</a:t>
+              <a:t>8/27/2023</a:t>
             </a:fld>
             <a:endParaRPr lang="en-US" dirty="0"/>
           </a:p>
@@ -5113,7 +5114,7 @@
             <a:fld id="{B61BEF0D-F0BB-DE4B-95CE-6DB70DBA9567}" type="datetimeFigureOut">
               <a:rPr lang="en-US" dirty="0"/>
               <a:pPr/>
-              <a:t>8/25/2023</a:t>
+              <a:t>8/27/2023</a:t>
             </a:fld>
             <a:endParaRPr lang="en-US" dirty="0"/>
           </a:p>
@@ -5421,7 +5422,7 @@
             <a:fld id="{B61BEF0D-F0BB-DE4B-95CE-6DB70DBA9567}" type="datetimeFigureOut">
               <a:rPr lang="en-US" dirty="0"/>
               <a:pPr/>
-              <a:t>8/25/2023</a:t>
+              <a:t>8/27/2023</a:t>
             </a:fld>
             <a:endParaRPr lang="en-US" dirty="0"/>
           </a:p>
@@ -5722,7 +5723,7 @@
             <a:fld id="{B61BEF0D-F0BB-DE4B-95CE-6DB70DBA9567}" type="datetimeFigureOut">
               <a:rPr lang="en-US" dirty="0"/>
               <a:pPr/>
-              <a:t>8/25/2023</a:t>
+              <a:t>8/27/2023</a:t>
             </a:fld>
             <a:endParaRPr lang="en-US" dirty="0"/>
           </a:p>
@@ -6143,7 +6144,7 @@
             <a:fld id="{B61BEF0D-F0BB-DE4B-95CE-6DB70DBA9567}" type="datetimeFigureOut">
               <a:rPr lang="en-US" dirty="0"/>
               <a:pPr/>
-              <a:t>8/25/2023</a:t>
+              <a:t>8/27/2023</a:t>
             </a:fld>
             <a:endParaRPr lang="en-US" dirty="0"/>
           </a:p>
@@ -6306,7 +6307,7 @@
             <a:fld id="{B61BEF0D-F0BB-DE4B-95CE-6DB70DBA9567}" type="datetimeFigureOut">
               <a:rPr lang="en-US" dirty="0"/>
               <a:pPr/>
-              <a:t>8/25/2023</a:t>
+              <a:t>8/27/2023</a:t>
             </a:fld>
             <a:endParaRPr lang="en-US" dirty="0"/>
           </a:p>
@@ -6403,7 +6404,7 @@
             <a:fld id="{B61BEF0D-F0BB-DE4B-95CE-6DB70DBA9567}" type="datetimeFigureOut">
               <a:rPr lang="en-US" dirty="0"/>
               <a:pPr/>
-              <a:t>8/25/2023</a:t>
+              <a:t>8/27/2023</a:t>
             </a:fld>
             <a:endParaRPr lang="en-US" dirty="0"/>
           </a:p>
@@ -6781,7 +6782,7 @@
             <a:fld id="{B61BEF0D-F0BB-DE4B-95CE-6DB70DBA9567}" type="datetimeFigureOut">
               <a:rPr lang="en-US" dirty="0"/>
               <a:pPr/>
-              <a:t>8/25/2023</a:t>
+              <a:t>8/27/2023</a:t>
             </a:fld>
             <a:endParaRPr lang="en-US" dirty="0"/>
           </a:p>
@@ -7067,7 +7068,7 @@
             <a:fld id="{B61BEF0D-F0BB-DE4B-95CE-6DB70DBA9567}" type="datetimeFigureOut">
               <a:rPr lang="en-US" dirty="0"/>
               <a:pPr/>
-              <a:t>8/25/2023</a:t>
+              <a:t>8/27/2023</a:t>
             </a:fld>
             <a:endParaRPr lang="en-US" dirty="0"/>
           </a:p>
@@ -7306,7 +7307,7 @@
             <a:fld id="{B61BEF0D-F0BB-DE4B-95CE-6DB70DBA9567}" type="datetimeFigureOut">
               <a:rPr lang="en-US" dirty="0"/>
               <a:pPr/>
-              <a:t>8/25/2023</a:t>
+              <a:t>8/27/2023</a:t>
             </a:fld>
             <a:endParaRPr lang="en-US" dirty="0"/>
           </a:p>
@@ -12938,7 +12939,7 @@
             </a:r>
             <a:r>
               <a:rPr lang="it-IT" dirty="0"/>
-              <a:t>.  L’algoritmo che si occuperà dell’ordinamento delle task  è </a:t>
+              <a:t>.  L’algoritmo che si occuperà dell’ordinamento delle task è </a:t>
             </a:r>
             <a:r>
               <a:rPr lang="it-IT" b="1" dirty="0"/>
@@ -12982,7 +12983,7 @@
             </a:r>
             <a:r>
               <a:rPr lang="it-IT" dirty="0"/>
-              <a:t>in questo caso non farà nulla, quindi la coda di esecuzione rimarrà invariata seguendo quindi un’esecuzione in ordine di ingresse, quindi funzionando come un Round Robin. </a:t>
+              <a:t>in questo caso non farà nulla, quindi la coda di esecuzione rimarrà invariata seguendo quindi un’esecuzione in ordine di ingresso, quindi funzionando come un Round Robin. </a:t>
             </a:r>
           </a:p>
           <a:p>

--- a/MentOS - Process Management.pptx
+++ b/MentOS - Process Management.pptx
@@ -3519,7 +3519,7 @@
           <a:p>
             <a:fld id="{79853C4C-502E-464F-BAA8-27DBB71A0B97}" type="datetimeFigureOut">
               <a:rPr lang="it-IT" smtClean="0"/>
-              <a:t>27/08/2023</a:t>
+              <a:t>29/08/2023</a:t>
             </a:fld>
             <a:endParaRPr lang="it-IT"/>
           </a:p>
@@ -3697,7 +3697,7 @@
           <a:p>
             <a:fld id="{AF56E82B-0561-4374-A755-5D7F376F3791}" type="datetimeFigureOut">
               <a:rPr lang="it-IT" noProof="0" smtClean="0"/>
-              <a:t>27/08/2023</a:t>
+              <a:t>29/08/2023</a:t>
             </a:fld>
             <a:endParaRPr lang="it-IT" noProof="0"/>
           </a:p>
@@ -4377,7 +4377,7 @@
             <a:fld id="{B61BEF0D-F0BB-DE4B-95CE-6DB70DBA9567}" type="datetimeFigureOut">
               <a:rPr lang="en-US" dirty="0"/>
               <a:pPr/>
-              <a:t>8/27/2023</a:t>
+              <a:t>8/29/2023</a:t>
             </a:fld>
             <a:endParaRPr lang="en-US" dirty="0"/>
           </a:p>
@@ -4639,7 +4639,7 @@
             <a:fld id="{B61BEF0D-F0BB-DE4B-95CE-6DB70DBA9567}" type="datetimeFigureOut">
               <a:rPr lang="en-US" dirty="0"/>
               <a:pPr/>
-              <a:t>8/27/2023</a:t>
+              <a:t>8/29/2023</a:t>
             </a:fld>
             <a:endParaRPr lang="en-US" dirty="0"/>
           </a:p>
@@ -4874,7 +4874,7 @@
             <a:fld id="{B61BEF0D-F0BB-DE4B-95CE-6DB70DBA9567}" type="datetimeFigureOut">
               <a:rPr lang="en-US" dirty="0"/>
               <a:pPr/>
-              <a:t>8/27/2023</a:t>
+              <a:t>8/29/2023</a:t>
             </a:fld>
             <a:endParaRPr lang="en-US" dirty="0"/>
           </a:p>
@@ -5114,7 +5114,7 @@
             <a:fld id="{B61BEF0D-F0BB-DE4B-95CE-6DB70DBA9567}" type="datetimeFigureOut">
               <a:rPr lang="en-US" dirty="0"/>
               <a:pPr/>
-              <a:t>8/27/2023</a:t>
+              <a:t>8/29/2023</a:t>
             </a:fld>
             <a:endParaRPr lang="en-US" dirty="0"/>
           </a:p>
@@ -5422,7 +5422,7 @@
             <a:fld id="{B61BEF0D-F0BB-DE4B-95CE-6DB70DBA9567}" type="datetimeFigureOut">
               <a:rPr lang="en-US" dirty="0"/>
               <a:pPr/>
-              <a:t>8/27/2023</a:t>
+              <a:t>8/29/2023</a:t>
             </a:fld>
             <a:endParaRPr lang="en-US" dirty="0"/>
           </a:p>
@@ -5723,7 +5723,7 @@
             <a:fld id="{B61BEF0D-F0BB-DE4B-95CE-6DB70DBA9567}" type="datetimeFigureOut">
               <a:rPr lang="en-US" dirty="0"/>
               <a:pPr/>
-              <a:t>8/27/2023</a:t>
+              <a:t>8/29/2023</a:t>
             </a:fld>
             <a:endParaRPr lang="en-US" dirty="0"/>
           </a:p>
@@ -6144,7 +6144,7 @@
             <a:fld id="{B61BEF0D-F0BB-DE4B-95CE-6DB70DBA9567}" type="datetimeFigureOut">
               <a:rPr lang="en-US" dirty="0"/>
               <a:pPr/>
-              <a:t>8/27/2023</a:t>
+              <a:t>8/29/2023</a:t>
             </a:fld>
             <a:endParaRPr lang="en-US" dirty="0"/>
           </a:p>
@@ -6307,7 +6307,7 @@
             <a:fld id="{B61BEF0D-F0BB-DE4B-95CE-6DB70DBA9567}" type="datetimeFigureOut">
               <a:rPr lang="en-US" dirty="0"/>
               <a:pPr/>
-              <a:t>8/27/2023</a:t>
+              <a:t>8/29/2023</a:t>
             </a:fld>
             <a:endParaRPr lang="en-US" dirty="0"/>
           </a:p>
@@ -6404,7 +6404,7 @@
             <a:fld id="{B61BEF0D-F0BB-DE4B-95CE-6DB70DBA9567}" type="datetimeFigureOut">
               <a:rPr lang="en-US" dirty="0"/>
               <a:pPr/>
-              <a:t>8/27/2023</a:t>
+              <a:t>8/29/2023</a:t>
             </a:fld>
             <a:endParaRPr lang="en-US" dirty="0"/>
           </a:p>
@@ -6782,7 +6782,7 @@
             <a:fld id="{B61BEF0D-F0BB-DE4B-95CE-6DB70DBA9567}" type="datetimeFigureOut">
               <a:rPr lang="en-US" dirty="0"/>
               <a:pPr/>
-              <a:t>8/27/2023</a:t>
+              <a:t>8/29/2023</a:t>
             </a:fld>
             <a:endParaRPr lang="en-US" dirty="0"/>
           </a:p>
@@ -7068,7 +7068,7 @@
             <a:fld id="{B61BEF0D-F0BB-DE4B-95CE-6DB70DBA9567}" type="datetimeFigureOut">
               <a:rPr lang="en-US" dirty="0"/>
               <a:pPr/>
-              <a:t>8/27/2023</a:t>
+              <a:t>8/29/2023</a:t>
             </a:fld>
             <a:endParaRPr lang="en-US" dirty="0"/>
           </a:p>
@@ -7307,7 +7307,7 @@
             <a:fld id="{B61BEF0D-F0BB-DE4B-95CE-6DB70DBA9567}" type="datetimeFigureOut">
               <a:rPr lang="en-US" dirty="0"/>
               <a:pPr/>
-              <a:t>8/27/2023</a:t>
+              <a:t>8/29/2023</a:t>
             </a:fld>
             <a:endParaRPr lang="en-US" dirty="0"/>
           </a:p>
@@ -8078,7 +8078,7 @@
                 <a:cs typeface="+mj-lt"/>
               </a:rPr>
             </a:br>
-            <a:endParaRPr lang="it-IT" sz="2800">
+            <a:endParaRPr lang="it-IT" sz="2800" dirty="0">
               <a:solidFill>
                 <a:schemeClr val="bg1"/>
               </a:solidFill>
@@ -8090,7 +8090,7 @@
                 <a:spcPct val="90000"/>
               </a:lnSpc>
             </a:pPr>
-            <a:endParaRPr lang="it-IT" sz="5600">
+            <a:endParaRPr lang="it-IT" sz="5600" dirty="0">
               <a:solidFill>
                 <a:schemeClr val="tx2"/>
               </a:solidFill>
@@ -8151,6 +8151,13 @@
             <a:schemeClr val="lt1"/>
           </a:fontRef>
         </p:style>
+        <p:txBody>
+          <a:bodyPr/>
+          <a:lstStyle/>
+          <a:p>
+            <a:endParaRPr lang="it-IT"/>
+          </a:p>
+        </p:txBody>
       </p:sp>
       <p:sp>
         <p:nvSpPr>
@@ -9395,7 +9402,7 @@
             </a:r>
             <a:r>
               <a:rPr lang="it-IT" dirty="0"/>
-              <a:t> , ovvero un long, con il numero di processi che si trovano nel running state.</a:t>
+              <a:t>, ovvero un long, con il numero di processi che si trovano nel running state.</a:t>
             </a:r>
           </a:p>
           <a:p>
@@ -9413,7 +9420,7 @@
             </a:r>
             <a:r>
               <a:rPr lang="it-IT" dirty="0"/>
-              <a:t> , ovvero un long, con il numero di processi periodici che si trovano nel running state.</a:t>
+              <a:t>, ovvero un long, con il numero di processi periodici che si trovano nel running state.</a:t>
             </a:r>
           </a:p>
           <a:p>
@@ -9786,7 +9793,7 @@
             </a:r>
             <a:r>
               <a:rPr lang="it-IT" dirty="0"/>
-              <a:t>;</a:t>
+              <a:t>.</a:t>
             </a:r>
           </a:p>
           <a:p>
@@ -10186,7 +10193,7 @@
             </a:r>
             <a:r>
               <a:rPr lang="it-IT" b="1" dirty="0" err="1"/>
-              <a:t>scheduler_pick_nest_task</a:t>
+              <a:t>scheduler_pick_next_task</a:t>
             </a:r>
             <a:r>
               <a:rPr lang="it-IT" b="1" dirty="0"/>
@@ -10337,7 +10344,7 @@
             </a:r>
             <a:r>
               <a:rPr lang="it-IT" dirty="0"/>
-              <a:t>-free , ovvero si evita che ci siano processi che non vengono mai eseguiti. </a:t>
+              <a:t>-free, ovvero si evita che ci siano processi che non vengono mai eseguiti. </a:t>
             </a:r>
           </a:p>
           <a:p>
@@ -10773,7 +10780,15 @@
             </a:pPr>
             <a:r>
               <a:rPr lang="it-IT" dirty="0"/>
-              <a:t>L’algoritmo visto in precedenza è il più semplice,  in quanto tutte le task sono uguali e a turno verranno eseguite dalla CPU. Ciò però non è quello che vogliamo che accada sempre, in quanto spesso ci capiterà di voler far eseguire prima delle task rispetto alle altre:, come per esempio far eseguire prima le task degli amministratori rispetto a quelli di uno user normale. Per questo motivo si sono introdotti i </a:t>
+              <a:t>L’algoritmo visto in precedenza è il più semplice,  in quanto tutte le task sono uguali e a turno verranno eseguite dalla CPU. Ciò però non è quello che vogliamo che accada sempre, in quanto spesso ci capiterà di voler far eseguire prima delle task rispetto </a:t>
+            </a:r>
+            <a:r>
+              <a:rPr lang="it-IT"/>
+              <a:t>alle altre, </a:t>
+            </a:r>
+            <a:r>
+              <a:rPr lang="it-IT" dirty="0"/>
+              <a:t>come per esempio far eseguire prima le task degli amministratori rispetto a quelli di uno user normale. Per questo motivo si sono introdotti i </a:t>
             </a:r>
             <a:r>
               <a:rPr lang="it-IT" dirty="0" err="1"/>
@@ -11339,8 +11354,12 @@
               <a:t>scheduler_algorithm.c</a:t>
             </a:r>
             <a:r>
-              <a:rPr lang="it-IT" dirty="0"/>
+              <a:rPr lang="it-IT" i="1" dirty="0"/>
               <a:t> </a:t>
+            </a:r>
+            <a:r>
+              <a:rPr lang="it-IT" dirty="0"/>
+              <a:t>. </a:t>
             </a:r>
           </a:p>
         </p:txBody>
@@ -11518,7 +11537,7 @@
             </a:r>
             <a:r>
               <a:rPr lang="it-IT" dirty="0"/>
-              <a:t> deve conoscere il peso delle task e , soprattutto, quanto vale tale numero in tempo. Per questo il </a:t>
+              <a:t> deve conoscere il peso delle task e, soprattutto, quanto vale tale numero in tempo. Per questo il </a:t>
             </a:r>
             <a:r>
               <a:rPr lang="it-IT" dirty="0" err="1"/>
@@ -11674,10 +11693,6 @@
             <a:r>
               <a:rPr lang="it-IT" i="1" dirty="0" err="1"/>
               <a:t>prio.h</a:t>
-            </a:r>
-            <a:r>
-              <a:rPr lang="it-IT" i="1" dirty="0"/>
-              <a:t> </a:t>
             </a:r>
             <a:r>
               <a:rPr lang="it-IT" dirty="0"/>
@@ -12047,7 +12062,7 @@
             </a:r>
             <a:r>
               <a:rPr lang="it-IT" dirty="0"/>
-              <a:t> </a:t>
+              <a:t>.</a:t>
             </a:r>
           </a:p>
         </p:txBody>
@@ -12567,7 +12582,7 @@
             </a:r>
             <a:r>
               <a:rPr lang="it-IT" dirty="0"/>
-              <a:t>: il nome del processo</a:t>
+              <a:t>: il nome del processo;</a:t>
             </a:r>
           </a:p>
           <a:p>
@@ -12578,7 +12593,7 @@
             </a:r>
             <a:r>
               <a:rPr lang="it-IT" dirty="0"/>
-              <a:t>: il lock di questa struttura</a:t>
+              <a:t>: il lock di questa struttura;</a:t>
             </a:r>
           </a:p>
           <a:p>
@@ -12597,7 +12612,7 @@
             </a:r>
             <a:r>
               <a:rPr lang="it-IT" dirty="0"/>
-              <a:t> di questo processo</a:t>
+              <a:t> di questo processo;</a:t>
             </a:r>
           </a:p>
           <a:p>
@@ -12634,7 +12649,10 @@
               <a:rPr lang="it-IT" dirty="0" err="1"/>
               <a:t>space</a:t>
             </a:r>
-            <a:endParaRPr lang="it-IT" dirty="0"/>
+            <a:r>
+              <a:rPr lang="it-IT" dirty="0"/>
+              <a:t>;</a:t>
+            </a:r>
           </a:p>
           <a:p>
             <a:pPr marL="305435" indent="-305435"/>
@@ -12648,7 +12666,7 @@
             </a:r>
             <a:r>
               <a:rPr lang="it-IT" dirty="0"/>
-              <a:t>: la working directory attuale del processo</a:t>
+              <a:t>: la working directory attuale del processo.</a:t>
             </a:r>
           </a:p>
         </p:txBody>
@@ -12767,10 +12785,6 @@
             <a:r>
               <a:rPr lang="it-IT" i="1" dirty="0" err="1"/>
               <a:t>proc.h</a:t>
-            </a:r>
-            <a:r>
-              <a:rPr lang="it-IT" i="1" dirty="0"/>
-              <a:t> </a:t>
             </a:r>
             <a:r>
               <a:rPr lang="it-IT" dirty="0"/>
@@ -13265,6 +13279,13 @@
             <a:schemeClr val="lt1"/>
           </a:fontRef>
         </p:style>
+        <p:txBody>
+          <a:bodyPr/>
+          <a:lstStyle/>
+          <a:p>
+            <a:endParaRPr lang="it-IT"/>
+          </a:p>
+        </p:txBody>
       </p:sp>
       <p:sp>
         <p:nvSpPr>
@@ -13387,6 +13408,13 @@
               <a:schemeClr val="lt1"/>
             </a:fontRef>
           </p:style>
+          <p:txBody>
+            <a:bodyPr/>
+            <a:lstStyle/>
+            <a:p>
+              <a:endParaRPr lang="it-IT"/>
+            </a:p>
+          </p:txBody>
         </p:sp>
         <p:sp>
           <p:nvSpPr>
@@ -13439,6 +13467,13 @@
               <a:schemeClr val="lt1"/>
             </a:fontRef>
           </p:style>
+          <p:txBody>
+            <a:bodyPr/>
+            <a:lstStyle/>
+            <a:p>
+              <a:endParaRPr lang="it-IT"/>
+            </a:p>
+          </p:txBody>
         </p:sp>
         <p:sp>
           <p:nvSpPr>
@@ -13491,6 +13526,13 @@
               <a:schemeClr val="lt1"/>
             </a:fontRef>
           </p:style>
+          <p:txBody>
+            <a:bodyPr/>
+            <a:lstStyle/>
+            <a:p>
+              <a:endParaRPr lang="it-IT"/>
+            </a:p>
+          </p:txBody>
         </p:sp>
       </p:grpSp>
       <p:graphicFrame>
@@ -14197,7 +14239,7 @@
             </a:r>
             <a:r>
               <a:rPr lang="it-IT" dirty="0"/>
-              <a:t>: Il processo è attualmente in esecuzione o ha tutte le risorse pronte all’esecuzione a parte la CPU</a:t>
+              <a:t>: Il processo è attualmente in esecuzione o ha tutte le risorse pronte all’esecuzione a parte la CPU;</a:t>
             </a:r>
           </a:p>
           <a:p>
@@ -14215,7 +14257,7 @@
             </a:r>
             <a:r>
               <a:rPr lang="it-IT" dirty="0"/>
-              <a:t> aspettando qualche condizione per essere eseguita. Quando questa condizione esiste, lo stato viene cambiato a TASK_RUNNABLE . Quando incontriamo poi la condizione lo stato si risveglia.</a:t>
+              <a:t> aspettando qualche condizione per essere eseguita. Quando questa condizione esiste, lo stato viene cambiato a TASK_RUNNABLE . Quando incontriamo poi la condizione lo stato si risveglia;</a:t>
             </a:r>
           </a:p>
           <a:p>
@@ -14233,7 +14275,7 @@
             </a:r>
             <a:r>
               <a:rPr lang="it-IT" dirty="0"/>
-              <a:t>-up call.</a:t>
+              <a:t>-up call;</a:t>
             </a:r>
           </a:p>
           <a:p>
@@ -14251,7 +14293,7 @@
             </a:r>
             <a:r>
               <a:rPr lang="it-IT" dirty="0"/>
-              <a:t>.</a:t>
+              <a:t>;</a:t>
             </a:r>
           </a:p>
           <a:p>
@@ -14293,7 +14335,7 @@
             </a:r>
             <a:r>
               <a:rPr lang="it-IT" dirty="0"/>
-              <a:t> delle informazioni riguardo al processo morto.</a:t>
+              <a:t> delle informazioni riguardo al processo morto;</a:t>
             </a:r>
           </a:p>
           <a:p>
@@ -14441,7 +14483,7 @@
             </a:r>
             <a:r>
               <a:rPr lang="it-IT" dirty="0"/>
-              <a:t> state e come si può passare da uno all’altro.</a:t>
+              <a:t> state e come si può passare da uno all’altro:</a:t>
             </a:r>
           </a:p>
         </p:txBody>
@@ -14619,7 +14661,7 @@
             </a:r>
             <a:r>
               <a:rPr lang="it-IT" dirty="0"/>
-              <a:t>: puntatore al processo padre</a:t>
+              <a:t>: puntatore al processo padre;</a:t>
             </a:r>
           </a:p>
           <a:p>
@@ -14653,7 +14695,7 @@
             </a:r>
             <a:r>
               <a:rPr lang="it-IT" dirty="0"/>
-              <a:t> creati dal processo</a:t>
+              <a:t> creati dal processo;</a:t>
             </a:r>
           </a:p>
           <a:p>
